--- a/ApresentacaoSistema.pptx
+++ b/ApresentacaoSistema.pptx
@@ -5,24 +5,27 @@
     <p:sldMasterId id="2147483648" r:id="rId4"/>
   </p:sldMasterIdLst>
   <p:notesMasterIdLst>
-    <p:notesMasterId r:id="rId17"/>
+    <p:notesMasterId r:id="rId20"/>
   </p:notesMasterIdLst>
   <p:handoutMasterIdLst>
-    <p:handoutMasterId r:id="rId18"/>
+    <p:handoutMasterId r:id="rId21"/>
   </p:handoutMasterIdLst>
   <p:sldIdLst>
     <p:sldId id="256" r:id="rId5"/>
     <p:sldId id="257" r:id="rId6"/>
-    <p:sldId id="272" r:id="rId7"/>
-    <p:sldId id="273" r:id="rId8"/>
-    <p:sldId id="274" r:id="rId9"/>
+    <p:sldId id="281" r:id="rId7"/>
+    <p:sldId id="272" r:id="rId8"/>
+    <p:sldId id="273" r:id="rId9"/>
     <p:sldId id="280" r:id="rId10"/>
-    <p:sldId id="275" r:id="rId11"/>
-    <p:sldId id="277" r:id="rId12"/>
-    <p:sldId id="276" r:id="rId13"/>
-    <p:sldId id="278" r:id="rId14"/>
-    <p:sldId id="279" r:id="rId15"/>
-    <p:sldId id="268" r:id="rId16"/>
+    <p:sldId id="282" r:id="rId11"/>
+    <p:sldId id="283" r:id="rId12"/>
+    <p:sldId id="274" r:id="rId13"/>
+    <p:sldId id="275" r:id="rId14"/>
+    <p:sldId id="277" r:id="rId15"/>
+    <p:sldId id="276" r:id="rId16"/>
+    <p:sldId id="278" r:id="rId17"/>
+    <p:sldId id="279" r:id="rId18"/>
+    <p:sldId id="268" r:id="rId19"/>
   </p:sldIdLst>
   <p:sldSz cx="12192000" cy="6858000"/>
   <p:notesSz cx="6858000" cy="9144000"/>
@@ -316,7 +319,7 @@
             <a:pPr rtl="0"/>
             <a:fld id="{4EAD02E9-01F4-4100-AAD6-918D6B52C1C9}" type="datetime1">
               <a:rPr lang="pt-BR" smtClean="0"/>
-              <a:t>09/12/2024</a:t>
+              <a:t>17/12/2024</a:t>
             </a:fld>
             <a:endParaRPr lang="pt-BR" dirty="0"/>
           </a:p>
@@ -498,7 +501,7 @@
             <a:pPr rtl="0"/>
             <a:fld id="{137F44CC-51B6-4AEE-8048-73E90B25236B}" type="datetime1">
               <a:rPr lang="pt-BR" smtClean="0"/>
-              <a:t>09/12/2024</a:t>
+              <a:t>17/12/2024</a:t>
             </a:fld>
             <a:endParaRPr lang="pt-BR" dirty="0"/>
           </a:p>
@@ -1040,7 +1043,7 @@
             <a:pPr rtl="0"/>
             <a:fld id="{DD82C05A-7A07-4286-AA18-B883C0AF9A3B}" type="slidenum">
               <a:rPr lang="pt-BR" smtClean="0"/>
-              <a:t>3</a:t>
+              <a:t>4</a:t>
             </a:fld>
             <a:endParaRPr lang="pt-BR" dirty="0"/>
           </a:p>
@@ -1134,7 +1137,7 @@
             <a:pPr rtl="0"/>
             <a:fld id="{DD82C05A-7A07-4286-AA18-B883C0AF9A3B}" type="slidenum">
               <a:rPr lang="pt-BR" smtClean="0"/>
-              <a:t>4</a:t>
+              <a:t>5</a:t>
             </a:fld>
             <a:endParaRPr lang="pt-BR" dirty="0"/>
           </a:p>
@@ -1228,7 +1231,7 @@
             <a:pPr rtl="0"/>
             <a:fld id="{DD82C05A-7A07-4286-AA18-B883C0AF9A3B}" type="slidenum">
               <a:rPr lang="pt-BR" smtClean="0"/>
-              <a:t>12</a:t>
+              <a:t>15</a:t>
             </a:fld>
             <a:endParaRPr lang="pt-BR" dirty="0"/>
           </a:p>
@@ -3122,7 +3125,7 @@
             <a:fld id="{AFBD55CE-CA03-416A-BD1C-7A0ACCDC8A30}" type="datetime1">
               <a:rPr lang="en-US" smtClean="0"/>
               <a:pPr/>
-              <a:t>12/9/2024</a:t>
+              <a:t>12/17/2024</a:t>
             </a:fld>
             <a:endParaRPr lang="en-US" dirty="0"/>
           </a:p>
@@ -3980,7 +3983,7 @@
             <a:fld id="{9282FABB-2B1C-4E46-9CB7-1D05B4FFA390}" type="datetime1">
               <a:rPr lang="en-US" smtClean="0"/>
               <a:pPr/>
-              <a:t>12/9/2024</a:t>
+              <a:t>12/17/2024</a:t>
             </a:fld>
             <a:endParaRPr lang="en-US" dirty="0"/>
           </a:p>
@@ -6190,7 +6193,7 @@
             <a:fld id="{918B3387-9AF9-40A9-974A-EE166F3A4466}" type="datetime1">
               <a:rPr lang="en-US" smtClean="0"/>
               <a:pPr/>
-              <a:t>12/9/2024</a:t>
+              <a:t>12/17/2024</a:t>
             </a:fld>
             <a:endParaRPr lang="en-US" dirty="0"/>
           </a:p>
@@ -7146,7 +7149,7 @@
             <a:fld id="{D7F04835-22AE-4FA1-BF36-AB2BE20FC9A0}" type="datetime1">
               <a:rPr lang="en-US" smtClean="0"/>
               <a:pPr/>
-              <a:t>12/9/2024</a:t>
+              <a:t>12/17/2024</a:t>
             </a:fld>
             <a:endParaRPr lang="en-US" dirty="0"/>
           </a:p>
@@ -9407,7 +9410,7 @@
             <a:fld id="{F31F0758-9674-49BB-B08A-569F05D7FF3F}" type="datetime1">
               <a:rPr lang="en-US" smtClean="0"/>
               <a:pPr/>
-              <a:t>12/9/2024</a:t>
+              <a:t>12/17/2024</a:t>
             </a:fld>
             <a:endParaRPr lang="en-US" dirty="0"/>
           </a:p>
@@ -9837,7 +9840,7 @@
             <a:fld id="{DABBFC94-8E33-45FD-A124-F92E42990787}" type="datetime1">
               <a:rPr lang="en-US" smtClean="0"/>
               <a:pPr/>
-              <a:t>12/9/2024</a:t>
+              <a:t>12/17/2024</a:t>
             </a:fld>
             <a:endParaRPr lang="en-US" dirty="0"/>
           </a:p>
@@ -10831,7 +10834,7 @@
             <a:fld id="{F11FDACF-D3E9-43AB-B859-053F51EAB922}" type="datetime1">
               <a:rPr lang="en-US" smtClean="0"/>
               <a:pPr/>
-              <a:t>12/9/2024</a:t>
+              <a:t>12/17/2024</a:t>
             </a:fld>
             <a:endParaRPr lang="en-US" dirty="0"/>
           </a:p>
@@ -12384,7 +12387,7 @@
             <a:fld id="{1229A27F-E8E0-4412-BC5D-839BC1A51D2A}" type="datetime1">
               <a:rPr lang="en-US" smtClean="0"/>
               <a:pPr/>
-              <a:t>12/9/2024</a:t>
+              <a:t>12/17/2024</a:t>
             </a:fld>
             <a:endParaRPr lang="en-US" dirty="0"/>
           </a:p>
@@ -14073,7 +14076,7 @@
             <a:fld id="{0BA77716-DBF5-44D5-A8EB-BC46516EF9DC}" type="datetime1">
               <a:rPr lang="en-US" smtClean="0"/>
               <a:pPr/>
-              <a:t>12/9/2024</a:t>
+              <a:t>12/17/2024</a:t>
             </a:fld>
             <a:endParaRPr lang="en-US" dirty="0"/>
           </a:p>
@@ -14707,7 +14710,7 @@
             <a:fld id="{08F13E98-E92C-428A-8581-22BA7707F21D}" type="datetime1">
               <a:rPr lang="en-US" smtClean="0"/>
               <a:pPr/>
-              <a:t>12/9/2024</a:t>
+              <a:t>12/17/2024</a:t>
             </a:fld>
             <a:endParaRPr lang="en-US" dirty="0"/>
           </a:p>
@@ -16548,7 +16551,7 @@
             <a:fld id="{550F8F17-2473-4E64-86D3-66E3A7D3FA00}" type="datetime1">
               <a:rPr lang="en-US" smtClean="0"/>
               <a:pPr/>
-              <a:t>12/9/2024</a:t>
+              <a:t>12/17/2024</a:t>
             </a:fld>
             <a:endParaRPr lang="en-US" dirty="0"/>
           </a:p>
@@ -17411,7 +17414,7 @@
             <a:fld id="{EFEEAEB1-F529-42B6-83DF-AB62A3C10CE9}" type="datetime1">
               <a:rPr lang="en-US" smtClean="0"/>
               <a:pPr/>
-              <a:t>12/9/2024</a:t>
+              <a:t>12/17/2024</a:t>
             </a:fld>
             <a:endParaRPr lang="en-US" dirty="0"/>
           </a:p>
@@ -18565,7 +18568,7 @@
             <a:fld id="{1CBC0F23-12D7-434D-8534-7776B7CD4A7C}" type="datetime1">
               <a:rPr lang="en-US" smtClean="0"/>
               <a:pPr/>
-              <a:t>12/9/2024</a:t>
+              <a:t>12/17/2024</a:t>
             </a:fld>
             <a:endParaRPr lang="en-US" dirty="0"/>
           </a:p>
@@ -18898,7 +18901,7 @@
             <a:pPr rtl="0"/>
             <a:fld id="{25C98446-032D-45EC-A243-70C698F6F8D9}" type="datetime1">
               <a:rPr lang="pt-BR" smtClean="0"/>
-              <a:t>09/12/2024</a:t>
+              <a:t>17/12/2024</a:t>
             </a:fld>
             <a:endParaRPr lang="pt-BR" dirty="0"/>
           </a:p>
@@ -19498,1639 +19501,10 @@
       </p:grpSpPr>
       <p:sp>
         <p:nvSpPr>
-          <p:cNvPr id="2" name="Título 1">
-            <a:extLst>
-              <a:ext uri="{FF2B5EF4-FFF2-40B4-BE49-F238E27FC236}">
-                <a16:creationId xmlns:a16="http://schemas.microsoft.com/office/drawing/2014/main" id="{E5029EBB-1741-B229-41FE-2763D7D446A5}"/>
-              </a:ext>
-            </a:extLst>
-          </p:cNvPr>
-          <p:cNvSpPr>
-            <a:spLocks noGrp="1"/>
-          </p:cNvSpPr>
-          <p:nvPr>
-            <p:ph type="ctrTitle"/>
-          </p:nvPr>
-        </p:nvSpPr>
-        <p:spPr>
-          <a:xfrm>
-            <a:off x="1839686" y="1209643"/>
-            <a:ext cx="8508273" cy="4968000"/>
-          </a:xfrm>
-        </p:spPr>
-        <p:txBody>
-          <a:bodyPr anchor="ctr">
-            <a:normAutofit/>
-          </a:bodyPr>
-          <a:lstStyle/>
-          <a:p>
-            <a:r>
-              <a:rPr lang="pt-BR" dirty="0"/>
-              <a:t>Banco de dados </a:t>
-            </a:r>
-            <a:r>
-              <a:rPr lang="pt-BR" dirty="0" err="1"/>
-              <a:t>SqlServer</a:t>
-            </a:r>
-            <a:endParaRPr lang="pt-BR" dirty="0"/>
-          </a:p>
-        </p:txBody>
-      </p:sp>
-      <p:sp>
-        <p:nvSpPr>
-          <p:cNvPr id="5" name="Espaço Reservado para Data 4" hidden="1">
-            <a:extLst>
-              <a:ext uri="{FF2B5EF4-FFF2-40B4-BE49-F238E27FC236}">
-                <a16:creationId xmlns:a16="http://schemas.microsoft.com/office/drawing/2014/main" id="{87164BD6-22E7-D1AD-3226-677D8C1B3EFD}"/>
-              </a:ext>
-            </a:extLst>
-          </p:cNvPr>
-          <p:cNvSpPr>
-            <a:spLocks noGrp="1"/>
-          </p:cNvSpPr>
-          <p:nvPr>
-            <p:ph type="dt" sz="half" idx="4294967295"/>
-          </p:nvPr>
-        </p:nvSpPr>
-        <p:spPr>
-          <a:xfrm>
-            <a:off x="10011833" y="6226628"/>
-            <a:ext cx="1560304" cy="631372"/>
-          </a:xfrm>
-        </p:spPr>
-        <p:txBody>
-          <a:bodyPr anchor="ctr">
-            <a:normAutofit/>
-          </a:bodyPr>
-          <a:lstStyle/>
-          <a:p>
-            <a:pPr>
-              <a:spcAft>
-                <a:spcPts val="600"/>
-              </a:spcAft>
-            </a:pPr>
-            <a:fld id="{0BA77716-DBF5-44D5-A8EB-BC46516EF9DC}" type="datetime1">
-              <a:rPr lang="en-US" smtClean="0"/>
-              <a:pPr>
-                <a:spcAft>
-                  <a:spcPts val="600"/>
-                </a:spcAft>
-              </a:pPr>
-              <a:t>12/9/2024</a:t>
-            </a:fld>
-            <a:endParaRPr lang="en-US"/>
-          </a:p>
-        </p:txBody>
-      </p:sp>
-      <p:sp>
-        <p:nvSpPr>
-          <p:cNvPr id="6" name="Espaço Reservado para Número de Slide 5" hidden="1">
-            <a:extLst>
-              <a:ext uri="{FF2B5EF4-FFF2-40B4-BE49-F238E27FC236}">
-                <a16:creationId xmlns:a16="http://schemas.microsoft.com/office/drawing/2014/main" id="{766AECEA-4C16-E632-0288-1C60C974EB98}"/>
-              </a:ext>
-            </a:extLst>
-          </p:cNvPr>
-          <p:cNvSpPr>
-            <a:spLocks noGrp="1"/>
-          </p:cNvSpPr>
-          <p:nvPr>
-            <p:ph type="sldNum" sz="quarter" idx="4294967295"/>
-          </p:nvPr>
-        </p:nvSpPr>
-        <p:spPr>
-          <a:xfrm>
-            <a:off x="11572137" y="6226628"/>
-            <a:ext cx="630748" cy="631372"/>
-          </a:xfrm>
-        </p:spPr>
-        <p:txBody>
-          <a:bodyPr anchor="ctr">
-            <a:normAutofit/>
-          </a:bodyPr>
-          <a:lstStyle/>
-          <a:p>
-            <a:pPr>
-              <a:spcAft>
-                <a:spcPts val="600"/>
-              </a:spcAft>
-            </a:pPr>
-            <a:fld id="{294A09A9-5501-47C1-A89A-A340965A2BE2}" type="slidenum">
-              <a:rPr lang="en-US" smtClean="0"/>
-              <a:pPr>
-                <a:spcAft>
-                  <a:spcPts val="600"/>
-                </a:spcAft>
-              </a:pPr>
-              <a:t>10</a:t>
-            </a:fld>
-            <a:endParaRPr lang="en-US"/>
-          </a:p>
-        </p:txBody>
-      </p:sp>
-    </p:spTree>
-    <p:extLst>
-      <p:ext uri="{BB962C8B-B14F-4D97-AF65-F5344CB8AC3E}">
-        <p14:creationId xmlns:p14="http://schemas.microsoft.com/office/powerpoint/2010/main" val="2468118240"/>
-      </p:ext>
-    </p:extLst>
-  </p:cSld>
-  <p:clrMapOvr>
-    <a:masterClrMapping/>
-  </p:clrMapOvr>
-</p:sld>
-</file>
-
-<file path=ppt/slides/slide11.xml><?xml version="1.0" encoding="utf-8"?>
-<p:sld xmlns:a="http://schemas.openxmlformats.org/drawingml/2006/main" xmlns:r="http://schemas.openxmlformats.org/officeDocument/2006/relationships" xmlns:p="http://schemas.openxmlformats.org/presentationml/2006/main">
-  <p:cSld>
-    <p:spTree>
-      <p:nvGrpSpPr>
-        <p:cNvPr id="1" name=""/>
-        <p:cNvGrpSpPr/>
-        <p:nvPr/>
-      </p:nvGrpSpPr>
-      <p:grpSpPr>
-        <a:xfrm>
-          <a:off x="0" y="0"/>
-          <a:ext cx="0" cy="0"/>
-          <a:chOff x="0" y="0"/>
-          <a:chExt cx="0" cy="0"/>
-        </a:xfrm>
-      </p:grpSpPr>
-      <p:sp>
-        <p:nvSpPr>
-          <p:cNvPr id="19" name="Subtitle 2">
-            <a:extLst>
-              <a:ext uri="{FF2B5EF4-FFF2-40B4-BE49-F238E27FC236}">
-                <a16:creationId xmlns:a16="http://schemas.microsoft.com/office/drawing/2014/main" id="{20D88FC6-51FB-722C-EC35-914E9ACF50BD}"/>
-              </a:ext>
-            </a:extLst>
-          </p:cNvPr>
-          <p:cNvSpPr>
-            <a:spLocks noGrp="1"/>
-          </p:cNvSpPr>
-          <p:nvPr>
-            <p:ph type="subTitle" idx="1"/>
-          </p:nvPr>
-        </p:nvSpPr>
-        <p:spPr>
-          <a:xfrm>
-            <a:off x="734784" y="4854677"/>
-            <a:ext cx="6008915" cy="652923"/>
-          </a:xfrm>
-        </p:spPr>
-        <p:txBody>
-          <a:bodyPr/>
-          <a:lstStyle/>
-          <a:p>
-            <a:r>
-              <a:rPr lang="en-US" dirty="0" err="1"/>
-              <a:t>Estrutura</a:t>
-            </a:r>
-            <a:r>
-              <a:rPr lang="en-US" dirty="0"/>
-              <a:t> do Banco de Dados</a:t>
-            </a:r>
-          </a:p>
-        </p:txBody>
-      </p:sp>
-      <p:sp>
-        <p:nvSpPr>
-          <p:cNvPr id="4" name="Espaço Reservado para Data 3">
-            <a:extLst>
-              <a:ext uri="{FF2B5EF4-FFF2-40B4-BE49-F238E27FC236}">
-                <a16:creationId xmlns:a16="http://schemas.microsoft.com/office/drawing/2014/main" id="{BBAFE0A7-893A-1AF1-9698-BEF0EA6E68EF}"/>
-              </a:ext>
-            </a:extLst>
-          </p:cNvPr>
-          <p:cNvSpPr>
-            <a:spLocks noGrp="1"/>
-          </p:cNvSpPr>
-          <p:nvPr>
-            <p:ph type="dt" sz="half" idx="2"/>
-          </p:nvPr>
-        </p:nvSpPr>
-        <p:spPr>
-          <a:xfrm>
-            <a:off x="10011833" y="6226628"/>
-            <a:ext cx="1560304" cy="631372"/>
-          </a:xfrm>
-        </p:spPr>
-        <p:txBody>
-          <a:bodyPr anchor="ctr">
-            <a:normAutofit/>
-          </a:bodyPr>
-          <a:lstStyle/>
-          <a:p>
-            <a:pPr>
-              <a:spcAft>
-                <a:spcPts val="600"/>
-              </a:spcAft>
-            </a:pPr>
-            <a:fld id="{F11FDACF-D3E9-43AB-B859-053F51EAB922}" type="datetime1">
-              <a:rPr lang="en-US" smtClean="0"/>
-              <a:pPr>
-                <a:spcAft>
-                  <a:spcPts val="600"/>
-                </a:spcAft>
-              </a:pPr>
-              <a:t>12/9/2024</a:t>
-            </a:fld>
-            <a:endParaRPr lang="en-US"/>
-          </a:p>
-        </p:txBody>
-      </p:sp>
-      <p:sp>
-        <p:nvSpPr>
-          <p:cNvPr id="5" name="Espaço Reservado para Número de Slide 4">
-            <a:extLst>
-              <a:ext uri="{FF2B5EF4-FFF2-40B4-BE49-F238E27FC236}">
-                <a16:creationId xmlns:a16="http://schemas.microsoft.com/office/drawing/2014/main" id="{AD607864-34AA-BE87-7918-6A4F530A2E8D}"/>
-              </a:ext>
-            </a:extLst>
-          </p:cNvPr>
-          <p:cNvSpPr>
-            <a:spLocks noGrp="1"/>
-          </p:cNvSpPr>
-          <p:nvPr>
-            <p:ph type="sldNum" sz="quarter" idx="4"/>
-          </p:nvPr>
-        </p:nvSpPr>
-        <p:spPr>
-          <a:xfrm>
-            <a:off x="11572137" y="6226628"/>
-            <a:ext cx="630748" cy="631372"/>
-          </a:xfrm>
-        </p:spPr>
-        <p:txBody>
-          <a:bodyPr anchor="ctr">
-            <a:normAutofit/>
-          </a:bodyPr>
-          <a:lstStyle/>
-          <a:p>
-            <a:pPr>
-              <a:spcAft>
-                <a:spcPts val="600"/>
-              </a:spcAft>
-            </a:pPr>
-            <a:fld id="{294A09A9-5501-47C1-A89A-A340965A2BE2}" type="slidenum">
-              <a:rPr lang="en-US" smtClean="0"/>
-              <a:pPr>
-                <a:spcAft>
-                  <a:spcPts val="600"/>
-                </a:spcAft>
-              </a:pPr>
-              <a:t>11</a:t>
-            </a:fld>
-            <a:endParaRPr lang="en-US"/>
-          </a:p>
-        </p:txBody>
-      </p:sp>
-      <p:pic>
-        <p:nvPicPr>
-          <p:cNvPr id="7" name="Imagem 6">
-            <a:extLst>
-              <a:ext uri="{FF2B5EF4-FFF2-40B4-BE49-F238E27FC236}">
-                <a16:creationId xmlns:a16="http://schemas.microsoft.com/office/drawing/2014/main" id="{ED9A20BA-F366-CF8D-6976-809A322ABCBE}"/>
-              </a:ext>
-            </a:extLst>
-          </p:cNvPr>
-          <p:cNvPicPr>
-            <a:picLocks noChangeAspect="1"/>
-          </p:cNvPicPr>
-          <p:nvPr/>
-        </p:nvPicPr>
-        <p:blipFill>
-          <a:blip r:embed="rId2"/>
-          <a:stretch>
-            <a:fillRect/>
-          </a:stretch>
-        </p:blipFill>
-        <p:spPr>
-          <a:xfrm>
-            <a:off x="1394488" y="1044508"/>
-            <a:ext cx="4392153" cy="3728028"/>
-          </a:xfrm>
-          <a:prstGeom prst="rect">
-            <a:avLst/>
-          </a:prstGeom>
-          <a:ln>
-            <a:solidFill>
-              <a:schemeClr val="accent1"/>
-            </a:solidFill>
-          </a:ln>
-        </p:spPr>
-      </p:pic>
-      <p:sp>
-        <p:nvSpPr>
-          <p:cNvPr id="8" name="CaixaDeTexto 7">
-            <a:extLst>
-              <a:ext uri="{FF2B5EF4-FFF2-40B4-BE49-F238E27FC236}">
-                <a16:creationId xmlns:a16="http://schemas.microsoft.com/office/drawing/2014/main" id="{1BC7FF8C-E938-12EA-E20F-54BF91C6BA3C}"/>
-              </a:ext>
-            </a:extLst>
-          </p:cNvPr>
-          <p:cNvSpPr txBox="1"/>
-          <p:nvPr/>
-        </p:nvSpPr>
-        <p:spPr>
-          <a:xfrm>
-            <a:off x="7725747" y="1203649"/>
-            <a:ext cx="3928188" cy="2585323"/>
-          </a:xfrm>
-          <a:prstGeom prst="rect">
-            <a:avLst/>
-          </a:prstGeom>
-          <a:noFill/>
-        </p:spPr>
-        <p:txBody>
-          <a:bodyPr wrap="square" rtlCol="0">
-            <a:spAutoFit/>
-          </a:bodyPr>
-          <a:lstStyle/>
-          <a:p>
-            <a:r>
-              <a:rPr lang="pt-BR" dirty="0"/>
-              <a:t>Tabelas e </a:t>
-            </a:r>
-            <a:r>
-              <a:rPr lang="pt-BR" dirty="0" err="1"/>
-              <a:t>View</a:t>
-            </a:r>
-            <a:endParaRPr lang="pt-BR" dirty="0"/>
-          </a:p>
-          <a:p>
-            <a:pPr marL="285750" indent="-285750">
-              <a:buFont typeface="Arial" panose="020B0604020202020204" pitchFamily="34" charset="0"/>
-              <a:buChar char="•"/>
-            </a:pPr>
-            <a:r>
-              <a:rPr lang="pt-BR" dirty="0"/>
-              <a:t>Livro</a:t>
-            </a:r>
-          </a:p>
-          <a:p>
-            <a:pPr marL="285750" indent="-285750">
-              <a:buFont typeface="Arial" panose="020B0604020202020204" pitchFamily="34" charset="0"/>
-              <a:buChar char="•"/>
-            </a:pPr>
-            <a:r>
-              <a:rPr lang="pt-BR" dirty="0"/>
-              <a:t>Autor</a:t>
-            </a:r>
-          </a:p>
-          <a:p>
-            <a:pPr marL="285750" indent="-285750">
-              <a:buFont typeface="Arial" panose="020B0604020202020204" pitchFamily="34" charset="0"/>
-              <a:buChar char="•"/>
-            </a:pPr>
-            <a:r>
-              <a:rPr lang="pt-BR" dirty="0"/>
-              <a:t>Assunto</a:t>
-            </a:r>
-          </a:p>
-          <a:p>
-            <a:pPr marL="285750" indent="-285750">
-              <a:buFont typeface="Arial" panose="020B0604020202020204" pitchFamily="34" charset="0"/>
-              <a:buChar char="•"/>
-            </a:pPr>
-            <a:r>
-              <a:rPr lang="pt-BR" dirty="0" err="1"/>
-              <a:t>Livro_Assunto</a:t>
-            </a:r>
-            <a:endParaRPr lang="pt-BR" dirty="0"/>
-          </a:p>
-          <a:p>
-            <a:pPr marL="285750" indent="-285750">
-              <a:buFont typeface="Arial" panose="020B0604020202020204" pitchFamily="34" charset="0"/>
-              <a:buChar char="•"/>
-            </a:pPr>
-            <a:r>
-              <a:rPr lang="pt-BR" dirty="0"/>
-              <a:t>Livro Autor</a:t>
-            </a:r>
-          </a:p>
-          <a:p>
-            <a:pPr marL="285750" indent="-285750">
-              <a:buFont typeface="Arial" panose="020B0604020202020204" pitchFamily="34" charset="0"/>
-              <a:buChar char="•"/>
-            </a:pPr>
-            <a:r>
-              <a:rPr lang="pt-BR" dirty="0"/>
-              <a:t>Relatório “</a:t>
-            </a:r>
-            <a:r>
-              <a:rPr lang="pt-BR" dirty="0" err="1"/>
-              <a:t>view</a:t>
-            </a:r>
-            <a:r>
-              <a:rPr lang="pt-BR" dirty="0"/>
-              <a:t>”</a:t>
-            </a:r>
-          </a:p>
-          <a:p>
-            <a:pPr marL="285750" indent="-285750">
-              <a:buFont typeface="Arial" panose="020B0604020202020204" pitchFamily="34" charset="0"/>
-              <a:buChar char="•"/>
-            </a:pPr>
-            <a:endParaRPr lang="pt-BR" dirty="0"/>
-          </a:p>
-          <a:p>
-            <a:pPr marL="285750" indent="-285750">
-              <a:buFont typeface="Arial" panose="020B0604020202020204" pitchFamily="34" charset="0"/>
-              <a:buChar char="•"/>
-            </a:pPr>
-            <a:endParaRPr lang="pt-BR" dirty="0"/>
-          </a:p>
-        </p:txBody>
-      </p:sp>
-    </p:spTree>
-    <p:extLst>
-      <p:ext uri="{BB962C8B-B14F-4D97-AF65-F5344CB8AC3E}">
-        <p14:creationId xmlns:p14="http://schemas.microsoft.com/office/powerpoint/2010/main" val="1520799256"/>
-      </p:ext>
-    </p:extLst>
-  </p:cSld>
-  <p:clrMapOvr>
-    <a:masterClrMapping/>
-  </p:clrMapOvr>
-</p:sld>
-</file>
-
-<file path=ppt/slides/slide12.xml><?xml version="1.0" encoding="utf-8"?>
-<p:sld xmlns:a="http://schemas.openxmlformats.org/drawingml/2006/main" xmlns:r="http://schemas.openxmlformats.org/officeDocument/2006/relationships" xmlns:p="http://schemas.openxmlformats.org/presentationml/2006/main">
-  <p:cSld>
-    <p:spTree>
-      <p:nvGrpSpPr>
-        <p:cNvPr id="1" name=""/>
-        <p:cNvGrpSpPr/>
-        <p:nvPr/>
-      </p:nvGrpSpPr>
-      <p:grpSpPr>
-        <a:xfrm>
-          <a:off x="0" y="0"/>
-          <a:ext cx="0" cy="0"/>
-          <a:chOff x="0" y="0"/>
-          <a:chExt cx="0" cy="0"/>
-        </a:xfrm>
-      </p:grpSpPr>
-      <p:sp>
-        <p:nvSpPr>
-          <p:cNvPr id="2" name="Título 1">
-            <a:extLst>
-              <a:ext uri="{FF2B5EF4-FFF2-40B4-BE49-F238E27FC236}">
-                <a16:creationId xmlns:a16="http://schemas.microsoft.com/office/drawing/2014/main" id="{69FAE308-3076-43DB-B834-DA0B0AE19AF9}"/>
-              </a:ext>
-            </a:extLst>
-          </p:cNvPr>
-          <p:cNvSpPr>
-            <a:spLocks noGrp="1"/>
-          </p:cNvSpPr>
-          <p:nvPr>
-            <p:ph type="ctrTitle"/>
-          </p:nvPr>
-        </p:nvSpPr>
-        <p:spPr/>
-        <p:txBody>
-          <a:bodyPr rtlCol="0"/>
-          <a:lstStyle>
-            <a:defPPr>
-              <a:defRPr lang="pt-BR"/>
-            </a:defPPr>
-          </a:lstStyle>
-          <a:p>
-            <a:pPr rtl="0"/>
-            <a:r>
-              <a:rPr lang="pt-BR" dirty="0"/>
-              <a:t>Obrigado</a:t>
-            </a:r>
-          </a:p>
-        </p:txBody>
-      </p:sp>
-      <p:sp>
-        <p:nvSpPr>
-          <p:cNvPr id="4" name="Espaço Reservado para Data 3">
-            <a:extLst>
-              <a:ext uri="{FF2B5EF4-FFF2-40B4-BE49-F238E27FC236}">
-                <a16:creationId xmlns:a16="http://schemas.microsoft.com/office/drawing/2014/main" id="{2EB68051-4856-FADE-1394-1BF8D4AFC1EC}"/>
-              </a:ext>
-            </a:extLst>
-          </p:cNvPr>
-          <p:cNvSpPr>
-            <a:spLocks noGrp="1"/>
-          </p:cNvSpPr>
-          <p:nvPr>
-            <p:ph type="dt" sz="half" idx="4294967295"/>
-          </p:nvPr>
-        </p:nvSpPr>
-        <p:spPr>
-          <a:xfrm>
-            <a:off x="10631488" y="6226175"/>
-            <a:ext cx="1560512" cy="631825"/>
-          </a:xfrm>
-        </p:spPr>
-        <p:txBody>
-          <a:bodyPr rtlCol="0"/>
-          <a:lstStyle>
-            <a:defPPr>
-              <a:defRPr lang="pt-BR"/>
-            </a:defPPr>
-          </a:lstStyle>
-          <a:p>
-            <a:pPr rtl="0"/>
-            <a:fld id="{962E057A-939F-4C72-B44C-A8E6F26AFA62}" type="datetime1">
-              <a:rPr lang="pt-BR" smtClean="0"/>
-              <a:t>09/12/2024</a:t>
-            </a:fld>
-            <a:endParaRPr lang="pt-BR" dirty="0"/>
-          </a:p>
-        </p:txBody>
-      </p:sp>
-      <p:sp>
-        <p:nvSpPr>
-          <p:cNvPr id="5" name="Espaço Reservado para o Número do Slide 4">
-            <a:extLst>
-              <a:ext uri="{FF2B5EF4-FFF2-40B4-BE49-F238E27FC236}">
-                <a16:creationId xmlns:a16="http://schemas.microsoft.com/office/drawing/2014/main" id="{511D134F-4AA5-8D65-F269-E8A1D90CBFCC}"/>
-              </a:ext>
-            </a:extLst>
-          </p:cNvPr>
-          <p:cNvSpPr>
-            <a:spLocks noGrp="1"/>
-          </p:cNvSpPr>
-          <p:nvPr>
-            <p:ph type="sldNum" sz="quarter" idx="4294967295"/>
-          </p:nvPr>
-        </p:nvSpPr>
-        <p:spPr>
-          <a:xfrm>
-            <a:off x="11561763" y="6226175"/>
-            <a:ext cx="630237" cy="631825"/>
-          </a:xfrm>
-        </p:spPr>
-        <p:txBody>
-          <a:bodyPr rtlCol="0"/>
-          <a:lstStyle>
-            <a:defPPr>
-              <a:defRPr lang="pt-BR"/>
-            </a:defPPr>
-          </a:lstStyle>
-          <a:p>
-            <a:pPr rtl="0"/>
-            <a:fld id="{294A09A9-5501-47C1-A89A-A340965A2BE2}" type="slidenum">
-              <a:rPr lang="pt-BR" smtClean="0"/>
-              <a:pPr rtl="0"/>
-              <a:t>12</a:t>
-            </a:fld>
-            <a:endParaRPr lang="pt-BR" dirty="0"/>
-          </a:p>
-        </p:txBody>
-      </p:sp>
-      <p:sp>
-        <p:nvSpPr>
-          <p:cNvPr id="3" name="CaixaDeTexto 2">
-            <a:extLst>
-              <a:ext uri="{FF2B5EF4-FFF2-40B4-BE49-F238E27FC236}">
-                <a16:creationId xmlns:a16="http://schemas.microsoft.com/office/drawing/2014/main" id="{D1885E4B-C74F-3F52-6C12-E3D0BF942499}"/>
-              </a:ext>
-            </a:extLst>
-          </p:cNvPr>
-          <p:cNvSpPr txBox="1"/>
-          <p:nvPr/>
-        </p:nvSpPr>
-        <p:spPr>
-          <a:xfrm>
-            <a:off x="7798279" y="2130725"/>
-            <a:ext cx="2846717" cy="369332"/>
-          </a:xfrm>
-          <a:prstGeom prst="rect">
-            <a:avLst/>
-          </a:prstGeom>
-          <a:noFill/>
-        </p:spPr>
-        <p:txBody>
-          <a:bodyPr wrap="square" rtlCol="0">
-            <a:spAutoFit/>
-          </a:bodyPr>
-          <a:lstStyle/>
-          <a:p>
-            <a:r>
-              <a:rPr lang="pt-BR" dirty="0"/>
-              <a:t>Reginaldo Paz</a:t>
-            </a:r>
-          </a:p>
-        </p:txBody>
-      </p:sp>
-      <p:sp>
-        <p:nvSpPr>
-          <p:cNvPr id="6" name="CaixaDeTexto 5">
-            <a:extLst>
-              <a:ext uri="{FF2B5EF4-FFF2-40B4-BE49-F238E27FC236}">
-                <a16:creationId xmlns:a16="http://schemas.microsoft.com/office/drawing/2014/main" id="{80B89035-DC70-D999-D8CE-ADB867B589DE}"/>
-              </a:ext>
-            </a:extLst>
-          </p:cNvPr>
-          <p:cNvSpPr txBox="1"/>
-          <p:nvPr/>
-        </p:nvSpPr>
-        <p:spPr>
-          <a:xfrm>
-            <a:off x="7798279" y="4132283"/>
-            <a:ext cx="2760453" cy="461665"/>
-          </a:xfrm>
-          <a:prstGeom prst="rect">
-            <a:avLst/>
-          </a:prstGeom>
-          <a:noFill/>
-        </p:spPr>
-        <p:txBody>
-          <a:bodyPr wrap="square" rtlCol="0">
-            <a:spAutoFit/>
-          </a:bodyPr>
-          <a:lstStyle/>
-          <a:p>
-            <a:r>
-              <a:rPr lang="pt-BR" sz="1200" dirty="0">
-                <a:hlinkClick r:id="rId3"/>
-              </a:rPr>
-              <a:t>reginaldo.gomes6@gmail.com</a:t>
-            </a:r>
-            <a:endParaRPr lang="pt-BR" sz="1200" dirty="0"/>
-          </a:p>
-          <a:p>
-            <a:r>
-              <a:rPr lang="pt-BR" sz="1200" dirty="0"/>
-              <a:t>reginaldo.paz@uol.com.br</a:t>
-            </a:r>
-          </a:p>
-        </p:txBody>
-      </p:sp>
-    </p:spTree>
-    <p:extLst>
-      <p:ext uri="{BB962C8B-B14F-4D97-AF65-F5344CB8AC3E}">
-        <p14:creationId xmlns:p14="http://schemas.microsoft.com/office/powerpoint/2010/main" val="3103683689"/>
-      </p:ext>
-    </p:extLst>
-  </p:cSld>
-  <p:clrMapOvr>
-    <a:masterClrMapping/>
-  </p:clrMapOvr>
-</p:sld>
-</file>
-
-<file path=ppt/slides/slide2.xml><?xml version="1.0" encoding="utf-8"?>
-<p:sld xmlns:a="http://schemas.openxmlformats.org/drawingml/2006/main" xmlns:r="http://schemas.openxmlformats.org/officeDocument/2006/relationships" xmlns:p="http://schemas.openxmlformats.org/presentationml/2006/main">
-  <p:cSld>
-    <p:spTree>
-      <p:nvGrpSpPr>
-        <p:cNvPr id="1" name=""/>
-        <p:cNvGrpSpPr/>
-        <p:nvPr/>
-      </p:nvGrpSpPr>
-      <p:grpSpPr>
-        <a:xfrm>
-          <a:off x="0" y="0"/>
-          <a:ext cx="0" cy="0"/>
-          <a:chOff x="0" y="0"/>
-          <a:chExt cx="0" cy="0"/>
-        </a:xfrm>
-      </p:grpSpPr>
-      <p:sp>
-        <p:nvSpPr>
-          <p:cNvPr id="2" name="Título 1">
-            <a:extLst>
-              <a:ext uri="{FF2B5EF4-FFF2-40B4-BE49-F238E27FC236}">
-                <a16:creationId xmlns:a16="http://schemas.microsoft.com/office/drawing/2014/main" id="{912DF434-28DB-4621-A497-D62C41CE0419}"/>
-              </a:ext>
-            </a:extLst>
-          </p:cNvPr>
-          <p:cNvSpPr>
-            <a:spLocks noGrp="1"/>
-          </p:cNvSpPr>
-          <p:nvPr>
-            <p:ph type="title"/>
-          </p:nvPr>
-        </p:nvSpPr>
-        <p:spPr>
-          <a:xfrm>
-            <a:off x="3957068" y="851547"/>
-            <a:ext cx="4275364" cy="1979634"/>
-          </a:xfrm>
-        </p:spPr>
-        <p:txBody>
-          <a:bodyPr rtlCol="0" anchor="ctr"/>
-          <a:lstStyle>
-            <a:defPPr>
-              <a:defRPr lang="pt-BR"/>
-            </a:defPPr>
-          </a:lstStyle>
-          <a:p>
-            <a:pPr rtl="0"/>
-            <a:r>
-              <a:rPr lang="pt-BR" dirty="0"/>
-              <a:t>Conteúdo</a:t>
-            </a:r>
-          </a:p>
-        </p:txBody>
-      </p:sp>
-      <p:sp>
-        <p:nvSpPr>
-          <p:cNvPr id="3" name="Espaço Reservado para Conteúdo 2">
-            <a:extLst>
-              <a:ext uri="{FF2B5EF4-FFF2-40B4-BE49-F238E27FC236}">
-                <a16:creationId xmlns:a16="http://schemas.microsoft.com/office/drawing/2014/main" id="{22788C46-D0BC-4307-AE55-7601A139E7CB}"/>
-              </a:ext>
-            </a:extLst>
-          </p:cNvPr>
-          <p:cNvSpPr>
-            <a:spLocks noGrp="1"/>
-          </p:cNvSpPr>
-          <p:nvPr>
-            <p:ph idx="1"/>
-          </p:nvPr>
-        </p:nvSpPr>
-        <p:spPr>
-          <a:xfrm>
-            <a:off x="3957068" y="2446171"/>
-            <a:ext cx="4275364" cy="2660213"/>
-          </a:xfrm>
-        </p:spPr>
-        <p:txBody>
-          <a:bodyPr vert="horz" lIns="91440" tIns="45720" rIns="91440" bIns="45720" rtlCol="0" anchor="t">
-            <a:normAutofit fontScale="70000" lnSpcReduction="20000"/>
-          </a:bodyPr>
-          <a:lstStyle>
-            <a:defPPr>
-              <a:defRPr lang="pt-BR"/>
-            </a:defPPr>
-          </a:lstStyle>
-          <a:p>
-            <a:pPr rtl="0"/>
-            <a:r>
-              <a:rPr lang="pt-BR" dirty="0"/>
-              <a:t>Introdução</a:t>
-            </a:r>
-          </a:p>
-          <a:p>
-            <a:pPr rtl="0"/>
-            <a:r>
-              <a:rPr lang="pt-BR" dirty="0"/>
-              <a:t>Cadastro Livros</a:t>
-            </a:r>
-          </a:p>
-          <a:p>
-            <a:pPr rtl="0"/>
-            <a:r>
-              <a:rPr lang="pt-BR" dirty="0"/>
-              <a:t>Cadastros Autor</a:t>
-            </a:r>
-          </a:p>
-          <a:p>
-            <a:pPr rtl="0"/>
-            <a:r>
-              <a:rPr lang="pt-BR" dirty="0"/>
-              <a:t>Castro Assunto</a:t>
-            </a:r>
-          </a:p>
-          <a:p>
-            <a:pPr rtl="0"/>
-            <a:r>
-              <a:rPr lang="pt-BR" dirty="0"/>
-              <a:t>Relatório</a:t>
-            </a:r>
-          </a:p>
-          <a:p>
-            <a:pPr rtl="0"/>
-            <a:r>
-              <a:rPr lang="pt-BR" dirty="0"/>
-              <a:t>Arquitetura do Sistema</a:t>
-            </a:r>
-          </a:p>
-          <a:p>
-            <a:pPr rtl="0"/>
-            <a:r>
-              <a:rPr lang="pt-BR" dirty="0"/>
-              <a:t>Banco de Dados</a:t>
-            </a:r>
-          </a:p>
-          <a:p>
-            <a:pPr rtl="0"/>
-            <a:endParaRPr lang="pt-BR" dirty="0"/>
-          </a:p>
-        </p:txBody>
-      </p:sp>
-      <p:sp>
-        <p:nvSpPr>
-          <p:cNvPr id="4" name="Espaço Reservado para Data 3">
-            <a:extLst>
-              <a:ext uri="{FF2B5EF4-FFF2-40B4-BE49-F238E27FC236}">
-                <a16:creationId xmlns:a16="http://schemas.microsoft.com/office/drawing/2014/main" id="{D718FBE7-3C46-903D-964E-091F74329C61}"/>
-              </a:ext>
-            </a:extLst>
-          </p:cNvPr>
-          <p:cNvSpPr>
-            <a:spLocks noGrp="1"/>
-          </p:cNvSpPr>
-          <p:nvPr>
-            <p:ph type="dt" sz="half" idx="2"/>
-          </p:nvPr>
-        </p:nvSpPr>
-        <p:spPr>
-          <a:xfrm>
-            <a:off x="10011833" y="6226628"/>
-            <a:ext cx="1560304" cy="631372"/>
-          </a:xfrm>
-        </p:spPr>
-        <p:txBody>
-          <a:bodyPr rtlCol="0"/>
-          <a:lstStyle>
-            <a:defPPr>
-              <a:defRPr lang="pt-BR"/>
-            </a:defPPr>
-          </a:lstStyle>
-          <a:p>
-            <a:pPr rtl="0"/>
-            <a:fld id="{70EBE916-5AD7-4636-9AC9-9384B15DB361}" type="datetime1">
-              <a:rPr lang="pt-BR" smtClean="0"/>
-              <a:t>09/12/2024</a:t>
-            </a:fld>
-            <a:endParaRPr lang="pt-BR" dirty="0"/>
-          </a:p>
-        </p:txBody>
-      </p:sp>
-      <p:sp>
-        <p:nvSpPr>
-          <p:cNvPr id="5" name="Espaço Reservado para o Número do Slide 4">
-            <a:extLst>
-              <a:ext uri="{FF2B5EF4-FFF2-40B4-BE49-F238E27FC236}">
-                <a16:creationId xmlns:a16="http://schemas.microsoft.com/office/drawing/2014/main" id="{E6EEA9E7-F506-729E-13CF-D685FEBDB6E0}"/>
-              </a:ext>
-            </a:extLst>
-          </p:cNvPr>
-          <p:cNvSpPr>
-            <a:spLocks noGrp="1"/>
-          </p:cNvSpPr>
-          <p:nvPr>
-            <p:ph type="sldNum" sz="quarter" idx="4"/>
-          </p:nvPr>
-        </p:nvSpPr>
-        <p:spPr>
-          <a:xfrm>
-            <a:off x="11572137" y="6226628"/>
-            <a:ext cx="630748" cy="631372"/>
-          </a:xfrm>
-        </p:spPr>
-        <p:txBody>
-          <a:bodyPr rtlCol="0"/>
-          <a:lstStyle>
-            <a:defPPr>
-              <a:defRPr lang="pt-BR"/>
-            </a:defPPr>
-          </a:lstStyle>
-          <a:p>
-            <a:pPr rtl="0"/>
-            <a:fld id="{294A09A9-5501-47C1-A89A-A340965A2BE2}" type="slidenum">
-              <a:rPr lang="pt-BR" smtClean="0"/>
-              <a:pPr/>
-              <a:t>2</a:t>
-            </a:fld>
-            <a:endParaRPr lang="pt-BR" dirty="0"/>
-          </a:p>
-        </p:txBody>
-      </p:sp>
-    </p:spTree>
-    <p:extLst>
-      <p:ext uri="{BB962C8B-B14F-4D97-AF65-F5344CB8AC3E}">
-        <p14:creationId xmlns:p14="http://schemas.microsoft.com/office/powerpoint/2010/main" val="1325608595"/>
-      </p:ext>
-    </p:extLst>
-  </p:cSld>
-  <p:clrMapOvr>
-    <a:masterClrMapping/>
-  </p:clrMapOvr>
-</p:sld>
-</file>
-
-<file path=ppt/slides/slide3.xml><?xml version="1.0" encoding="utf-8"?>
-<p:sld xmlns:a="http://schemas.openxmlformats.org/drawingml/2006/main" xmlns:r="http://schemas.openxmlformats.org/officeDocument/2006/relationships" xmlns:p="http://schemas.openxmlformats.org/presentationml/2006/main">
-  <p:cSld>
-    <p:spTree>
-      <p:nvGrpSpPr>
-        <p:cNvPr id="1" name=""/>
-        <p:cNvGrpSpPr/>
-        <p:nvPr/>
-      </p:nvGrpSpPr>
-      <p:grpSpPr>
-        <a:xfrm>
-          <a:off x="0" y="0"/>
-          <a:ext cx="0" cy="0"/>
-          <a:chOff x="0" y="0"/>
-          <a:chExt cx="0" cy="0"/>
-        </a:xfrm>
-      </p:grpSpPr>
-      <p:sp>
-        <p:nvSpPr>
-          <p:cNvPr id="3" name="Espaço Reservado para Data 2">
-            <a:extLst>
-              <a:ext uri="{FF2B5EF4-FFF2-40B4-BE49-F238E27FC236}">
-                <a16:creationId xmlns:a16="http://schemas.microsoft.com/office/drawing/2014/main" id="{BB91606E-0B3D-E151-D6E8-FB4608C3075C}"/>
-              </a:ext>
-            </a:extLst>
-          </p:cNvPr>
-          <p:cNvSpPr>
-            <a:spLocks noGrp="1"/>
-          </p:cNvSpPr>
-          <p:nvPr>
-            <p:ph type="dt" sz="half" idx="2"/>
-          </p:nvPr>
-        </p:nvSpPr>
-        <p:spPr>
-          <a:xfrm>
-            <a:off x="10011833" y="6226628"/>
-            <a:ext cx="1560304" cy="631372"/>
-          </a:xfrm>
-        </p:spPr>
-        <p:txBody>
-          <a:bodyPr rtlCol="0"/>
-          <a:lstStyle>
-            <a:defPPr>
-              <a:defRPr lang="pt-BR"/>
-            </a:defPPr>
-          </a:lstStyle>
-          <a:p>
-            <a:pPr rtl="0"/>
-            <a:fld id="{3364C45D-4917-47F9-8A35-7834F178901B}" type="datetime1">
-              <a:rPr lang="pt-BR" smtClean="0"/>
-              <a:t>09/12/2024</a:t>
-            </a:fld>
-            <a:endParaRPr lang="pt-BR" dirty="0"/>
-          </a:p>
-        </p:txBody>
-      </p:sp>
-      <p:sp>
-        <p:nvSpPr>
-          <p:cNvPr id="4" name="Espaço Reservado para o Número do Slide 3">
-            <a:extLst>
-              <a:ext uri="{FF2B5EF4-FFF2-40B4-BE49-F238E27FC236}">
-                <a16:creationId xmlns:a16="http://schemas.microsoft.com/office/drawing/2014/main" id="{AF121FCD-5305-D1B4-B045-E971883A6D18}"/>
-              </a:ext>
-            </a:extLst>
-          </p:cNvPr>
-          <p:cNvSpPr>
-            <a:spLocks noGrp="1"/>
-          </p:cNvSpPr>
-          <p:nvPr>
-            <p:ph type="sldNum" sz="quarter" idx="4"/>
-          </p:nvPr>
-        </p:nvSpPr>
-        <p:spPr>
-          <a:xfrm>
-            <a:off x="11572137" y="6226628"/>
-            <a:ext cx="630748" cy="631372"/>
-          </a:xfrm>
-        </p:spPr>
-        <p:txBody>
-          <a:bodyPr rtlCol="0"/>
-          <a:lstStyle>
-            <a:defPPr>
-              <a:defRPr lang="pt-BR"/>
-            </a:defPPr>
-          </a:lstStyle>
-          <a:p>
-            <a:pPr rtl="0"/>
-            <a:fld id="{294A09A9-5501-47C1-A89A-A340965A2BE2}" type="slidenum">
-              <a:rPr lang="pt-BR" smtClean="0"/>
-              <a:pPr/>
-              <a:t>3</a:t>
-            </a:fld>
-            <a:endParaRPr lang="pt-BR" dirty="0"/>
-          </a:p>
-        </p:txBody>
-      </p:sp>
-      <p:sp>
-        <p:nvSpPr>
-          <p:cNvPr id="14" name="CaixaDeTexto 13">
-            <a:extLst>
-              <a:ext uri="{FF2B5EF4-FFF2-40B4-BE49-F238E27FC236}">
-                <a16:creationId xmlns:a16="http://schemas.microsoft.com/office/drawing/2014/main" id="{1B41A58C-EF3D-5C32-96B0-CB16375395BA}"/>
-              </a:ext>
-            </a:extLst>
-          </p:cNvPr>
-          <p:cNvSpPr txBox="1"/>
-          <p:nvPr/>
-        </p:nvSpPr>
-        <p:spPr>
-          <a:xfrm>
-            <a:off x="836626" y="1346545"/>
-            <a:ext cx="6107228" cy="2031325"/>
-          </a:xfrm>
-          <a:prstGeom prst="rect">
-            <a:avLst/>
-          </a:prstGeom>
-          <a:noFill/>
-        </p:spPr>
-        <p:txBody>
-          <a:bodyPr wrap="square">
-            <a:spAutoFit/>
-          </a:bodyPr>
-          <a:lstStyle/>
-          <a:p>
-            <a:pPr algn="just"/>
-            <a:r>
-              <a:rPr lang="pt-BR" b="1" i="0" dirty="0">
-                <a:solidFill>
-                  <a:srgbClr val="2F2F2F"/>
-                </a:solidFill>
-                <a:effectLst/>
-                <a:latin typeface="Inter"/>
-              </a:rPr>
-              <a:t>Introdução:</a:t>
-            </a:r>
-            <a:br>
-              <a:rPr lang="pt-BR" dirty="0"/>
-            </a:br>
-            <a:r>
-              <a:rPr lang="pt-BR" b="0" i="0" dirty="0">
-                <a:solidFill>
-                  <a:srgbClr val="2F2F2F"/>
-                </a:solidFill>
-                <a:effectLst/>
-                <a:latin typeface="Inter"/>
-              </a:rPr>
-              <a:t>O Sistema Controle de Livros é uma aplicação web desenvolvida para gerenciar eficientemente uma biblioteca de livros, autores e assuntos. Utilizando a robustez do ASP.NET MVC e uma arquitetura em camadas bem definida, o sistema oferece funcionalidades intuitivas e essenciais para o gerenciamento de uma biblioteca, seja ela pessoal, escolar ou empresarial.</a:t>
-            </a:r>
-            <a:endParaRPr lang="pt-BR" dirty="0">
-              <a:latin typeface="Arial" panose="020B0604020202020204" pitchFamily="34" charset="0"/>
-              <a:cs typeface="Arial" panose="020B0604020202020204" pitchFamily="34" charset="0"/>
-            </a:endParaRPr>
-          </a:p>
-        </p:txBody>
-      </p:sp>
-      <p:sp>
-        <p:nvSpPr>
-          <p:cNvPr id="16" name="CaixaDeTexto 15">
-            <a:extLst>
-              <a:ext uri="{FF2B5EF4-FFF2-40B4-BE49-F238E27FC236}">
-                <a16:creationId xmlns:a16="http://schemas.microsoft.com/office/drawing/2014/main" id="{46907390-F496-D26C-B5D5-0C22999A746A}"/>
-              </a:ext>
-            </a:extLst>
-          </p:cNvPr>
-          <p:cNvSpPr txBox="1"/>
-          <p:nvPr/>
-        </p:nvSpPr>
-        <p:spPr>
-          <a:xfrm>
-            <a:off x="836626" y="3234278"/>
-            <a:ext cx="6107502" cy="369332"/>
-          </a:xfrm>
-          <a:prstGeom prst="rect">
-            <a:avLst/>
-          </a:prstGeom>
-          <a:noFill/>
-        </p:spPr>
-        <p:txBody>
-          <a:bodyPr wrap="square">
-            <a:spAutoFit/>
-          </a:bodyPr>
-          <a:lstStyle/>
-          <a:p>
-            <a:pPr algn="just"/>
-            <a:endParaRPr lang="pt-BR" dirty="0">
-              <a:latin typeface="Arial" panose="020B0604020202020204" pitchFamily="34" charset="0"/>
-              <a:cs typeface="Arial" panose="020B0604020202020204" pitchFamily="34" charset="0"/>
-            </a:endParaRPr>
-          </a:p>
-        </p:txBody>
-      </p:sp>
-      <p:sp>
-        <p:nvSpPr>
-          <p:cNvPr id="19" name="CaixaDeTexto 18">
-            <a:extLst>
-              <a:ext uri="{FF2B5EF4-FFF2-40B4-BE49-F238E27FC236}">
-                <a16:creationId xmlns:a16="http://schemas.microsoft.com/office/drawing/2014/main" id="{08993A80-0B62-EB2D-4745-FB8BAD1B3868}"/>
-              </a:ext>
-            </a:extLst>
-          </p:cNvPr>
-          <p:cNvSpPr txBox="1"/>
-          <p:nvPr/>
-        </p:nvSpPr>
-        <p:spPr>
-          <a:xfrm>
-            <a:off x="7721604" y="1007506"/>
-            <a:ext cx="3191773" cy="369332"/>
-          </a:xfrm>
-          <a:prstGeom prst="rect">
-            <a:avLst/>
-          </a:prstGeom>
-          <a:noFill/>
-        </p:spPr>
-        <p:txBody>
-          <a:bodyPr wrap="square" rtlCol="0">
-            <a:spAutoFit/>
-          </a:bodyPr>
-          <a:lstStyle/>
-          <a:p>
-            <a:pPr algn="ctr"/>
-            <a:r>
-              <a:rPr lang="pt-BR" dirty="0">
-                <a:latin typeface="Arial" panose="020B0604020202020204" pitchFamily="34" charset="0"/>
-                <a:cs typeface="Arial" panose="020B0604020202020204" pitchFamily="34" charset="0"/>
-              </a:rPr>
-              <a:t>Tela Principal</a:t>
-            </a:r>
-          </a:p>
-        </p:txBody>
-      </p:sp>
-      <p:pic>
-        <p:nvPicPr>
-          <p:cNvPr id="7" name="Imagem 6">
-            <a:extLst>
-              <a:ext uri="{FF2B5EF4-FFF2-40B4-BE49-F238E27FC236}">
-                <a16:creationId xmlns:a16="http://schemas.microsoft.com/office/drawing/2014/main" id="{4A8004A6-53DF-E082-281A-B870886FBC8F}"/>
-              </a:ext>
-            </a:extLst>
-          </p:cNvPr>
-          <p:cNvPicPr>
-            <a:picLocks noChangeAspect="1"/>
-          </p:cNvPicPr>
-          <p:nvPr/>
-        </p:nvPicPr>
-        <p:blipFill>
-          <a:blip r:embed="rId3"/>
-          <a:stretch>
-            <a:fillRect/>
-          </a:stretch>
-        </p:blipFill>
-        <p:spPr>
-          <a:xfrm>
-            <a:off x="7816494" y="1376838"/>
-            <a:ext cx="3538880" cy="2226772"/>
-          </a:xfrm>
-          <a:prstGeom prst="rect">
-            <a:avLst/>
-          </a:prstGeom>
-        </p:spPr>
-      </p:pic>
-      <p:sp>
-        <p:nvSpPr>
-          <p:cNvPr id="11" name="CaixaDeTexto 10">
-            <a:extLst>
-              <a:ext uri="{FF2B5EF4-FFF2-40B4-BE49-F238E27FC236}">
-                <a16:creationId xmlns:a16="http://schemas.microsoft.com/office/drawing/2014/main" id="{A6A89078-ABCD-8E9D-0125-DB897268ECC4}"/>
-              </a:ext>
-            </a:extLst>
-          </p:cNvPr>
-          <p:cNvSpPr txBox="1"/>
-          <p:nvPr/>
-        </p:nvSpPr>
-        <p:spPr>
-          <a:xfrm>
-            <a:off x="7648278" y="3685315"/>
-            <a:ext cx="3923859" cy="1015663"/>
-          </a:xfrm>
-          <a:prstGeom prst="rect">
-            <a:avLst/>
-          </a:prstGeom>
-          <a:noFill/>
-        </p:spPr>
-        <p:txBody>
-          <a:bodyPr wrap="square">
-            <a:spAutoFit/>
-          </a:bodyPr>
-          <a:lstStyle/>
-          <a:p>
-            <a:r>
-              <a:rPr lang="pt-BR" sz="1000" dirty="0"/>
-              <a:t>Nesta </a:t>
-            </a:r>
-            <a:r>
-              <a:rPr lang="pt-BR" sz="1000" dirty="0">
-                <a:latin typeface="Arial" panose="020B0604020202020204" pitchFamily="34" charset="0"/>
-                <a:cs typeface="Arial" panose="020B0604020202020204" pitchFamily="34" charset="0"/>
-              </a:rPr>
-              <a:t>tela</a:t>
-            </a:r>
-            <a:r>
-              <a:rPr lang="pt-BR" sz="1000" dirty="0"/>
-              <a:t> temos acesso a todas operações disponíveis no sistema.</a:t>
-            </a:r>
-          </a:p>
-          <a:p>
-            <a:pPr marL="228600" indent="-228600">
-              <a:buFont typeface="+mj-lt"/>
-              <a:buAutoNum type="arabicPeriod"/>
-            </a:pPr>
-            <a:r>
-              <a:rPr lang="pt-BR" sz="1000" dirty="0"/>
-              <a:t>Cadastro de Livros</a:t>
-            </a:r>
-          </a:p>
-          <a:p>
-            <a:pPr marL="228600" indent="-228600">
-              <a:buFont typeface="+mj-lt"/>
-              <a:buAutoNum type="arabicPeriod"/>
-            </a:pPr>
-            <a:r>
-              <a:rPr lang="pt-BR" sz="1000" dirty="0"/>
-              <a:t>Cadastro de Autor</a:t>
-            </a:r>
-          </a:p>
-          <a:p>
-            <a:pPr marL="228600" indent="-228600">
-              <a:buFont typeface="+mj-lt"/>
-              <a:buAutoNum type="arabicPeriod"/>
-            </a:pPr>
-            <a:r>
-              <a:rPr lang="pt-BR" sz="1000" dirty="0"/>
-              <a:t>Cadastro de Assunto</a:t>
-            </a:r>
-          </a:p>
-          <a:p>
-            <a:pPr marL="228600" indent="-228600">
-              <a:buFont typeface="+mj-lt"/>
-              <a:buAutoNum type="arabicPeriod"/>
-            </a:pPr>
-            <a:r>
-              <a:rPr lang="pt-BR" sz="1000" dirty="0"/>
-              <a:t>Relatório.</a:t>
-            </a:r>
-          </a:p>
-        </p:txBody>
-      </p:sp>
-    </p:spTree>
-    <p:extLst>
-      <p:ext uri="{BB962C8B-B14F-4D97-AF65-F5344CB8AC3E}">
-        <p14:creationId xmlns:p14="http://schemas.microsoft.com/office/powerpoint/2010/main" val="2501041532"/>
-      </p:ext>
-    </p:extLst>
-  </p:cSld>
-  <p:clrMapOvr>
-    <a:masterClrMapping/>
-  </p:clrMapOvr>
-</p:sld>
-</file>
-
-<file path=ppt/slides/slide4.xml><?xml version="1.0" encoding="utf-8"?>
-<p:sld xmlns:a="http://schemas.openxmlformats.org/drawingml/2006/main" xmlns:r="http://schemas.openxmlformats.org/officeDocument/2006/relationships" xmlns:p="http://schemas.openxmlformats.org/presentationml/2006/main">
-  <p:cSld>
-    <p:spTree>
-      <p:nvGrpSpPr>
-        <p:cNvPr id="1" name="">
-          <a:extLst>
-            <a:ext uri="{FF2B5EF4-FFF2-40B4-BE49-F238E27FC236}">
-              <a16:creationId xmlns:a16="http://schemas.microsoft.com/office/drawing/2014/main" id="{D5268553-56F5-C0FF-9A78-9ED72306E3B3}"/>
-            </a:ext>
-          </a:extLst>
-        </p:cNvPr>
-        <p:cNvGrpSpPr/>
-        <p:nvPr/>
-      </p:nvGrpSpPr>
-      <p:grpSpPr>
-        <a:xfrm>
-          <a:off x="0" y="0"/>
-          <a:ext cx="0" cy="0"/>
-          <a:chOff x="0" y="0"/>
-          <a:chExt cx="0" cy="0"/>
-        </a:xfrm>
-      </p:grpSpPr>
-      <p:sp>
-        <p:nvSpPr>
-          <p:cNvPr id="3" name="Espaço Reservado para Data 2">
-            <a:extLst>
-              <a:ext uri="{FF2B5EF4-FFF2-40B4-BE49-F238E27FC236}">
-                <a16:creationId xmlns:a16="http://schemas.microsoft.com/office/drawing/2014/main" id="{A300EE46-F57E-BAF2-011A-71BAC7245179}"/>
-              </a:ext>
-            </a:extLst>
-          </p:cNvPr>
-          <p:cNvSpPr>
-            <a:spLocks noGrp="1"/>
-          </p:cNvSpPr>
-          <p:nvPr>
-            <p:ph type="dt" sz="half" idx="2"/>
-          </p:nvPr>
-        </p:nvSpPr>
-        <p:spPr>
-          <a:xfrm>
-            <a:off x="10011833" y="6226628"/>
-            <a:ext cx="1560304" cy="631372"/>
-          </a:xfrm>
-        </p:spPr>
-        <p:txBody>
-          <a:bodyPr rtlCol="0"/>
-          <a:lstStyle>
-            <a:defPPr>
-              <a:defRPr lang="pt-BR"/>
-            </a:defPPr>
-          </a:lstStyle>
-          <a:p>
-            <a:pPr rtl="0"/>
-            <a:fld id="{3A0E11CE-9451-4A32-BED8-4016F1EB98C2}" type="datetime1">
-              <a:rPr lang="pt-BR" smtClean="0"/>
-              <a:t>09/12/2024</a:t>
-            </a:fld>
-            <a:endParaRPr lang="pt-BR" dirty="0"/>
-          </a:p>
-        </p:txBody>
-      </p:sp>
-      <p:sp>
-        <p:nvSpPr>
-          <p:cNvPr id="4" name="Espaço Reservado para o Número do Slide 3">
-            <a:extLst>
-              <a:ext uri="{FF2B5EF4-FFF2-40B4-BE49-F238E27FC236}">
-                <a16:creationId xmlns:a16="http://schemas.microsoft.com/office/drawing/2014/main" id="{2C2BE199-5107-8B06-F593-6C56B0D8CBB3}"/>
-              </a:ext>
-            </a:extLst>
-          </p:cNvPr>
-          <p:cNvSpPr>
-            <a:spLocks noGrp="1"/>
-          </p:cNvSpPr>
-          <p:nvPr>
-            <p:ph type="sldNum" sz="quarter" idx="4"/>
-          </p:nvPr>
-        </p:nvSpPr>
-        <p:spPr>
-          <a:xfrm>
-            <a:off x="11572137" y="6226628"/>
-            <a:ext cx="630748" cy="631372"/>
-          </a:xfrm>
-        </p:spPr>
-        <p:txBody>
-          <a:bodyPr rtlCol="0"/>
-          <a:lstStyle>
-            <a:defPPr>
-              <a:defRPr lang="pt-BR"/>
-            </a:defPPr>
-          </a:lstStyle>
-          <a:p>
-            <a:pPr rtl="0"/>
-            <a:fld id="{294A09A9-5501-47C1-A89A-A340965A2BE2}" type="slidenum">
-              <a:rPr lang="pt-BR" smtClean="0"/>
-              <a:pPr/>
-              <a:t>4</a:t>
-            </a:fld>
-            <a:endParaRPr lang="pt-BR" dirty="0"/>
-          </a:p>
-        </p:txBody>
-      </p:sp>
-      <p:pic>
-        <p:nvPicPr>
-          <p:cNvPr id="5" name="Imagem 4">
-            <a:extLst>
-              <a:ext uri="{FF2B5EF4-FFF2-40B4-BE49-F238E27FC236}">
-                <a16:creationId xmlns:a16="http://schemas.microsoft.com/office/drawing/2014/main" id="{985EFE1D-6C4A-6BE8-757E-E54F9BE1A877}"/>
-              </a:ext>
-            </a:extLst>
-          </p:cNvPr>
-          <p:cNvPicPr>
-            <a:picLocks noChangeAspect="1"/>
-          </p:cNvPicPr>
-          <p:nvPr/>
-        </p:nvPicPr>
-        <p:blipFill>
-          <a:blip r:embed="rId3"/>
-          <a:stretch>
-            <a:fillRect/>
-          </a:stretch>
-        </p:blipFill>
-        <p:spPr>
-          <a:xfrm>
-            <a:off x="622642" y="1332413"/>
-            <a:ext cx="6247058" cy="2687495"/>
-          </a:xfrm>
-          <a:prstGeom prst="rect">
-            <a:avLst/>
-          </a:prstGeom>
-          <a:ln>
-            <a:solidFill>
-              <a:schemeClr val="accent1"/>
-            </a:solidFill>
-          </a:ln>
-        </p:spPr>
-      </p:pic>
-      <p:sp>
-        <p:nvSpPr>
-          <p:cNvPr id="6" name="CaixaDeTexto 5">
-            <a:extLst>
-              <a:ext uri="{FF2B5EF4-FFF2-40B4-BE49-F238E27FC236}">
-                <a16:creationId xmlns:a16="http://schemas.microsoft.com/office/drawing/2014/main" id="{A183B8DD-D212-CB94-31B9-2B8859F4925C}"/>
-              </a:ext>
-            </a:extLst>
-          </p:cNvPr>
-          <p:cNvSpPr txBox="1"/>
-          <p:nvPr/>
-        </p:nvSpPr>
-        <p:spPr>
-          <a:xfrm>
-            <a:off x="2320507" y="4942936"/>
-            <a:ext cx="3321170" cy="370936"/>
-          </a:xfrm>
-          <a:prstGeom prst="rect">
-            <a:avLst/>
-          </a:prstGeom>
-          <a:noFill/>
-        </p:spPr>
-        <p:txBody>
-          <a:bodyPr wrap="square" rtlCol="0">
-            <a:spAutoFit/>
-          </a:bodyPr>
-          <a:lstStyle/>
-          <a:p>
-            <a:r>
-              <a:rPr lang="pt-BR" dirty="0"/>
-              <a:t>Tela Cadastro de Livros</a:t>
-            </a:r>
-          </a:p>
-        </p:txBody>
-      </p:sp>
-      <p:sp>
-        <p:nvSpPr>
-          <p:cNvPr id="12" name="CaixaDeTexto 11">
-            <a:extLst>
-              <a:ext uri="{FF2B5EF4-FFF2-40B4-BE49-F238E27FC236}">
-                <a16:creationId xmlns:a16="http://schemas.microsoft.com/office/drawing/2014/main" id="{BA735706-D635-6451-5564-46399E12F38A}"/>
-              </a:ext>
-            </a:extLst>
-          </p:cNvPr>
-          <p:cNvSpPr txBox="1"/>
-          <p:nvPr/>
-        </p:nvSpPr>
-        <p:spPr>
-          <a:xfrm>
-            <a:off x="7776465" y="1055321"/>
-            <a:ext cx="3672195" cy="3016210"/>
-          </a:xfrm>
-          <a:prstGeom prst="rect">
-            <a:avLst/>
-          </a:prstGeom>
-          <a:noFill/>
-        </p:spPr>
-        <p:txBody>
-          <a:bodyPr wrap="square">
-            <a:spAutoFit/>
-          </a:bodyPr>
-          <a:lstStyle/>
-          <a:p>
-            <a:pPr algn="just"/>
-            <a:r>
-              <a:rPr lang="pt-BR" sz="1200" b="1" i="0" dirty="0">
-                <a:solidFill>
-                  <a:srgbClr val="2F2F2F"/>
-                </a:solidFill>
-                <a:effectLst/>
-                <a:latin typeface="Inter"/>
-              </a:rPr>
-              <a:t>Inclusão de Livros:</a:t>
-            </a:r>
-            <a:r>
-              <a:rPr lang="pt-BR" sz="1200" b="0" i="0" dirty="0">
-                <a:solidFill>
-                  <a:srgbClr val="2F2F2F"/>
-                </a:solidFill>
-                <a:effectLst/>
-                <a:latin typeface="Inter"/>
-              </a:rPr>
-              <a:t> Uma interface amigável permite a adição de novos livros ao sistema. Os usuários podem inserir detalhes relevantes como título, autor, assunto.</a:t>
-            </a:r>
-          </a:p>
-          <a:p>
-            <a:pPr algn="just"/>
-            <a:endParaRPr lang="pt-BR" sz="1200" b="0" i="0" dirty="0">
-              <a:solidFill>
-                <a:srgbClr val="2F2F2F"/>
-              </a:solidFill>
-              <a:effectLst/>
-              <a:latin typeface="Inter"/>
-            </a:endParaRPr>
-          </a:p>
-          <a:p>
-            <a:pPr algn="just"/>
-            <a:r>
-              <a:rPr lang="pt-BR" sz="1200" b="1" i="0" dirty="0">
-                <a:solidFill>
-                  <a:srgbClr val="2F2F2F"/>
-                </a:solidFill>
-                <a:effectLst/>
-                <a:latin typeface="Inter"/>
-              </a:rPr>
-              <a:t>Edição de Livros:</a:t>
-            </a:r>
-            <a:r>
-              <a:rPr lang="pt-BR" sz="1200" b="0" i="0" dirty="0">
-                <a:solidFill>
-                  <a:srgbClr val="2F2F2F"/>
-                </a:solidFill>
-                <a:effectLst/>
-                <a:latin typeface="Inter"/>
-              </a:rPr>
-              <a:t> Os usuários podem atualizar as informações de qualquer livro cadastrado, garantindo que os dados estejam sempre corretos e atualizados.</a:t>
-            </a:r>
-          </a:p>
-          <a:p>
-            <a:pPr algn="just"/>
-            <a:endParaRPr lang="pt-BR" sz="1200" dirty="0">
-              <a:solidFill>
-                <a:srgbClr val="2F2F2F"/>
-              </a:solidFill>
-              <a:latin typeface="Inter"/>
-            </a:endParaRPr>
-          </a:p>
-          <a:p>
-            <a:pPr algn="just"/>
-            <a:r>
-              <a:rPr lang="pt-BR" sz="1200" b="1" i="0" dirty="0">
-                <a:solidFill>
-                  <a:srgbClr val="2F2F2F"/>
-                </a:solidFill>
-                <a:effectLst/>
-                <a:latin typeface="Inter"/>
-              </a:rPr>
-              <a:t>Visualização de Detalhes:</a:t>
-            </a:r>
-            <a:r>
-              <a:rPr lang="pt-BR" sz="1200" b="0" i="0" dirty="0">
-                <a:solidFill>
-                  <a:srgbClr val="2F2F2F"/>
-                </a:solidFill>
-                <a:effectLst/>
-                <a:latin typeface="Inter"/>
-              </a:rPr>
-              <a:t> Uma visão detalhada de cada livro está disponível, exibindo todas as informações pertinentes em um formato claro e organizado.</a:t>
-            </a:r>
-          </a:p>
-          <a:p>
-            <a:pPr algn="just"/>
-            <a:endParaRPr lang="pt-BR" sz="1200" dirty="0">
-              <a:solidFill>
-                <a:srgbClr val="2F2F2F"/>
-              </a:solidFill>
-              <a:latin typeface="Inter"/>
-            </a:endParaRPr>
-          </a:p>
-          <a:p>
-            <a:pPr algn="just"/>
-            <a:r>
-              <a:rPr lang="pt-BR" sz="1200" b="1" i="0" dirty="0">
-                <a:solidFill>
-                  <a:srgbClr val="2F2F2F"/>
-                </a:solidFill>
-                <a:effectLst/>
-                <a:latin typeface="Inter"/>
-              </a:rPr>
-              <a:t>Exclusão de Livros:</a:t>
-            </a:r>
-            <a:r>
-              <a:rPr lang="pt-BR" sz="1200" b="0" i="0" dirty="0">
-                <a:solidFill>
-                  <a:srgbClr val="2F2F2F"/>
-                </a:solidFill>
-                <a:effectLst/>
-                <a:latin typeface="Inter"/>
-              </a:rPr>
-              <a:t> Livros podem ser removidos do sistema de forma simples, garantindo que o catálogo permaneça sempre relevante.</a:t>
-            </a:r>
-          </a:p>
-          <a:p>
-            <a:endParaRPr lang="pt-BR" sz="1000" dirty="0"/>
-          </a:p>
-        </p:txBody>
-      </p:sp>
-    </p:spTree>
-    <p:extLst>
-      <p:ext uri="{BB962C8B-B14F-4D97-AF65-F5344CB8AC3E}">
-        <p14:creationId xmlns:p14="http://schemas.microsoft.com/office/powerpoint/2010/main" val="2819577886"/>
-      </p:ext>
-    </p:extLst>
-  </p:cSld>
-  <p:clrMapOvr>
-    <a:masterClrMapping/>
-  </p:clrMapOvr>
-</p:sld>
-</file>
-
-<file path=ppt/slides/slide5.xml><?xml version="1.0" encoding="utf-8"?>
-<p:sld xmlns:a="http://schemas.openxmlformats.org/drawingml/2006/main" xmlns:r="http://schemas.openxmlformats.org/officeDocument/2006/relationships" xmlns:p="http://schemas.openxmlformats.org/presentationml/2006/main">
-  <p:cSld>
-    <p:spTree>
-      <p:nvGrpSpPr>
-        <p:cNvPr id="1" name=""/>
-        <p:cNvGrpSpPr/>
-        <p:nvPr/>
-      </p:nvGrpSpPr>
-      <p:grpSpPr>
-        <a:xfrm>
-          <a:off x="0" y="0"/>
-          <a:ext cx="0" cy="0"/>
-          <a:chOff x="0" y="0"/>
-          <a:chExt cx="0" cy="0"/>
-        </a:xfrm>
-      </p:grpSpPr>
-      <p:sp>
-        <p:nvSpPr>
           <p:cNvPr id="3" name="Subtítulo 2">
             <a:extLst>
               <a:ext uri="{FF2B5EF4-FFF2-40B4-BE49-F238E27FC236}">
-                <a16:creationId xmlns:a16="http://schemas.microsoft.com/office/drawing/2014/main" id="{0F27A63B-66F9-096F-48DE-19904FE04C98}"/>
+                <a16:creationId xmlns:a16="http://schemas.microsoft.com/office/drawing/2014/main" id="{7C098398-C5E1-F00E-9917-577A38CCF750}"/>
               </a:ext>
             </a:extLst>
           </p:cNvPr>
@@ -21148,7 +19522,7 @@
           <a:p>
             <a:r>
               <a:rPr lang="pt-BR" dirty="0"/>
-              <a:t>Cadastro de Autores</a:t>
+              <a:t>Cadastro de Assuntos</a:t>
             </a:r>
           </a:p>
         </p:txBody>
@@ -21158,7 +19532,7 @@
           <p:cNvPr id="5" name="Espaço Reservado para Data 4">
             <a:extLst>
               <a:ext uri="{FF2B5EF4-FFF2-40B4-BE49-F238E27FC236}">
-                <a16:creationId xmlns:a16="http://schemas.microsoft.com/office/drawing/2014/main" id="{B25BBC5B-FDFB-1A56-2824-A8D258B2C923}"/>
+                <a16:creationId xmlns:a16="http://schemas.microsoft.com/office/drawing/2014/main" id="{0C309B58-0761-C82D-8B72-A85D59056574}"/>
               </a:ext>
             </a:extLst>
           </p:cNvPr>
@@ -21177,7 +19551,7 @@
             <a:fld id="{0BA77716-DBF5-44D5-A8EB-BC46516EF9DC}" type="datetime1">
               <a:rPr lang="en-US" smtClean="0"/>
               <a:pPr/>
-              <a:t>12/9/2024</a:t>
+              <a:t>12/17/2024</a:t>
             </a:fld>
             <a:endParaRPr lang="en-US" dirty="0"/>
           </a:p>
@@ -21188,7 +19562,7 @@
           <p:cNvPr id="6" name="Espaço Reservado para Número de Slide 5">
             <a:extLst>
               <a:ext uri="{FF2B5EF4-FFF2-40B4-BE49-F238E27FC236}">
-                <a16:creationId xmlns:a16="http://schemas.microsoft.com/office/drawing/2014/main" id="{442B3DE5-A39D-473D-954D-8615DBD839EC}"/>
+                <a16:creationId xmlns:a16="http://schemas.microsoft.com/office/drawing/2014/main" id="{8836D19F-F157-28DE-092D-08E581A8052D}"/>
               </a:ext>
             </a:extLst>
           </p:cNvPr>
@@ -21207,524 +19581,7 @@
             <a:fld id="{294A09A9-5501-47C1-A89A-A340965A2BE2}" type="slidenum">
               <a:rPr lang="en-US" smtClean="0"/>
               <a:pPr/>
-              <a:t>5</a:t>
-            </a:fld>
-            <a:endParaRPr lang="en-US" dirty="0"/>
-          </a:p>
-        </p:txBody>
-      </p:sp>
-      <p:sp>
-        <p:nvSpPr>
-          <p:cNvPr id="9" name="CaixaDeTexto 8">
-            <a:extLst>
-              <a:ext uri="{FF2B5EF4-FFF2-40B4-BE49-F238E27FC236}">
-                <a16:creationId xmlns:a16="http://schemas.microsoft.com/office/drawing/2014/main" id="{C35289A2-D28A-7D99-E902-8402BF90FCF5}"/>
-              </a:ext>
-            </a:extLst>
-          </p:cNvPr>
-          <p:cNvSpPr txBox="1"/>
-          <p:nvPr/>
-        </p:nvSpPr>
-        <p:spPr>
-          <a:xfrm>
-            <a:off x="7679094" y="1147665"/>
-            <a:ext cx="3893043" cy="2123658"/>
-          </a:xfrm>
-          <a:prstGeom prst="rect">
-            <a:avLst/>
-          </a:prstGeom>
-          <a:noFill/>
-        </p:spPr>
-        <p:txBody>
-          <a:bodyPr wrap="square" rtlCol="0">
-            <a:spAutoFit/>
-          </a:bodyPr>
-          <a:lstStyle/>
-          <a:p>
-            <a:pPr algn="just"/>
-            <a:r>
-              <a:rPr lang="pt-BR" sz="1200" b="1" dirty="0">
-                <a:solidFill>
-                  <a:srgbClr val="2F2F2F"/>
-                </a:solidFill>
-                <a:latin typeface="Inter"/>
-              </a:rPr>
-              <a:t>Inclusão de Autores</a:t>
-            </a:r>
-            <a:r>
-              <a:rPr lang="pt-BR" sz="1200" dirty="0">
-                <a:solidFill>
-                  <a:srgbClr val="2F2F2F"/>
-                </a:solidFill>
-                <a:latin typeface="Inter"/>
-              </a:rPr>
-              <a:t>: Permite adicionar novos autores ao sistema.</a:t>
-            </a:r>
-          </a:p>
-          <a:p>
-            <a:pPr algn="just">
-              <a:buFont typeface="Arial" panose="020B0604020202020204" pitchFamily="34" charset="0"/>
-              <a:buChar char="•"/>
-            </a:pPr>
-            <a:endParaRPr lang="pt-BR" sz="1200" dirty="0">
-              <a:solidFill>
-                <a:srgbClr val="2F2F2F"/>
-              </a:solidFill>
-              <a:latin typeface="Inter"/>
-            </a:endParaRPr>
-          </a:p>
-          <a:p>
-            <a:pPr algn="just"/>
-            <a:r>
-              <a:rPr lang="pt-BR" sz="1200" b="1" dirty="0">
-                <a:solidFill>
-                  <a:srgbClr val="2F2F2F"/>
-                </a:solidFill>
-                <a:latin typeface="Inter"/>
-              </a:rPr>
-              <a:t>Edição de Autores</a:t>
-            </a:r>
-            <a:r>
-              <a:rPr lang="pt-BR" sz="1200" dirty="0">
-                <a:solidFill>
-                  <a:srgbClr val="2F2F2F"/>
-                </a:solidFill>
-                <a:latin typeface="Inter"/>
-              </a:rPr>
-              <a:t>: Atualize os dados dos autores conforme necessário, mantendo informações precisas e atualizadas.</a:t>
-            </a:r>
-          </a:p>
-          <a:p>
-            <a:pPr algn="just">
-              <a:buFont typeface="Arial" panose="020B0604020202020204" pitchFamily="34" charset="0"/>
-              <a:buChar char="•"/>
-            </a:pPr>
-            <a:endParaRPr lang="pt-BR" sz="1200" dirty="0">
-              <a:solidFill>
-                <a:srgbClr val="2F2F2F"/>
-              </a:solidFill>
-              <a:latin typeface="Inter"/>
-            </a:endParaRPr>
-          </a:p>
-          <a:p>
-            <a:pPr algn="just"/>
-            <a:r>
-              <a:rPr lang="pt-BR" sz="1200" b="1" dirty="0">
-                <a:solidFill>
-                  <a:srgbClr val="2F2F2F"/>
-                </a:solidFill>
-                <a:latin typeface="Inter"/>
-              </a:rPr>
-              <a:t>Visualização de Detalhes</a:t>
-            </a:r>
-            <a:r>
-              <a:rPr lang="pt-BR" sz="1200" dirty="0">
-                <a:solidFill>
-                  <a:srgbClr val="2F2F2F"/>
-                </a:solidFill>
-                <a:latin typeface="Inter"/>
-              </a:rPr>
-              <a:t>: Exiba uma visão completa das informações do autor.</a:t>
-            </a:r>
-          </a:p>
-          <a:p>
-            <a:pPr algn="just"/>
-            <a:endParaRPr lang="pt-BR" sz="1200" dirty="0">
-              <a:solidFill>
-                <a:srgbClr val="2F2F2F"/>
-              </a:solidFill>
-              <a:latin typeface="Inter"/>
-            </a:endParaRPr>
-          </a:p>
-          <a:p>
-            <a:pPr algn="just"/>
-            <a:r>
-              <a:rPr lang="pt-BR" sz="1200" b="1" dirty="0">
-                <a:solidFill>
-                  <a:srgbClr val="2F2F2F"/>
-                </a:solidFill>
-                <a:latin typeface="Inter"/>
-              </a:rPr>
-              <a:t>Exclusão de Autores</a:t>
-            </a:r>
-            <a:r>
-              <a:rPr lang="pt-BR" sz="1200" dirty="0">
-                <a:solidFill>
-                  <a:srgbClr val="2F2F2F"/>
-                </a:solidFill>
-                <a:latin typeface="Inter"/>
-              </a:rPr>
-              <a:t>: Remova autores do sistema quando necessário, mantendo o banco de dados organizado.</a:t>
-            </a:r>
-          </a:p>
-        </p:txBody>
-      </p:sp>
-      <p:pic>
-        <p:nvPicPr>
-          <p:cNvPr id="4" name="Imagem 3">
-            <a:extLst>
-              <a:ext uri="{FF2B5EF4-FFF2-40B4-BE49-F238E27FC236}">
-                <a16:creationId xmlns:a16="http://schemas.microsoft.com/office/drawing/2014/main" id="{65A9A409-702B-94C0-BD67-E3992E79340D}"/>
-              </a:ext>
-            </a:extLst>
-          </p:cNvPr>
-          <p:cNvPicPr>
-            <a:picLocks noChangeAspect="1"/>
-          </p:cNvPicPr>
-          <p:nvPr/>
-        </p:nvPicPr>
-        <p:blipFill>
-          <a:blip r:embed="rId2"/>
-          <a:stretch>
-            <a:fillRect/>
-          </a:stretch>
-        </p:blipFill>
-        <p:spPr>
-          <a:xfrm>
-            <a:off x="581341" y="1147665"/>
-            <a:ext cx="6197565" cy="2146041"/>
-          </a:xfrm>
-          <a:prstGeom prst="rect">
-            <a:avLst/>
-          </a:prstGeom>
-          <a:ln>
-            <a:solidFill>
-              <a:schemeClr val="accent1"/>
-            </a:solidFill>
-          </a:ln>
-        </p:spPr>
-      </p:pic>
-    </p:spTree>
-    <p:extLst>
-      <p:ext uri="{BB962C8B-B14F-4D97-AF65-F5344CB8AC3E}">
-        <p14:creationId xmlns:p14="http://schemas.microsoft.com/office/powerpoint/2010/main" val="4066650899"/>
-      </p:ext>
-    </p:extLst>
-  </p:cSld>
-  <p:clrMapOvr>
-    <a:masterClrMapping/>
-  </p:clrMapOvr>
-</p:sld>
-</file>
-
-<file path=ppt/slides/slide6.xml><?xml version="1.0" encoding="utf-8"?>
-<p:sld xmlns:a="http://schemas.openxmlformats.org/drawingml/2006/main" xmlns:r="http://schemas.openxmlformats.org/officeDocument/2006/relationships" xmlns:p="http://schemas.openxmlformats.org/presentationml/2006/main">
-  <p:cSld>
-    <p:spTree>
-      <p:nvGrpSpPr>
-        <p:cNvPr id="1" name=""/>
-        <p:cNvGrpSpPr/>
-        <p:nvPr/>
-      </p:nvGrpSpPr>
-      <p:grpSpPr>
-        <a:xfrm>
-          <a:off x="0" y="0"/>
-          <a:ext cx="0" cy="0"/>
-          <a:chOff x="0" y="0"/>
-          <a:chExt cx="0" cy="0"/>
-        </a:xfrm>
-      </p:grpSpPr>
-      <p:sp>
-        <p:nvSpPr>
-          <p:cNvPr id="3" name="Subtítulo 2">
-            <a:extLst>
-              <a:ext uri="{FF2B5EF4-FFF2-40B4-BE49-F238E27FC236}">
-                <a16:creationId xmlns:a16="http://schemas.microsoft.com/office/drawing/2014/main" id="{89EBF1C8-DABC-1A4A-5A74-D78C7B6A4C72}"/>
-              </a:ext>
-            </a:extLst>
-          </p:cNvPr>
-          <p:cNvSpPr>
-            <a:spLocks noGrp="1"/>
-          </p:cNvSpPr>
-          <p:nvPr>
-            <p:ph type="subTitle" idx="1"/>
-          </p:nvPr>
-        </p:nvSpPr>
-        <p:spPr/>
-        <p:txBody>
-          <a:bodyPr/>
-          <a:lstStyle/>
-          <a:p>
-            <a:r>
-              <a:rPr lang="pt-BR" dirty="0"/>
-              <a:t>Cadastro Livro</a:t>
-            </a:r>
-          </a:p>
-        </p:txBody>
-      </p:sp>
-      <p:sp>
-        <p:nvSpPr>
-          <p:cNvPr id="5" name="Espaço Reservado para Data 4">
-            <a:extLst>
-              <a:ext uri="{FF2B5EF4-FFF2-40B4-BE49-F238E27FC236}">
-                <a16:creationId xmlns:a16="http://schemas.microsoft.com/office/drawing/2014/main" id="{44D0D1FD-46CC-9FF7-13AC-348ED0C732E7}"/>
-              </a:ext>
-            </a:extLst>
-          </p:cNvPr>
-          <p:cNvSpPr>
-            <a:spLocks noGrp="1"/>
-          </p:cNvSpPr>
-          <p:nvPr>
-            <p:ph type="dt" sz="half" idx="2"/>
-          </p:nvPr>
-        </p:nvSpPr>
-        <p:spPr/>
-        <p:txBody>
-          <a:bodyPr/>
-          <a:lstStyle/>
-          <a:p>
-            <a:fld id="{0BA77716-DBF5-44D5-A8EB-BC46516EF9DC}" type="datetime1">
-              <a:rPr lang="en-US" smtClean="0"/>
-              <a:pPr/>
-              <a:t>12/9/2024</a:t>
-            </a:fld>
-            <a:endParaRPr lang="en-US" dirty="0"/>
-          </a:p>
-        </p:txBody>
-      </p:sp>
-      <p:sp>
-        <p:nvSpPr>
-          <p:cNvPr id="6" name="Espaço Reservado para Número de Slide 5">
-            <a:extLst>
-              <a:ext uri="{FF2B5EF4-FFF2-40B4-BE49-F238E27FC236}">
-                <a16:creationId xmlns:a16="http://schemas.microsoft.com/office/drawing/2014/main" id="{306DAFFF-3B01-7976-E157-0AB7CABC57AA}"/>
-              </a:ext>
-            </a:extLst>
-          </p:cNvPr>
-          <p:cNvSpPr>
-            <a:spLocks noGrp="1"/>
-          </p:cNvSpPr>
-          <p:nvPr>
-            <p:ph type="sldNum" sz="quarter" idx="4"/>
-          </p:nvPr>
-        </p:nvSpPr>
-        <p:spPr/>
-        <p:txBody>
-          <a:bodyPr/>
-          <a:lstStyle/>
-          <a:p>
-            <a:fld id="{294A09A9-5501-47C1-A89A-A340965A2BE2}" type="slidenum">
-              <a:rPr lang="en-US" smtClean="0"/>
-              <a:pPr/>
-              <a:t>6</a:t>
-            </a:fld>
-            <a:endParaRPr lang="en-US" dirty="0"/>
-          </a:p>
-        </p:txBody>
-      </p:sp>
-      <p:pic>
-        <p:nvPicPr>
-          <p:cNvPr id="8" name="Imagem 7">
-            <a:extLst>
-              <a:ext uri="{FF2B5EF4-FFF2-40B4-BE49-F238E27FC236}">
-                <a16:creationId xmlns:a16="http://schemas.microsoft.com/office/drawing/2014/main" id="{C548B0D2-71EF-421F-8465-3F99F1C9672B}"/>
-              </a:ext>
-            </a:extLst>
-          </p:cNvPr>
-          <p:cNvPicPr>
-            <a:picLocks noChangeAspect="1"/>
-          </p:cNvPicPr>
-          <p:nvPr/>
-        </p:nvPicPr>
-        <p:blipFill>
-          <a:blip r:embed="rId2"/>
-          <a:stretch>
-            <a:fillRect/>
-          </a:stretch>
-        </p:blipFill>
-        <p:spPr>
-          <a:xfrm>
-            <a:off x="7675396" y="2542821"/>
-            <a:ext cx="3896741" cy="1757798"/>
-          </a:xfrm>
-          <a:prstGeom prst="rect">
-            <a:avLst/>
-          </a:prstGeom>
-          <a:ln>
-            <a:solidFill>
-              <a:schemeClr val="accent1"/>
-            </a:solidFill>
-          </a:ln>
-        </p:spPr>
-      </p:pic>
-      <p:sp>
-        <p:nvSpPr>
-          <p:cNvPr id="9" name="CaixaDeTexto 8">
-            <a:extLst>
-              <a:ext uri="{FF2B5EF4-FFF2-40B4-BE49-F238E27FC236}">
-                <a16:creationId xmlns:a16="http://schemas.microsoft.com/office/drawing/2014/main" id="{E01CB640-7FB8-84CC-E902-8BB0CCA1B939}"/>
-              </a:ext>
-            </a:extLst>
-          </p:cNvPr>
-          <p:cNvSpPr txBox="1"/>
-          <p:nvPr/>
-        </p:nvSpPr>
-        <p:spPr>
-          <a:xfrm>
-            <a:off x="7700211" y="1174282"/>
-            <a:ext cx="3871926" cy="1200329"/>
-          </a:xfrm>
-          <a:prstGeom prst="rect">
-            <a:avLst/>
-          </a:prstGeom>
-          <a:noFill/>
-        </p:spPr>
-        <p:txBody>
-          <a:bodyPr wrap="square" rtlCol="0">
-            <a:spAutoFit/>
-          </a:bodyPr>
-          <a:lstStyle/>
-          <a:p>
-            <a:r>
-              <a:rPr lang="pt-BR" dirty="0"/>
-              <a:t>Ao cadastrar o livro, ao clicar no botão Salvar, o sistema abre uma grid onde podemos associar os Atores e Assuntos</a:t>
-            </a:r>
-          </a:p>
-        </p:txBody>
-      </p:sp>
-      <p:pic>
-        <p:nvPicPr>
-          <p:cNvPr id="11" name="Imagem 10">
-            <a:extLst>
-              <a:ext uri="{FF2B5EF4-FFF2-40B4-BE49-F238E27FC236}">
-                <a16:creationId xmlns:a16="http://schemas.microsoft.com/office/drawing/2014/main" id="{9C39449D-C204-538A-18D6-61E76C42A4A2}"/>
-              </a:ext>
-            </a:extLst>
-          </p:cNvPr>
-          <p:cNvPicPr>
-            <a:picLocks noChangeAspect="1"/>
-          </p:cNvPicPr>
-          <p:nvPr/>
-        </p:nvPicPr>
-        <p:blipFill>
-          <a:blip r:embed="rId3"/>
-          <a:stretch>
-            <a:fillRect/>
-          </a:stretch>
-        </p:blipFill>
-        <p:spPr>
-          <a:xfrm>
-            <a:off x="604871" y="951722"/>
-            <a:ext cx="6138828" cy="3752174"/>
-          </a:xfrm>
-          <a:prstGeom prst="rect">
-            <a:avLst/>
-          </a:prstGeom>
-        </p:spPr>
-      </p:pic>
-    </p:spTree>
-    <p:extLst>
-      <p:ext uri="{BB962C8B-B14F-4D97-AF65-F5344CB8AC3E}">
-        <p14:creationId xmlns:p14="http://schemas.microsoft.com/office/powerpoint/2010/main" val="3510062999"/>
-      </p:ext>
-    </p:extLst>
-  </p:cSld>
-  <p:clrMapOvr>
-    <a:masterClrMapping/>
-  </p:clrMapOvr>
-</p:sld>
-</file>
-
-<file path=ppt/slides/slide7.xml><?xml version="1.0" encoding="utf-8"?>
-<p:sld xmlns:a="http://schemas.openxmlformats.org/drawingml/2006/main" xmlns:r="http://schemas.openxmlformats.org/officeDocument/2006/relationships" xmlns:p="http://schemas.openxmlformats.org/presentationml/2006/main">
-  <p:cSld>
-    <p:spTree>
-      <p:nvGrpSpPr>
-        <p:cNvPr id="1" name=""/>
-        <p:cNvGrpSpPr/>
-        <p:nvPr/>
-      </p:nvGrpSpPr>
-      <p:grpSpPr>
-        <a:xfrm>
-          <a:off x="0" y="0"/>
-          <a:ext cx="0" cy="0"/>
-          <a:chOff x="0" y="0"/>
-          <a:chExt cx="0" cy="0"/>
-        </a:xfrm>
-      </p:grpSpPr>
-      <p:sp>
-        <p:nvSpPr>
-          <p:cNvPr id="3" name="Subtítulo 2">
-            <a:extLst>
-              <a:ext uri="{FF2B5EF4-FFF2-40B4-BE49-F238E27FC236}">
-                <a16:creationId xmlns:a16="http://schemas.microsoft.com/office/drawing/2014/main" id="{7C098398-C5E1-F00E-9917-577A38CCF750}"/>
-              </a:ext>
-            </a:extLst>
-          </p:cNvPr>
-          <p:cNvSpPr>
-            <a:spLocks noGrp="1"/>
-          </p:cNvSpPr>
-          <p:nvPr>
-            <p:ph type="subTitle" idx="1"/>
-          </p:nvPr>
-        </p:nvSpPr>
-        <p:spPr/>
-        <p:txBody>
-          <a:bodyPr/>
-          <a:lstStyle/>
-          <a:p>
-            <a:r>
-              <a:rPr lang="pt-BR" dirty="0"/>
-              <a:t>Cadastro de Assuntos</a:t>
-            </a:r>
-          </a:p>
-        </p:txBody>
-      </p:sp>
-      <p:sp>
-        <p:nvSpPr>
-          <p:cNvPr id="5" name="Espaço Reservado para Data 4">
-            <a:extLst>
-              <a:ext uri="{FF2B5EF4-FFF2-40B4-BE49-F238E27FC236}">
-                <a16:creationId xmlns:a16="http://schemas.microsoft.com/office/drawing/2014/main" id="{0C309B58-0761-C82D-8B72-A85D59056574}"/>
-              </a:ext>
-            </a:extLst>
-          </p:cNvPr>
-          <p:cNvSpPr>
-            <a:spLocks noGrp="1"/>
-          </p:cNvSpPr>
-          <p:nvPr>
-            <p:ph type="dt" sz="half" idx="2"/>
-          </p:nvPr>
-        </p:nvSpPr>
-        <p:spPr/>
-        <p:txBody>
-          <a:bodyPr/>
-          <a:lstStyle/>
-          <a:p>
-            <a:fld id="{0BA77716-DBF5-44D5-A8EB-BC46516EF9DC}" type="datetime1">
-              <a:rPr lang="en-US" smtClean="0"/>
-              <a:pPr/>
-              <a:t>12/9/2024</a:t>
-            </a:fld>
-            <a:endParaRPr lang="en-US" dirty="0"/>
-          </a:p>
-        </p:txBody>
-      </p:sp>
-      <p:sp>
-        <p:nvSpPr>
-          <p:cNvPr id="6" name="Espaço Reservado para Número de Slide 5">
-            <a:extLst>
-              <a:ext uri="{FF2B5EF4-FFF2-40B4-BE49-F238E27FC236}">
-                <a16:creationId xmlns:a16="http://schemas.microsoft.com/office/drawing/2014/main" id="{8836D19F-F157-28DE-092D-08E581A8052D}"/>
-              </a:ext>
-            </a:extLst>
-          </p:cNvPr>
-          <p:cNvSpPr>
-            <a:spLocks noGrp="1"/>
-          </p:cNvSpPr>
-          <p:nvPr>
-            <p:ph type="sldNum" sz="quarter" idx="4"/>
-          </p:nvPr>
-        </p:nvSpPr>
-        <p:spPr/>
-        <p:txBody>
-          <a:bodyPr/>
-          <a:lstStyle/>
-          <a:p>
-            <a:fld id="{294A09A9-5501-47C1-A89A-A340965A2BE2}" type="slidenum">
-              <a:rPr lang="en-US" smtClean="0"/>
-              <a:pPr/>
-              <a:t>7</a:t>
+              <a:t>10</a:t>
             </a:fld>
             <a:endParaRPr lang="en-US" dirty="0"/>
           </a:p>
@@ -21947,7 +19804,7 @@
 </p:sld>
 </file>
 
-<file path=ppt/slides/slide8.xml><?xml version="1.0" encoding="utf-8"?>
+<file path=ppt/slides/slide11.xml><?xml version="1.0" encoding="utf-8"?>
 <p:sld xmlns:a="http://schemas.openxmlformats.org/drawingml/2006/main" xmlns:r="http://schemas.openxmlformats.org/officeDocument/2006/relationships" xmlns:p="http://schemas.openxmlformats.org/presentationml/2006/main">
   <p:cSld>
     <p:spTree>
@@ -22052,7 +19909,7 @@
             <a:fld id="{0BA77716-DBF5-44D5-A8EB-BC46516EF9DC}" type="datetime1">
               <a:rPr lang="en-US" smtClean="0"/>
               <a:pPr/>
-              <a:t>12/9/2024</a:t>
+              <a:t>12/17/2024</a:t>
             </a:fld>
             <a:endParaRPr lang="en-US" dirty="0"/>
           </a:p>
@@ -22082,7 +19939,7 @@
             <a:fld id="{294A09A9-5501-47C1-A89A-A340965A2BE2}" type="slidenum">
               <a:rPr lang="en-US" smtClean="0"/>
               <a:pPr/>
-              <a:t>8</a:t>
+              <a:t>11</a:t>
             </a:fld>
             <a:endParaRPr lang="en-US" dirty="0"/>
           </a:p>
@@ -22136,7 +19993,7 @@
 </p:sld>
 </file>
 
-<file path=ppt/slides/slide9.xml><?xml version="1.0" encoding="utf-8"?>
+<file path=ppt/slides/slide12.xml><?xml version="1.0" encoding="utf-8"?>
 <p:sld xmlns:a="http://schemas.openxmlformats.org/drawingml/2006/main" xmlns:r="http://schemas.openxmlformats.org/officeDocument/2006/relationships" xmlns:p="http://schemas.openxmlformats.org/presentationml/2006/main">
   <p:cSld>
     <p:spTree>
@@ -22205,7 +20062,7 @@
             <a:fld id="{0BA77716-DBF5-44D5-A8EB-BC46516EF9DC}" type="datetime1">
               <a:rPr lang="en-US" smtClean="0"/>
               <a:pPr/>
-              <a:t>12/9/2024</a:t>
+              <a:t>12/17/2024</a:t>
             </a:fld>
             <a:endParaRPr lang="en-US" dirty="0"/>
           </a:p>
@@ -22235,7 +20092,7 @@
             <a:fld id="{294A09A9-5501-47C1-A89A-A340965A2BE2}" type="slidenum">
               <a:rPr lang="en-US" smtClean="0"/>
               <a:pPr/>
-              <a:t>9</a:t>
+              <a:t>12</a:t>
             </a:fld>
             <a:endParaRPr lang="en-US" dirty="0"/>
           </a:p>
@@ -22783,6 +20640,2773 @@
     <p:extLst>
       <p:ext uri="{BB962C8B-B14F-4D97-AF65-F5344CB8AC3E}">
         <p14:creationId xmlns:p14="http://schemas.microsoft.com/office/powerpoint/2010/main" val="1616684947"/>
+      </p:ext>
+    </p:extLst>
+  </p:cSld>
+  <p:clrMapOvr>
+    <a:masterClrMapping/>
+  </p:clrMapOvr>
+</p:sld>
+</file>
+
+<file path=ppt/slides/slide13.xml><?xml version="1.0" encoding="utf-8"?>
+<p:sld xmlns:a="http://schemas.openxmlformats.org/drawingml/2006/main" xmlns:r="http://schemas.openxmlformats.org/officeDocument/2006/relationships" xmlns:p="http://schemas.openxmlformats.org/presentationml/2006/main">
+  <p:cSld>
+    <p:spTree>
+      <p:nvGrpSpPr>
+        <p:cNvPr id="1" name=""/>
+        <p:cNvGrpSpPr/>
+        <p:nvPr/>
+      </p:nvGrpSpPr>
+      <p:grpSpPr>
+        <a:xfrm>
+          <a:off x="0" y="0"/>
+          <a:ext cx="0" cy="0"/>
+          <a:chOff x="0" y="0"/>
+          <a:chExt cx="0" cy="0"/>
+        </a:xfrm>
+      </p:grpSpPr>
+      <p:sp>
+        <p:nvSpPr>
+          <p:cNvPr id="2" name="Título 1">
+            <a:extLst>
+              <a:ext uri="{FF2B5EF4-FFF2-40B4-BE49-F238E27FC236}">
+                <a16:creationId xmlns:a16="http://schemas.microsoft.com/office/drawing/2014/main" id="{E5029EBB-1741-B229-41FE-2763D7D446A5}"/>
+              </a:ext>
+            </a:extLst>
+          </p:cNvPr>
+          <p:cNvSpPr>
+            <a:spLocks noGrp="1"/>
+          </p:cNvSpPr>
+          <p:nvPr>
+            <p:ph type="ctrTitle"/>
+          </p:nvPr>
+        </p:nvSpPr>
+        <p:spPr>
+          <a:xfrm>
+            <a:off x="1839686" y="1209643"/>
+            <a:ext cx="8508273" cy="4968000"/>
+          </a:xfrm>
+        </p:spPr>
+        <p:txBody>
+          <a:bodyPr anchor="ctr">
+            <a:normAutofit/>
+          </a:bodyPr>
+          <a:lstStyle/>
+          <a:p>
+            <a:r>
+              <a:rPr lang="pt-BR" dirty="0"/>
+              <a:t>Banco de dados </a:t>
+            </a:r>
+            <a:r>
+              <a:rPr lang="pt-BR" dirty="0" err="1"/>
+              <a:t>SqlServer</a:t>
+            </a:r>
+            <a:endParaRPr lang="pt-BR" dirty="0"/>
+          </a:p>
+        </p:txBody>
+      </p:sp>
+      <p:sp>
+        <p:nvSpPr>
+          <p:cNvPr id="5" name="Espaço Reservado para Data 4" hidden="1">
+            <a:extLst>
+              <a:ext uri="{FF2B5EF4-FFF2-40B4-BE49-F238E27FC236}">
+                <a16:creationId xmlns:a16="http://schemas.microsoft.com/office/drawing/2014/main" id="{87164BD6-22E7-D1AD-3226-677D8C1B3EFD}"/>
+              </a:ext>
+            </a:extLst>
+          </p:cNvPr>
+          <p:cNvSpPr>
+            <a:spLocks noGrp="1"/>
+          </p:cNvSpPr>
+          <p:nvPr>
+            <p:ph type="dt" sz="half" idx="4294967295"/>
+          </p:nvPr>
+        </p:nvSpPr>
+        <p:spPr>
+          <a:xfrm>
+            <a:off x="10011833" y="6226628"/>
+            <a:ext cx="1560304" cy="631372"/>
+          </a:xfrm>
+        </p:spPr>
+        <p:txBody>
+          <a:bodyPr anchor="ctr">
+            <a:normAutofit/>
+          </a:bodyPr>
+          <a:lstStyle/>
+          <a:p>
+            <a:pPr>
+              <a:spcAft>
+                <a:spcPts val="600"/>
+              </a:spcAft>
+            </a:pPr>
+            <a:fld id="{0BA77716-DBF5-44D5-A8EB-BC46516EF9DC}" type="datetime1">
+              <a:rPr lang="en-US" smtClean="0"/>
+              <a:pPr>
+                <a:spcAft>
+                  <a:spcPts val="600"/>
+                </a:spcAft>
+              </a:pPr>
+              <a:t>12/17/2024</a:t>
+            </a:fld>
+            <a:endParaRPr lang="en-US"/>
+          </a:p>
+        </p:txBody>
+      </p:sp>
+      <p:sp>
+        <p:nvSpPr>
+          <p:cNvPr id="6" name="Espaço Reservado para Número de Slide 5" hidden="1">
+            <a:extLst>
+              <a:ext uri="{FF2B5EF4-FFF2-40B4-BE49-F238E27FC236}">
+                <a16:creationId xmlns:a16="http://schemas.microsoft.com/office/drawing/2014/main" id="{766AECEA-4C16-E632-0288-1C60C974EB98}"/>
+              </a:ext>
+            </a:extLst>
+          </p:cNvPr>
+          <p:cNvSpPr>
+            <a:spLocks noGrp="1"/>
+          </p:cNvSpPr>
+          <p:nvPr>
+            <p:ph type="sldNum" sz="quarter" idx="4294967295"/>
+          </p:nvPr>
+        </p:nvSpPr>
+        <p:spPr>
+          <a:xfrm>
+            <a:off x="11572137" y="6226628"/>
+            <a:ext cx="630748" cy="631372"/>
+          </a:xfrm>
+        </p:spPr>
+        <p:txBody>
+          <a:bodyPr anchor="ctr">
+            <a:normAutofit/>
+          </a:bodyPr>
+          <a:lstStyle/>
+          <a:p>
+            <a:pPr>
+              <a:spcAft>
+                <a:spcPts val="600"/>
+              </a:spcAft>
+            </a:pPr>
+            <a:fld id="{294A09A9-5501-47C1-A89A-A340965A2BE2}" type="slidenum">
+              <a:rPr lang="en-US" smtClean="0"/>
+              <a:pPr>
+                <a:spcAft>
+                  <a:spcPts val="600"/>
+                </a:spcAft>
+              </a:pPr>
+              <a:t>13</a:t>
+            </a:fld>
+            <a:endParaRPr lang="en-US"/>
+          </a:p>
+        </p:txBody>
+      </p:sp>
+    </p:spTree>
+    <p:extLst>
+      <p:ext uri="{BB962C8B-B14F-4D97-AF65-F5344CB8AC3E}">
+        <p14:creationId xmlns:p14="http://schemas.microsoft.com/office/powerpoint/2010/main" val="2468118240"/>
+      </p:ext>
+    </p:extLst>
+  </p:cSld>
+  <p:clrMapOvr>
+    <a:masterClrMapping/>
+  </p:clrMapOvr>
+</p:sld>
+</file>
+
+<file path=ppt/slides/slide14.xml><?xml version="1.0" encoding="utf-8"?>
+<p:sld xmlns:a="http://schemas.openxmlformats.org/drawingml/2006/main" xmlns:r="http://schemas.openxmlformats.org/officeDocument/2006/relationships" xmlns:p="http://schemas.openxmlformats.org/presentationml/2006/main">
+  <p:cSld>
+    <p:spTree>
+      <p:nvGrpSpPr>
+        <p:cNvPr id="1" name=""/>
+        <p:cNvGrpSpPr/>
+        <p:nvPr/>
+      </p:nvGrpSpPr>
+      <p:grpSpPr>
+        <a:xfrm>
+          <a:off x="0" y="0"/>
+          <a:ext cx="0" cy="0"/>
+          <a:chOff x="0" y="0"/>
+          <a:chExt cx="0" cy="0"/>
+        </a:xfrm>
+      </p:grpSpPr>
+      <p:sp>
+        <p:nvSpPr>
+          <p:cNvPr id="19" name="Subtitle 2">
+            <a:extLst>
+              <a:ext uri="{FF2B5EF4-FFF2-40B4-BE49-F238E27FC236}">
+                <a16:creationId xmlns:a16="http://schemas.microsoft.com/office/drawing/2014/main" id="{20D88FC6-51FB-722C-EC35-914E9ACF50BD}"/>
+              </a:ext>
+            </a:extLst>
+          </p:cNvPr>
+          <p:cNvSpPr>
+            <a:spLocks noGrp="1"/>
+          </p:cNvSpPr>
+          <p:nvPr>
+            <p:ph type="subTitle" idx="1"/>
+          </p:nvPr>
+        </p:nvSpPr>
+        <p:spPr>
+          <a:xfrm>
+            <a:off x="734784" y="4854677"/>
+            <a:ext cx="6008915" cy="652923"/>
+          </a:xfrm>
+        </p:spPr>
+        <p:txBody>
+          <a:bodyPr/>
+          <a:lstStyle/>
+          <a:p>
+            <a:r>
+              <a:rPr lang="en-US" dirty="0" err="1"/>
+              <a:t>Estrutura</a:t>
+            </a:r>
+            <a:r>
+              <a:rPr lang="en-US" dirty="0"/>
+              <a:t> do Banco de Dados</a:t>
+            </a:r>
+          </a:p>
+        </p:txBody>
+      </p:sp>
+      <p:sp>
+        <p:nvSpPr>
+          <p:cNvPr id="4" name="Espaço Reservado para Data 3">
+            <a:extLst>
+              <a:ext uri="{FF2B5EF4-FFF2-40B4-BE49-F238E27FC236}">
+                <a16:creationId xmlns:a16="http://schemas.microsoft.com/office/drawing/2014/main" id="{BBAFE0A7-893A-1AF1-9698-BEF0EA6E68EF}"/>
+              </a:ext>
+            </a:extLst>
+          </p:cNvPr>
+          <p:cNvSpPr>
+            <a:spLocks noGrp="1"/>
+          </p:cNvSpPr>
+          <p:nvPr>
+            <p:ph type="dt" sz="half" idx="2"/>
+          </p:nvPr>
+        </p:nvSpPr>
+        <p:spPr>
+          <a:xfrm>
+            <a:off x="10011833" y="6226628"/>
+            <a:ext cx="1560304" cy="631372"/>
+          </a:xfrm>
+        </p:spPr>
+        <p:txBody>
+          <a:bodyPr anchor="ctr">
+            <a:normAutofit/>
+          </a:bodyPr>
+          <a:lstStyle/>
+          <a:p>
+            <a:pPr>
+              <a:spcAft>
+                <a:spcPts val="600"/>
+              </a:spcAft>
+            </a:pPr>
+            <a:fld id="{F11FDACF-D3E9-43AB-B859-053F51EAB922}" type="datetime1">
+              <a:rPr lang="en-US" smtClean="0"/>
+              <a:pPr>
+                <a:spcAft>
+                  <a:spcPts val="600"/>
+                </a:spcAft>
+              </a:pPr>
+              <a:t>12/17/2024</a:t>
+            </a:fld>
+            <a:endParaRPr lang="en-US"/>
+          </a:p>
+        </p:txBody>
+      </p:sp>
+      <p:sp>
+        <p:nvSpPr>
+          <p:cNvPr id="5" name="Espaço Reservado para Número de Slide 4">
+            <a:extLst>
+              <a:ext uri="{FF2B5EF4-FFF2-40B4-BE49-F238E27FC236}">
+                <a16:creationId xmlns:a16="http://schemas.microsoft.com/office/drawing/2014/main" id="{AD607864-34AA-BE87-7918-6A4F530A2E8D}"/>
+              </a:ext>
+            </a:extLst>
+          </p:cNvPr>
+          <p:cNvSpPr>
+            <a:spLocks noGrp="1"/>
+          </p:cNvSpPr>
+          <p:nvPr>
+            <p:ph type="sldNum" sz="quarter" idx="4"/>
+          </p:nvPr>
+        </p:nvSpPr>
+        <p:spPr>
+          <a:xfrm>
+            <a:off x="11572137" y="6226628"/>
+            <a:ext cx="630748" cy="631372"/>
+          </a:xfrm>
+        </p:spPr>
+        <p:txBody>
+          <a:bodyPr anchor="ctr">
+            <a:normAutofit/>
+          </a:bodyPr>
+          <a:lstStyle/>
+          <a:p>
+            <a:pPr>
+              <a:spcAft>
+                <a:spcPts val="600"/>
+              </a:spcAft>
+            </a:pPr>
+            <a:fld id="{294A09A9-5501-47C1-A89A-A340965A2BE2}" type="slidenum">
+              <a:rPr lang="en-US" smtClean="0"/>
+              <a:pPr>
+                <a:spcAft>
+                  <a:spcPts val="600"/>
+                </a:spcAft>
+              </a:pPr>
+              <a:t>14</a:t>
+            </a:fld>
+            <a:endParaRPr lang="en-US"/>
+          </a:p>
+        </p:txBody>
+      </p:sp>
+      <p:pic>
+        <p:nvPicPr>
+          <p:cNvPr id="7" name="Imagem 6">
+            <a:extLst>
+              <a:ext uri="{FF2B5EF4-FFF2-40B4-BE49-F238E27FC236}">
+                <a16:creationId xmlns:a16="http://schemas.microsoft.com/office/drawing/2014/main" id="{ED9A20BA-F366-CF8D-6976-809A322ABCBE}"/>
+              </a:ext>
+            </a:extLst>
+          </p:cNvPr>
+          <p:cNvPicPr>
+            <a:picLocks noChangeAspect="1"/>
+          </p:cNvPicPr>
+          <p:nvPr/>
+        </p:nvPicPr>
+        <p:blipFill>
+          <a:blip r:embed="rId2"/>
+          <a:stretch>
+            <a:fillRect/>
+          </a:stretch>
+        </p:blipFill>
+        <p:spPr>
+          <a:xfrm>
+            <a:off x="1394488" y="1044508"/>
+            <a:ext cx="4392153" cy="3728028"/>
+          </a:xfrm>
+          <a:prstGeom prst="rect">
+            <a:avLst/>
+          </a:prstGeom>
+          <a:ln>
+            <a:solidFill>
+              <a:schemeClr val="accent1"/>
+            </a:solidFill>
+          </a:ln>
+        </p:spPr>
+      </p:pic>
+      <p:sp>
+        <p:nvSpPr>
+          <p:cNvPr id="8" name="CaixaDeTexto 7">
+            <a:extLst>
+              <a:ext uri="{FF2B5EF4-FFF2-40B4-BE49-F238E27FC236}">
+                <a16:creationId xmlns:a16="http://schemas.microsoft.com/office/drawing/2014/main" id="{1BC7FF8C-E938-12EA-E20F-54BF91C6BA3C}"/>
+              </a:ext>
+            </a:extLst>
+          </p:cNvPr>
+          <p:cNvSpPr txBox="1"/>
+          <p:nvPr/>
+        </p:nvSpPr>
+        <p:spPr>
+          <a:xfrm>
+            <a:off x="7725747" y="1203649"/>
+            <a:ext cx="3928188" cy="2585323"/>
+          </a:xfrm>
+          <a:prstGeom prst="rect">
+            <a:avLst/>
+          </a:prstGeom>
+          <a:noFill/>
+        </p:spPr>
+        <p:txBody>
+          <a:bodyPr wrap="square" rtlCol="0">
+            <a:spAutoFit/>
+          </a:bodyPr>
+          <a:lstStyle/>
+          <a:p>
+            <a:r>
+              <a:rPr lang="pt-BR" dirty="0"/>
+              <a:t>Tabelas e </a:t>
+            </a:r>
+            <a:r>
+              <a:rPr lang="pt-BR" dirty="0" err="1"/>
+              <a:t>View</a:t>
+            </a:r>
+            <a:endParaRPr lang="pt-BR" dirty="0"/>
+          </a:p>
+          <a:p>
+            <a:pPr marL="285750" indent="-285750">
+              <a:buFont typeface="Arial" panose="020B0604020202020204" pitchFamily="34" charset="0"/>
+              <a:buChar char="•"/>
+            </a:pPr>
+            <a:r>
+              <a:rPr lang="pt-BR" dirty="0"/>
+              <a:t>Livro</a:t>
+            </a:r>
+          </a:p>
+          <a:p>
+            <a:pPr marL="285750" indent="-285750">
+              <a:buFont typeface="Arial" panose="020B0604020202020204" pitchFamily="34" charset="0"/>
+              <a:buChar char="•"/>
+            </a:pPr>
+            <a:r>
+              <a:rPr lang="pt-BR" dirty="0"/>
+              <a:t>Autor</a:t>
+            </a:r>
+          </a:p>
+          <a:p>
+            <a:pPr marL="285750" indent="-285750">
+              <a:buFont typeface="Arial" panose="020B0604020202020204" pitchFamily="34" charset="0"/>
+              <a:buChar char="•"/>
+            </a:pPr>
+            <a:r>
+              <a:rPr lang="pt-BR" dirty="0"/>
+              <a:t>Assunto</a:t>
+            </a:r>
+          </a:p>
+          <a:p>
+            <a:pPr marL="285750" indent="-285750">
+              <a:buFont typeface="Arial" panose="020B0604020202020204" pitchFamily="34" charset="0"/>
+              <a:buChar char="•"/>
+            </a:pPr>
+            <a:r>
+              <a:rPr lang="pt-BR" dirty="0" err="1"/>
+              <a:t>Livro_Assunto</a:t>
+            </a:r>
+            <a:endParaRPr lang="pt-BR" dirty="0"/>
+          </a:p>
+          <a:p>
+            <a:pPr marL="285750" indent="-285750">
+              <a:buFont typeface="Arial" panose="020B0604020202020204" pitchFamily="34" charset="0"/>
+              <a:buChar char="•"/>
+            </a:pPr>
+            <a:r>
+              <a:rPr lang="pt-BR" dirty="0"/>
+              <a:t>Livro Autor</a:t>
+            </a:r>
+          </a:p>
+          <a:p>
+            <a:pPr marL="285750" indent="-285750">
+              <a:buFont typeface="Arial" panose="020B0604020202020204" pitchFamily="34" charset="0"/>
+              <a:buChar char="•"/>
+            </a:pPr>
+            <a:r>
+              <a:rPr lang="pt-BR" dirty="0"/>
+              <a:t>Relatório “</a:t>
+            </a:r>
+            <a:r>
+              <a:rPr lang="pt-BR" dirty="0" err="1"/>
+              <a:t>view</a:t>
+            </a:r>
+            <a:r>
+              <a:rPr lang="pt-BR" dirty="0"/>
+              <a:t>”</a:t>
+            </a:r>
+          </a:p>
+          <a:p>
+            <a:pPr marL="285750" indent="-285750">
+              <a:buFont typeface="Arial" panose="020B0604020202020204" pitchFamily="34" charset="0"/>
+              <a:buChar char="•"/>
+            </a:pPr>
+            <a:endParaRPr lang="pt-BR" dirty="0"/>
+          </a:p>
+          <a:p>
+            <a:pPr marL="285750" indent="-285750">
+              <a:buFont typeface="Arial" panose="020B0604020202020204" pitchFamily="34" charset="0"/>
+              <a:buChar char="•"/>
+            </a:pPr>
+            <a:endParaRPr lang="pt-BR" dirty="0"/>
+          </a:p>
+        </p:txBody>
+      </p:sp>
+    </p:spTree>
+    <p:extLst>
+      <p:ext uri="{BB962C8B-B14F-4D97-AF65-F5344CB8AC3E}">
+        <p14:creationId xmlns:p14="http://schemas.microsoft.com/office/powerpoint/2010/main" val="1520799256"/>
+      </p:ext>
+    </p:extLst>
+  </p:cSld>
+  <p:clrMapOvr>
+    <a:masterClrMapping/>
+  </p:clrMapOvr>
+</p:sld>
+</file>
+
+<file path=ppt/slides/slide15.xml><?xml version="1.0" encoding="utf-8"?>
+<p:sld xmlns:a="http://schemas.openxmlformats.org/drawingml/2006/main" xmlns:r="http://schemas.openxmlformats.org/officeDocument/2006/relationships" xmlns:p="http://schemas.openxmlformats.org/presentationml/2006/main">
+  <p:cSld>
+    <p:spTree>
+      <p:nvGrpSpPr>
+        <p:cNvPr id="1" name=""/>
+        <p:cNvGrpSpPr/>
+        <p:nvPr/>
+      </p:nvGrpSpPr>
+      <p:grpSpPr>
+        <a:xfrm>
+          <a:off x="0" y="0"/>
+          <a:ext cx="0" cy="0"/>
+          <a:chOff x="0" y="0"/>
+          <a:chExt cx="0" cy="0"/>
+        </a:xfrm>
+      </p:grpSpPr>
+      <p:sp>
+        <p:nvSpPr>
+          <p:cNvPr id="2" name="Título 1">
+            <a:extLst>
+              <a:ext uri="{FF2B5EF4-FFF2-40B4-BE49-F238E27FC236}">
+                <a16:creationId xmlns:a16="http://schemas.microsoft.com/office/drawing/2014/main" id="{69FAE308-3076-43DB-B834-DA0B0AE19AF9}"/>
+              </a:ext>
+            </a:extLst>
+          </p:cNvPr>
+          <p:cNvSpPr>
+            <a:spLocks noGrp="1"/>
+          </p:cNvSpPr>
+          <p:nvPr>
+            <p:ph type="ctrTitle"/>
+          </p:nvPr>
+        </p:nvSpPr>
+        <p:spPr/>
+        <p:txBody>
+          <a:bodyPr rtlCol="0"/>
+          <a:lstStyle>
+            <a:defPPr>
+              <a:defRPr lang="pt-BR"/>
+            </a:defPPr>
+          </a:lstStyle>
+          <a:p>
+            <a:pPr rtl="0"/>
+            <a:r>
+              <a:rPr lang="pt-BR" dirty="0"/>
+              <a:t>Obrigado</a:t>
+            </a:r>
+          </a:p>
+        </p:txBody>
+      </p:sp>
+      <p:sp>
+        <p:nvSpPr>
+          <p:cNvPr id="4" name="Espaço Reservado para Data 3">
+            <a:extLst>
+              <a:ext uri="{FF2B5EF4-FFF2-40B4-BE49-F238E27FC236}">
+                <a16:creationId xmlns:a16="http://schemas.microsoft.com/office/drawing/2014/main" id="{2EB68051-4856-FADE-1394-1BF8D4AFC1EC}"/>
+              </a:ext>
+            </a:extLst>
+          </p:cNvPr>
+          <p:cNvSpPr>
+            <a:spLocks noGrp="1"/>
+          </p:cNvSpPr>
+          <p:nvPr>
+            <p:ph type="dt" sz="half" idx="4294967295"/>
+          </p:nvPr>
+        </p:nvSpPr>
+        <p:spPr>
+          <a:xfrm>
+            <a:off x="10631488" y="6226175"/>
+            <a:ext cx="1560512" cy="631825"/>
+          </a:xfrm>
+        </p:spPr>
+        <p:txBody>
+          <a:bodyPr rtlCol="0"/>
+          <a:lstStyle>
+            <a:defPPr>
+              <a:defRPr lang="pt-BR"/>
+            </a:defPPr>
+          </a:lstStyle>
+          <a:p>
+            <a:pPr rtl="0"/>
+            <a:fld id="{962E057A-939F-4C72-B44C-A8E6F26AFA62}" type="datetime1">
+              <a:rPr lang="pt-BR" smtClean="0"/>
+              <a:t>17/12/2024</a:t>
+            </a:fld>
+            <a:endParaRPr lang="pt-BR" dirty="0"/>
+          </a:p>
+        </p:txBody>
+      </p:sp>
+      <p:sp>
+        <p:nvSpPr>
+          <p:cNvPr id="5" name="Espaço Reservado para o Número do Slide 4">
+            <a:extLst>
+              <a:ext uri="{FF2B5EF4-FFF2-40B4-BE49-F238E27FC236}">
+                <a16:creationId xmlns:a16="http://schemas.microsoft.com/office/drawing/2014/main" id="{511D134F-4AA5-8D65-F269-E8A1D90CBFCC}"/>
+              </a:ext>
+            </a:extLst>
+          </p:cNvPr>
+          <p:cNvSpPr>
+            <a:spLocks noGrp="1"/>
+          </p:cNvSpPr>
+          <p:nvPr>
+            <p:ph type="sldNum" sz="quarter" idx="4294967295"/>
+          </p:nvPr>
+        </p:nvSpPr>
+        <p:spPr>
+          <a:xfrm>
+            <a:off x="11561763" y="6226175"/>
+            <a:ext cx="630237" cy="631825"/>
+          </a:xfrm>
+        </p:spPr>
+        <p:txBody>
+          <a:bodyPr rtlCol="0"/>
+          <a:lstStyle>
+            <a:defPPr>
+              <a:defRPr lang="pt-BR"/>
+            </a:defPPr>
+          </a:lstStyle>
+          <a:p>
+            <a:pPr rtl="0"/>
+            <a:fld id="{294A09A9-5501-47C1-A89A-A340965A2BE2}" type="slidenum">
+              <a:rPr lang="pt-BR" smtClean="0"/>
+              <a:pPr rtl="0"/>
+              <a:t>15</a:t>
+            </a:fld>
+            <a:endParaRPr lang="pt-BR" dirty="0"/>
+          </a:p>
+        </p:txBody>
+      </p:sp>
+      <p:sp>
+        <p:nvSpPr>
+          <p:cNvPr id="3" name="CaixaDeTexto 2">
+            <a:extLst>
+              <a:ext uri="{FF2B5EF4-FFF2-40B4-BE49-F238E27FC236}">
+                <a16:creationId xmlns:a16="http://schemas.microsoft.com/office/drawing/2014/main" id="{D1885E4B-C74F-3F52-6C12-E3D0BF942499}"/>
+              </a:ext>
+            </a:extLst>
+          </p:cNvPr>
+          <p:cNvSpPr txBox="1"/>
+          <p:nvPr/>
+        </p:nvSpPr>
+        <p:spPr>
+          <a:xfrm>
+            <a:off x="7798279" y="2130725"/>
+            <a:ext cx="2846717" cy="369332"/>
+          </a:xfrm>
+          <a:prstGeom prst="rect">
+            <a:avLst/>
+          </a:prstGeom>
+          <a:noFill/>
+        </p:spPr>
+        <p:txBody>
+          <a:bodyPr wrap="square" rtlCol="0">
+            <a:spAutoFit/>
+          </a:bodyPr>
+          <a:lstStyle/>
+          <a:p>
+            <a:r>
+              <a:rPr lang="pt-BR" dirty="0"/>
+              <a:t>Reginaldo Paz</a:t>
+            </a:r>
+          </a:p>
+        </p:txBody>
+      </p:sp>
+      <p:sp>
+        <p:nvSpPr>
+          <p:cNvPr id="6" name="CaixaDeTexto 5">
+            <a:extLst>
+              <a:ext uri="{FF2B5EF4-FFF2-40B4-BE49-F238E27FC236}">
+                <a16:creationId xmlns:a16="http://schemas.microsoft.com/office/drawing/2014/main" id="{80B89035-DC70-D999-D8CE-ADB867B589DE}"/>
+              </a:ext>
+            </a:extLst>
+          </p:cNvPr>
+          <p:cNvSpPr txBox="1"/>
+          <p:nvPr/>
+        </p:nvSpPr>
+        <p:spPr>
+          <a:xfrm>
+            <a:off x="7798279" y="4132283"/>
+            <a:ext cx="2760453" cy="461665"/>
+          </a:xfrm>
+          <a:prstGeom prst="rect">
+            <a:avLst/>
+          </a:prstGeom>
+          <a:noFill/>
+        </p:spPr>
+        <p:txBody>
+          <a:bodyPr wrap="square" rtlCol="0">
+            <a:spAutoFit/>
+          </a:bodyPr>
+          <a:lstStyle/>
+          <a:p>
+            <a:r>
+              <a:rPr lang="pt-BR" sz="1200" dirty="0">
+                <a:hlinkClick r:id="rId3"/>
+              </a:rPr>
+              <a:t>reginaldo.gomes6@gmail.com</a:t>
+            </a:r>
+            <a:endParaRPr lang="pt-BR" sz="1200" dirty="0"/>
+          </a:p>
+          <a:p>
+            <a:r>
+              <a:rPr lang="pt-BR" sz="1200" dirty="0"/>
+              <a:t>reginaldo.paz@uol.com.br</a:t>
+            </a:r>
+          </a:p>
+        </p:txBody>
+      </p:sp>
+    </p:spTree>
+    <p:extLst>
+      <p:ext uri="{BB962C8B-B14F-4D97-AF65-F5344CB8AC3E}">
+        <p14:creationId xmlns:p14="http://schemas.microsoft.com/office/powerpoint/2010/main" val="3103683689"/>
+      </p:ext>
+    </p:extLst>
+  </p:cSld>
+  <p:clrMapOvr>
+    <a:masterClrMapping/>
+  </p:clrMapOvr>
+</p:sld>
+</file>
+
+<file path=ppt/slides/slide2.xml><?xml version="1.0" encoding="utf-8"?>
+<p:sld xmlns:a="http://schemas.openxmlformats.org/drawingml/2006/main" xmlns:r="http://schemas.openxmlformats.org/officeDocument/2006/relationships" xmlns:p="http://schemas.openxmlformats.org/presentationml/2006/main">
+  <p:cSld>
+    <p:spTree>
+      <p:nvGrpSpPr>
+        <p:cNvPr id="1" name=""/>
+        <p:cNvGrpSpPr/>
+        <p:nvPr/>
+      </p:nvGrpSpPr>
+      <p:grpSpPr>
+        <a:xfrm>
+          <a:off x="0" y="0"/>
+          <a:ext cx="0" cy="0"/>
+          <a:chOff x="0" y="0"/>
+          <a:chExt cx="0" cy="0"/>
+        </a:xfrm>
+      </p:grpSpPr>
+      <p:sp>
+        <p:nvSpPr>
+          <p:cNvPr id="2" name="Título 1">
+            <a:extLst>
+              <a:ext uri="{FF2B5EF4-FFF2-40B4-BE49-F238E27FC236}">
+                <a16:creationId xmlns:a16="http://schemas.microsoft.com/office/drawing/2014/main" id="{912DF434-28DB-4621-A497-D62C41CE0419}"/>
+              </a:ext>
+            </a:extLst>
+          </p:cNvPr>
+          <p:cNvSpPr>
+            <a:spLocks noGrp="1"/>
+          </p:cNvSpPr>
+          <p:nvPr>
+            <p:ph type="title"/>
+          </p:nvPr>
+        </p:nvSpPr>
+        <p:spPr>
+          <a:xfrm>
+            <a:off x="3957068" y="851547"/>
+            <a:ext cx="4275364" cy="1979634"/>
+          </a:xfrm>
+        </p:spPr>
+        <p:txBody>
+          <a:bodyPr rtlCol="0" anchor="ctr"/>
+          <a:lstStyle>
+            <a:defPPr>
+              <a:defRPr lang="pt-BR"/>
+            </a:defPPr>
+          </a:lstStyle>
+          <a:p>
+            <a:pPr rtl="0"/>
+            <a:r>
+              <a:rPr lang="pt-BR" dirty="0"/>
+              <a:t>Conteúdo</a:t>
+            </a:r>
+          </a:p>
+        </p:txBody>
+      </p:sp>
+      <p:sp>
+        <p:nvSpPr>
+          <p:cNvPr id="3" name="Espaço Reservado para Conteúdo 2">
+            <a:extLst>
+              <a:ext uri="{FF2B5EF4-FFF2-40B4-BE49-F238E27FC236}">
+                <a16:creationId xmlns:a16="http://schemas.microsoft.com/office/drawing/2014/main" id="{22788C46-D0BC-4307-AE55-7601A139E7CB}"/>
+              </a:ext>
+            </a:extLst>
+          </p:cNvPr>
+          <p:cNvSpPr>
+            <a:spLocks noGrp="1"/>
+          </p:cNvSpPr>
+          <p:nvPr>
+            <p:ph idx="1"/>
+          </p:nvPr>
+        </p:nvSpPr>
+        <p:spPr>
+          <a:xfrm>
+            <a:off x="3957068" y="2446171"/>
+            <a:ext cx="4275364" cy="2660213"/>
+          </a:xfrm>
+        </p:spPr>
+        <p:txBody>
+          <a:bodyPr vert="horz" lIns="91440" tIns="45720" rIns="91440" bIns="45720" rtlCol="0" anchor="t">
+            <a:normAutofit fontScale="70000" lnSpcReduction="20000"/>
+          </a:bodyPr>
+          <a:lstStyle>
+            <a:defPPr>
+              <a:defRPr lang="pt-BR"/>
+            </a:defPPr>
+          </a:lstStyle>
+          <a:p>
+            <a:pPr rtl="0"/>
+            <a:r>
+              <a:rPr lang="pt-BR" dirty="0"/>
+              <a:t>Introdução</a:t>
+            </a:r>
+          </a:p>
+          <a:p>
+            <a:pPr rtl="0"/>
+            <a:r>
+              <a:rPr lang="pt-BR" dirty="0"/>
+              <a:t>Cadastro Livros</a:t>
+            </a:r>
+          </a:p>
+          <a:p>
+            <a:pPr rtl="0"/>
+            <a:r>
+              <a:rPr lang="pt-BR" dirty="0"/>
+              <a:t>Cadastros Autor</a:t>
+            </a:r>
+          </a:p>
+          <a:p>
+            <a:pPr rtl="0"/>
+            <a:r>
+              <a:rPr lang="pt-BR" dirty="0"/>
+              <a:t>Castro Assunto</a:t>
+            </a:r>
+          </a:p>
+          <a:p>
+            <a:pPr rtl="0"/>
+            <a:r>
+              <a:rPr lang="pt-BR" dirty="0"/>
+              <a:t>Relatório</a:t>
+            </a:r>
+          </a:p>
+          <a:p>
+            <a:pPr rtl="0"/>
+            <a:r>
+              <a:rPr lang="pt-BR" dirty="0"/>
+              <a:t>Arquitetura do Sistema</a:t>
+            </a:r>
+          </a:p>
+          <a:p>
+            <a:pPr rtl="0"/>
+            <a:r>
+              <a:rPr lang="pt-BR" dirty="0"/>
+              <a:t>Banco de Dados</a:t>
+            </a:r>
+          </a:p>
+          <a:p>
+            <a:pPr rtl="0"/>
+            <a:endParaRPr lang="pt-BR" dirty="0"/>
+          </a:p>
+        </p:txBody>
+      </p:sp>
+      <p:sp>
+        <p:nvSpPr>
+          <p:cNvPr id="4" name="Espaço Reservado para Data 3">
+            <a:extLst>
+              <a:ext uri="{FF2B5EF4-FFF2-40B4-BE49-F238E27FC236}">
+                <a16:creationId xmlns:a16="http://schemas.microsoft.com/office/drawing/2014/main" id="{D718FBE7-3C46-903D-964E-091F74329C61}"/>
+              </a:ext>
+            </a:extLst>
+          </p:cNvPr>
+          <p:cNvSpPr>
+            <a:spLocks noGrp="1"/>
+          </p:cNvSpPr>
+          <p:nvPr>
+            <p:ph type="dt" sz="half" idx="2"/>
+          </p:nvPr>
+        </p:nvSpPr>
+        <p:spPr>
+          <a:xfrm>
+            <a:off x="10011833" y="6226628"/>
+            <a:ext cx="1560304" cy="631372"/>
+          </a:xfrm>
+        </p:spPr>
+        <p:txBody>
+          <a:bodyPr rtlCol="0"/>
+          <a:lstStyle>
+            <a:defPPr>
+              <a:defRPr lang="pt-BR"/>
+            </a:defPPr>
+          </a:lstStyle>
+          <a:p>
+            <a:pPr rtl="0"/>
+            <a:fld id="{70EBE916-5AD7-4636-9AC9-9384B15DB361}" type="datetime1">
+              <a:rPr lang="pt-BR" smtClean="0"/>
+              <a:t>17/12/2024</a:t>
+            </a:fld>
+            <a:endParaRPr lang="pt-BR" dirty="0"/>
+          </a:p>
+        </p:txBody>
+      </p:sp>
+      <p:sp>
+        <p:nvSpPr>
+          <p:cNvPr id="5" name="Espaço Reservado para o Número do Slide 4">
+            <a:extLst>
+              <a:ext uri="{FF2B5EF4-FFF2-40B4-BE49-F238E27FC236}">
+                <a16:creationId xmlns:a16="http://schemas.microsoft.com/office/drawing/2014/main" id="{E6EEA9E7-F506-729E-13CF-D685FEBDB6E0}"/>
+              </a:ext>
+            </a:extLst>
+          </p:cNvPr>
+          <p:cNvSpPr>
+            <a:spLocks noGrp="1"/>
+          </p:cNvSpPr>
+          <p:nvPr>
+            <p:ph type="sldNum" sz="quarter" idx="4"/>
+          </p:nvPr>
+        </p:nvSpPr>
+        <p:spPr>
+          <a:xfrm>
+            <a:off x="11572137" y="6226628"/>
+            <a:ext cx="630748" cy="631372"/>
+          </a:xfrm>
+        </p:spPr>
+        <p:txBody>
+          <a:bodyPr rtlCol="0"/>
+          <a:lstStyle>
+            <a:defPPr>
+              <a:defRPr lang="pt-BR"/>
+            </a:defPPr>
+          </a:lstStyle>
+          <a:p>
+            <a:pPr rtl="0"/>
+            <a:fld id="{294A09A9-5501-47C1-A89A-A340965A2BE2}" type="slidenum">
+              <a:rPr lang="pt-BR" smtClean="0"/>
+              <a:pPr/>
+              <a:t>2</a:t>
+            </a:fld>
+            <a:endParaRPr lang="pt-BR" dirty="0"/>
+          </a:p>
+        </p:txBody>
+      </p:sp>
+    </p:spTree>
+    <p:extLst>
+      <p:ext uri="{BB962C8B-B14F-4D97-AF65-F5344CB8AC3E}">
+        <p14:creationId xmlns:p14="http://schemas.microsoft.com/office/powerpoint/2010/main" val="1325608595"/>
+      </p:ext>
+    </p:extLst>
+  </p:cSld>
+  <p:clrMapOvr>
+    <a:masterClrMapping/>
+  </p:clrMapOvr>
+</p:sld>
+</file>
+
+<file path=ppt/slides/slide3.xml><?xml version="1.0" encoding="utf-8"?>
+<p:sld xmlns:a="http://schemas.openxmlformats.org/drawingml/2006/main" xmlns:r="http://schemas.openxmlformats.org/officeDocument/2006/relationships" xmlns:p="http://schemas.openxmlformats.org/presentationml/2006/main">
+  <p:cSld>
+    <p:spTree>
+      <p:nvGrpSpPr>
+        <p:cNvPr id="1" name=""/>
+        <p:cNvGrpSpPr/>
+        <p:nvPr/>
+      </p:nvGrpSpPr>
+      <p:grpSpPr>
+        <a:xfrm>
+          <a:off x="0" y="0"/>
+          <a:ext cx="0" cy="0"/>
+          <a:chOff x="0" y="0"/>
+          <a:chExt cx="0" cy="0"/>
+        </a:xfrm>
+      </p:grpSpPr>
+      <p:sp>
+        <p:nvSpPr>
+          <p:cNvPr id="3" name="Subtítulo 2">
+            <a:extLst>
+              <a:ext uri="{FF2B5EF4-FFF2-40B4-BE49-F238E27FC236}">
+                <a16:creationId xmlns:a16="http://schemas.microsoft.com/office/drawing/2014/main" id="{FF889866-7EB8-81C0-8011-C530D56982B7}"/>
+              </a:ext>
+            </a:extLst>
+          </p:cNvPr>
+          <p:cNvSpPr>
+            <a:spLocks noGrp="1"/>
+          </p:cNvSpPr>
+          <p:nvPr>
+            <p:ph type="subTitle" idx="1"/>
+          </p:nvPr>
+        </p:nvSpPr>
+        <p:spPr/>
+        <p:txBody>
+          <a:bodyPr/>
+          <a:lstStyle/>
+          <a:p>
+            <a:r>
+              <a:rPr lang="pt-BR" dirty="0"/>
+              <a:t>Acesso ao Sistema</a:t>
+            </a:r>
+          </a:p>
+        </p:txBody>
+      </p:sp>
+      <p:sp>
+        <p:nvSpPr>
+          <p:cNvPr id="5" name="Espaço Reservado para Data 4">
+            <a:extLst>
+              <a:ext uri="{FF2B5EF4-FFF2-40B4-BE49-F238E27FC236}">
+                <a16:creationId xmlns:a16="http://schemas.microsoft.com/office/drawing/2014/main" id="{FCC22397-F035-1C45-A942-D8ACC5465D8F}"/>
+              </a:ext>
+            </a:extLst>
+          </p:cNvPr>
+          <p:cNvSpPr>
+            <a:spLocks noGrp="1"/>
+          </p:cNvSpPr>
+          <p:nvPr>
+            <p:ph type="dt" sz="half" idx="2"/>
+          </p:nvPr>
+        </p:nvSpPr>
+        <p:spPr/>
+        <p:txBody>
+          <a:bodyPr/>
+          <a:lstStyle/>
+          <a:p>
+            <a:fld id="{0BA77716-DBF5-44D5-A8EB-BC46516EF9DC}" type="datetime1">
+              <a:rPr lang="en-US" smtClean="0"/>
+              <a:pPr/>
+              <a:t>12/17/2024</a:t>
+            </a:fld>
+            <a:endParaRPr lang="en-US" dirty="0"/>
+          </a:p>
+        </p:txBody>
+      </p:sp>
+      <p:sp>
+        <p:nvSpPr>
+          <p:cNvPr id="6" name="Espaço Reservado para Número de Slide 5">
+            <a:extLst>
+              <a:ext uri="{FF2B5EF4-FFF2-40B4-BE49-F238E27FC236}">
+                <a16:creationId xmlns:a16="http://schemas.microsoft.com/office/drawing/2014/main" id="{44486408-F7F3-B48D-4E5B-F5C45ABB63C5}"/>
+              </a:ext>
+            </a:extLst>
+          </p:cNvPr>
+          <p:cNvSpPr>
+            <a:spLocks noGrp="1"/>
+          </p:cNvSpPr>
+          <p:nvPr>
+            <p:ph type="sldNum" sz="quarter" idx="4"/>
+          </p:nvPr>
+        </p:nvSpPr>
+        <p:spPr/>
+        <p:txBody>
+          <a:bodyPr/>
+          <a:lstStyle/>
+          <a:p>
+            <a:fld id="{294A09A9-5501-47C1-A89A-A340965A2BE2}" type="slidenum">
+              <a:rPr lang="en-US" smtClean="0"/>
+              <a:pPr/>
+              <a:t>3</a:t>
+            </a:fld>
+            <a:endParaRPr lang="en-US" dirty="0"/>
+          </a:p>
+        </p:txBody>
+      </p:sp>
+      <p:pic>
+        <p:nvPicPr>
+          <p:cNvPr id="8" name="Imagem 7">
+            <a:extLst>
+              <a:ext uri="{FF2B5EF4-FFF2-40B4-BE49-F238E27FC236}">
+                <a16:creationId xmlns:a16="http://schemas.microsoft.com/office/drawing/2014/main" id="{B0330AA9-8B99-8751-0011-4593C9B65B5A}"/>
+              </a:ext>
+            </a:extLst>
+          </p:cNvPr>
+          <p:cNvPicPr>
+            <a:picLocks noChangeAspect="1"/>
+          </p:cNvPicPr>
+          <p:nvPr/>
+        </p:nvPicPr>
+        <p:blipFill>
+          <a:blip r:embed="rId2"/>
+          <a:stretch>
+            <a:fillRect/>
+          </a:stretch>
+        </p:blipFill>
+        <p:spPr>
+          <a:xfrm>
+            <a:off x="824184" y="1131928"/>
+            <a:ext cx="5830114" cy="3057952"/>
+          </a:xfrm>
+          <a:prstGeom prst="rect">
+            <a:avLst/>
+          </a:prstGeom>
+        </p:spPr>
+      </p:pic>
+      <p:sp>
+        <p:nvSpPr>
+          <p:cNvPr id="9" name="CaixaDeTexto 8">
+            <a:extLst>
+              <a:ext uri="{FF2B5EF4-FFF2-40B4-BE49-F238E27FC236}">
+                <a16:creationId xmlns:a16="http://schemas.microsoft.com/office/drawing/2014/main" id="{97E47B74-FDE0-7D21-9CC6-2895C8C53D0A}"/>
+              </a:ext>
+            </a:extLst>
+          </p:cNvPr>
+          <p:cNvSpPr txBox="1"/>
+          <p:nvPr/>
+        </p:nvSpPr>
+        <p:spPr>
+          <a:xfrm>
+            <a:off x="7894319" y="1341120"/>
+            <a:ext cx="3677817" cy="369332"/>
+          </a:xfrm>
+          <a:prstGeom prst="rect">
+            <a:avLst/>
+          </a:prstGeom>
+          <a:noFill/>
+        </p:spPr>
+        <p:txBody>
+          <a:bodyPr wrap="square" rtlCol="0">
+            <a:spAutoFit/>
+          </a:bodyPr>
+          <a:lstStyle/>
+          <a:p>
+            <a:r>
+              <a:rPr lang="pt-BR" dirty="0"/>
+              <a:t>Controle de Acesso ao </a:t>
+            </a:r>
+            <a:r>
+              <a:rPr lang="pt-BR" dirty="0" err="1"/>
+              <a:t>Sistma</a:t>
+            </a:r>
+            <a:endParaRPr lang="pt-BR" dirty="0"/>
+          </a:p>
+        </p:txBody>
+      </p:sp>
+    </p:spTree>
+    <p:extLst>
+      <p:ext uri="{BB962C8B-B14F-4D97-AF65-F5344CB8AC3E}">
+        <p14:creationId xmlns:p14="http://schemas.microsoft.com/office/powerpoint/2010/main" val="2125513584"/>
+      </p:ext>
+    </p:extLst>
+  </p:cSld>
+  <p:clrMapOvr>
+    <a:masterClrMapping/>
+  </p:clrMapOvr>
+</p:sld>
+</file>
+
+<file path=ppt/slides/slide4.xml><?xml version="1.0" encoding="utf-8"?>
+<p:sld xmlns:a="http://schemas.openxmlformats.org/drawingml/2006/main" xmlns:r="http://schemas.openxmlformats.org/officeDocument/2006/relationships" xmlns:p="http://schemas.openxmlformats.org/presentationml/2006/main">
+  <p:cSld>
+    <p:spTree>
+      <p:nvGrpSpPr>
+        <p:cNvPr id="1" name=""/>
+        <p:cNvGrpSpPr/>
+        <p:nvPr/>
+      </p:nvGrpSpPr>
+      <p:grpSpPr>
+        <a:xfrm>
+          <a:off x="0" y="0"/>
+          <a:ext cx="0" cy="0"/>
+          <a:chOff x="0" y="0"/>
+          <a:chExt cx="0" cy="0"/>
+        </a:xfrm>
+      </p:grpSpPr>
+      <p:sp>
+        <p:nvSpPr>
+          <p:cNvPr id="3" name="Espaço Reservado para Data 2">
+            <a:extLst>
+              <a:ext uri="{FF2B5EF4-FFF2-40B4-BE49-F238E27FC236}">
+                <a16:creationId xmlns:a16="http://schemas.microsoft.com/office/drawing/2014/main" id="{BB91606E-0B3D-E151-D6E8-FB4608C3075C}"/>
+              </a:ext>
+            </a:extLst>
+          </p:cNvPr>
+          <p:cNvSpPr>
+            <a:spLocks noGrp="1"/>
+          </p:cNvSpPr>
+          <p:nvPr>
+            <p:ph type="dt" sz="half" idx="2"/>
+          </p:nvPr>
+        </p:nvSpPr>
+        <p:spPr>
+          <a:xfrm>
+            <a:off x="10011833" y="6226628"/>
+            <a:ext cx="1560304" cy="631372"/>
+          </a:xfrm>
+        </p:spPr>
+        <p:txBody>
+          <a:bodyPr rtlCol="0"/>
+          <a:lstStyle>
+            <a:defPPr>
+              <a:defRPr lang="pt-BR"/>
+            </a:defPPr>
+          </a:lstStyle>
+          <a:p>
+            <a:pPr rtl="0"/>
+            <a:fld id="{3364C45D-4917-47F9-8A35-7834F178901B}" type="datetime1">
+              <a:rPr lang="pt-BR" smtClean="0"/>
+              <a:t>17/12/2024</a:t>
+            </a:fld>
+            <a:endParaRPr lang="pt-BR" dirty="0"/>
+          </a:p>
+        </p:txBody>
+      </p:sp>
+      <p:sp>
+        <p:nvSpPr>
+          <p:cNvPr id="4" name="Espaço Reservado para o Número do Slide 3">
+            <a:extLst>
+              <a:ext uri="{FF2B5EF4-FFF2-40B4-BE49-F238E27FC236}">
+                <a16:creationId xmlns:a16="http://schemas.microsoft.com/office/drawing/2014/main" id="{AF121FCD-5305-D1B4-B045-E971883A6D18}"/>
+              </a:ext>
+            </a:extLst>
+          </p:cNvPr>
+          <p:cNvSpPr>
+            <a:spLocks noGrp="1"/>
+          </p:cNvSpPr>
+          <p:nvPr>
+            <p:ph type="sldNum" sz="quarter" idx="4"/>
+          </p:nvPr>
+        </p:nvSpPr>
+        <p:spPr>
+          <a:xfrm>
+            <a:off x="11572137" y="6226628"/>
+            <a:ext cx="630748" cy="631372"/>
+          </a:xfrm>
+        </p:spPr>
+        <p:txBody>
+          <a:bodyPr rtlCol="0"/>
+          <a:lstStyle>
+            <a:defPPr>
+              <a:defRPr lang="pt-BR"/>
+            </a:defPPr>
+          </a:lstStyle>
+          <a:p>
+            <a:pPr rtl="0"/>
+            <a:fld id="{294A09A9-5501-47C1-A89A-A340965A2BE2}" type="slidenum">
+              <a:rPr lang="pt-BR" smtClean="0"/>
+              <a:pPr rtl="0"/>
+              <a:t>4</a:t>
+            </a:fld>
+            <a:endParaRPr lang="pt-BR" dirty="0"/>
+          </a:p>
+        </p:txBody>
+      </p:sp>
+      <p:sp>
+        <p:nvSpPr>
+          <p:cNvPr id="14" name="CaixaDeTexto 13">
+            <a:extLst>
+              <a:ext uri="{FF2B5EF4-FFF2-40B4-BE49-F238E27FC236}">
+                <a16:creationId xmlns:a16="http://schemas.microsoft.com/office/drawing/2014/main" id="{1B41A58C-EF3D-5C32-96B0-CB16375395BA}"/>
+              </a:ext>
+            </a:extLst>
+          </p:cNvPr>
+          <p:cNvSpPr txBox="1"/>
+          <p:nvPr/>
+        </p:nvSpPr>
+        <p:spPr>
+          <a:xfrm>
+            <a:off x="836626" y="1346545"/>
+            <a:ext cx="6107228" cy="2031325"/>
+          </a:xfrm>
+          <a:prstGeom prst="rect">
+            <a:avLst/>
+          </a:prstGeom>
+          <a:noFill/>
+        </p:spPr>
+        <p:txBody>
+          <a:bodyPr wrap="square">
+            <a:spAutoFit/>
+          </a:bodyPr>
+          <a:lstStyle/>
+          <a:p>
+            <a:pPr algn="just"/>
+            <a:r>
+              <a:rPr lang="pt-BR" b="1" i="0" dirty="0">
+                <a:solidFill>
+                  <a:srgbClr val="2F2F2F"/>
+                </a:solidFill>
+                <a:effectLst/>
+                <a:latin typeface="Inter"/>
+              </a:rPr>
+              <a:t>Introdução:</a:t>
+            </a:r>
+            <a:br>
+              <a:rPr lang="pt-BR" dirty="0"/>
+            </a:br>
+            <a:r>
+              <a:rPr lang="pt-BR" b="0" i="0" dirty="0">
+                <a:solidFill>
+                  <a:srgbClr val="2F2F2F"/>
+                </a:solidFill>
+                <a:effectLst/>
+                <a:latin typeface="Inter"/>
+              </a:rPr>
+              <a:t>O Sistema Controle de Livros é uma aplicação web desenvolvida para gerenciar eficientemente uma biblioteca de livros, autores e assuntos. Utilizando a robustez do ASP.NET MVC e uma arquitetura em camadas bem definida, o sistema oferece funcionalidades intuitivas e essenciais para o gerenciamento de uma biblioteca, seja ela pessoal, escolar ou empresarial.</a:t>
+            </a:r>
+            <a:endParaRPr lang="pt-BR" dirty="0">
+              <a:latin typeface="Arial" panose="020B0604020202020204" pitchFamily="34" charset="0"/>
+              <a:cs typeface="Arial" panose="020B0604020202020204" pitchFamily="34" charset="0"/>
+            </a:endParaRPr>
+          </a:p>
+        </p:txBody>
+      </p:sp>
+      <p:sp>
+        <p:nvSpPr>
+          <p:cNvPr id="16" name="CaixaDeTexto 15">
+            <a:extLst>
+              <a:ext uri="{FF2B5EF4-FFF2-40B4-BE49-F238E27FC236}">
+                <a16:creationId xmlns:a16="http://schemas.microsoft.com/office/drawing/2014/main" id="{46907390-F496-D26C-B5D5-0C22999A746A}"/>
+              </a:ext>
+            </a:extLst>
+          </p:cNvPr>
+          <p:cNvSpPr txBox="1"/>
+          <p:nvPr/>
+        </p:nvSpPr>
+        <p:spPr>
+          <a:xfrm>
+            <a:off x="836626" y="3234278"/>
+            <a:ext cx="6107502" cy="369332"/>
+          </a:xfrm>
+          <a:prstGeom prst="rect">
+            <a:avLst/>
+          </a:prstGeom>
+          <a:noFill/>
+        </p:spPr>
+        <p:txBody>
+          <a:bodyPr wrap="square">
+            <a:spAutoFit/>
+          </a:bodyPr>
+          <a:lstStyle/>
+          <a:p>
+            <a:pPr algn="just"/>
+            <a:endParaRPr lang="pt-BR" dirty="0">
+              <a:latin typeface="Arial" panose="020B0604020202020204" pitchFamily="34" charset="0"/>
+              <a:cs typeface="Arial" panose="020B0604020202020204" pitchFamily="34" charset="0"/>
+            </a:endParaRPr>
+          </a:p>
+        </p:txBody>
+      </p:sp>
+      <p:sp>
+        <p:nvSpPr>
+          <p:cNvPr id="19" name="CaixaDeTexto 18">
+            <a:extLst>
+              <a:ext uri="{FF2B5EF4-FFF2-40B4-BE49-F238E27FC236}">
+                <a16:creationId xmlns:a16="http://schemas.microsoft.com/office/drawing/2014/main" id="{08993A80-0B62-EB2D-4745-FB8BAD1B3868}"/>
+              </a:ext>
+            </a:extLst>
+          </p:cNvPr>
+          <p:cNvSpPr txBox="1"/>
+          <p:nvPr/>
+        </p:nvSpPr>
+        <p:spPr>
+          <a:xfrm>
+            <a:off x="7721604" y="1007506"/>
+            <a:ext cx="3191773" cy="369332"/>
+          </a:xfrm>
+          <a:prstGeom prst="rect">
+            <a:avLst/>
+          </a:prstGeom>
+          <a:noFill/>
+        </p:spPr>
+        <p:txBody>
+          <a:bodyPr wrap="square" rtlCol="0">
+            <a:spAutoFit/>
+          </a:bodyPr>
+          <a:lstStyle/>
+          <a:p>
+            <a:pPr algn="ctr"/>
+            <a:r>
+              <a:rPr lang="pt-BR" dirty="0">
+                <a:latin typeface="Arial" panose="020B0604020202020204" pitchFamily="34" charset="0"/>
+                <a:cs typeface="Arial" panose="020B0604020202020204" pitchFamily="34" charset="0"/>
+              </a:rPr>
+              <a:t>Tela Principal</a:t>
+            </a:r>
+          </a:p>
+        </p:txBody>
+      </p:sp>
+      <p:pic>
+        <p:nvPicPr>
+          <p:cNvPr id="7" name="Imagem 6">
+            <a:extLst>
+              <a:ext uri="{FF2B5EF4-FFF2-40B4-BE49-F238E27FC236}">
+                <a16:creationId xmlns:a16="http://schemas.microsoft.com/office/drawing/2014/main" id="{4A8004A6-53DF-E082-281A-B870886FBC8F}"/>
+              </a:ext>
+            </a:extLst>
+          </p:cNvPr>
+          <p:cNvPicPr>
+            <a:picLocks noChangeAspect="1"/>
+          </p:cNvPicPr>
+          <p:nvPr/>
+        </p:nvPicPr>
+        <p:blipFill>
+          <a:blip r:embed="rId3"/>
+          <a:stretch>
+            <a:fillRect/>
+          </a:stretch>
+        </p:blipFill>
+        <p:spPr>
+          <a:xfrm>
+            <a:off x="7816494" y="1376838"/>
+            <a:ext cx="3538880" cy="2226772"/>
+          </a:xfrm>
+          <a:prstGeom prst="rect">
+            <a:avLst/>
+          </a:prstGeom>
+        </p:spPr>
+      </p:pic>
+      <p:sp>
+        <p:nvSpPr>
+          <p:cNvPr id="11" name="CaixaDeTexto 10">
+            <a:extLst>
+              <a:ext uri="{FF2B5EF4-FFF2-40B4-BE49-F238E27FC236}">
+                <a16:creationId xmlns:a16="http://schemas.microsoft.com/office/drawing/2014/main" id="{A6A89078-ABCD-8E9D-0125-DB897268ECC4}"/>
+              </a:ext>
+            </a:extLst>
+          </p:cNvPr>
+          <p:cNvSpPr txBox="1"/>
+          <p:nvPr/>
+        </p:nvSpPr>
+        <p:spPr>
+          <a:xfrm>
+            <a:off x="7648278" y="3685315"/>
+            <a:ext cx="3923859" cy="1015663"/>
+          </a:xfrm>
+          <a:prstGeom prst="rect">
+            <a:avLst/>
+          </a:prstGeom>
+          <a:noFill/>
+        </p:spPr>
+        <p:txBody>
+          <a:bodyPr wrap="square">
+            <a:spAutoFit/>
+          </a:bodyPr>
+          <a:lstStyle/>
+          <a:p>
+            <a:r>
+              <a:rPr lang="pt-BR" sz="1000" dirty="0"/>
+              <a:t>Nesta </a:t>
+            </a:r>
+            <a:r>
+              <a:rPr lang="pt-BR" sz="1000" dirty="0">
+                <a:latin typeface="Arial" panose="020B0604020202020204" pitchFamily="34" charset="0"/>
+                <a:cs typeface="Arial" panose="020B0604020202020204" pitchFamily="34" charset="0"/>
+              </a:rPr>
+              <a:t>tela</a:t>
+            </a:r>
+            <a:r>
+              <a:rPr lang="pt-BR" sz="1000" dirty="0"/>
+              <a:t> temos acesso a todas operações disponíveis no sistema.</a:t>
+            </a:r>
+          </a:p>
+          <a:p>
+            <a:pPr marL="228600" indent="-228600">
+              <a:buFont typeface="+mj-lt"/>
+              <a:buAutoNum type="arabicPeriod"/>
+            </a:pPr>
+            <a:r>
+              <a:rPr lang="pt-BR" sz="1000" dirty="0"/>
+              <a:t>Cadastro de Livros</a:t>
+            </a:r>
+          </a:p>
+          <a:p>
+            <a:pPr marL="228600" indent="-228600">
+              <a:buFont typeface="+mj-lt"/>
+              <a:buAutoNum type="arabicPeriod"/>
+            </a:pPr>
+            <a:r>
+              <a:rPr lang="pt-BR" sz="1000" dirty="0"/>
+              <a:t>Cadastro de Autor</a:t>
+            </a:r>
+          </a:p>
+          <a:p>
+            <a:pPr marL="228600" indent="-228600">
+              <a:buFont typeface="+mj-lt"/>
+              <a:buAutoNum type="arabicPeriod"/>
+            </a:pPr>
+            <a:r>
+              <a:rPr lang="pt-BR" sz="1000" dirty="0"/>
+              <a:t>Cadastro de Assunto</a:t>
+            </a:r>
+          </a:p>
+          <a:p>
+            <a:pPr marL="228600" indent="-228600">
+              <a:buFont typeface="+mj-lt"/>
+              <a:buAutoNum type="arabicPeriod"/>
+            </a:pPr>
+            <a:r>
+              <a:rPr lang="pt-BR" sz="1000" dirty="0"/>
+              <a:t>Relatório.</a:t>
+            </a:r>
+          </a:p>
+        </p:txBody>
+      </p:sp>
+    </p:spTree>
+    <p:extLst>
+      <p:ext uri="{BB962C8B-B14F-4D97-AF65-F5344CB8AC3E}">
+        <p14:creationId xmlns:p14="http://schemas.microsoft.com/office/powerpoint/2010/main" val="2501041532"/>
+      </p:ext>
+    </p:extLst>
+  </p:cSld>
+  <p:clrMapOvr>
+    <a:masterClrMapping/>
+  </p:clrMapOvr>
+</p:sld>
+</file>
+
+<file path=ppt/slides/slide5.xml><?xml version="1.0" encoding="utf-8"?>
+<p:sld xmlns:a="http://schemas.openxmlformats.org/drawingml/2006/main" xmlns:r="http://schemas.openxmlformats.org/officeDocument/2006/relationships" xmlns:p="http://schemas.openxmlformats.org/presentationml/2006/main">
+  <p:cSld>
+    <p:spTree>
+      <p:nvGrpSpPr>
+        <p:cNvPr id="1" name="">
+          <a:extLst>
+            <a:ext uri="{FF2B5EF4-FFF2-40B4-BE49-F238E27FC236}">
+              <a16:creationId xmlns:a16="http://schemas.microsoft.com/office/drawing/2014/main" id="{D5268553-56F5-C0FF-9A78-9ED72306E3B3}"/>
+            </a:ext>
+          </a:extLst>
+        </p:cNvPr>
+        <p:cNvGrpSpPr/>
+        <p:nvPr/>
+      </p:nvGrpSpPr>
+      <p:grpSpPr>
+        <a:xfrm>
+          <a:off x="0" y="0"/>
+          <a:ext cx="0" cy="0"/>
+          <a:chOff x="0" y="0"/>
+          <a:chExt cx="0" cy="0"/>
+        </a:xfrm>
+      </p:grpSpPr>
+      <p:sp>
+        <p:nvSpPr>
+          <p:cNvPr id="3" name="Espaço Reservado para Data 2">
+            <a:extLst>
+              <a:ext uri="{FF2B5EF4-FFF2-40B4-BE49-F238E27FC236}">
+                <a16:creationId xmlns:a16="http://schemas.microsoft.com/office/drawing/2014/main" id="{A300EE46-F57E-BAF2-011A-71BAC7245179}"/>
+              </a:ext>
+            </a:extLst>
+          </p:cNvPr>
+          <p:cNvSpPr>
+            <a:spLocks noGrp="1"/>
+          </p:cNvSpPr>
+          <p:nvPr>
+            <p:ph type="dt" sz="half" idx="2"/>
+          </p:nvPr>
+        </p:nvSpPr>
+        <p:spPr>
+          <a:xfrm>
+            <a:off x="10011833" y="6226628"/>
+            <a:ext cx="1560304" cy="631372"/>
+          </a:xfrm>
+        </p:spPr>
+        <p:txBody>
+          <a:bodyPr rtlCol="0"/>
+          <a:lstStyle>
+            <a:defPPr>
+              <a:defRPr lang="pt-BR"/>
+            </a:defPPr>
+          </a:lstStyle>
+          <a:p>
+            <a:pPr rtl="0"/>
+            <a:fld id="{3A0E11CE-9451-4A32-BED8-4016F1EB98C2}" type="datetime1">
+              <a:rPr lang="pt-BR" smtClean="0"/>
+              <a:t>17/12/2024</a:t>
+            </a:fld>
+            <a:endParaRPr lang="pt-BR" dirty="0"/>
+          </a:p>
+        </p:txBody>
+      </p:sp>
+      <p:sp>
+        <p:nvSpPr>
+          <p:cNvPr id="4" name="Espaço Reservado para o Número do Slide 3">
+            <a:extLst>
+              <a:ext uri="{FF2B5EF4-FFF2-40B4-BE49-F238E27FC236}">
+                <a16:creationId xmlns:a16="http://schemas.microsoft.com/office/drawing/2014/main" id="{2C2BE199-5107-8B06-F593-6C56B0D8CBB3}"/>
+              </a:ext>
+            </a:extLst>
+          </p:cNvPr>
+          <p:cNvSpPr>
+            <a:spLocks noGrp="1"/>
+          </p:cNvSpPr>
+          <p:nvPr>
+            <p:ph type="sldNum" sz="quarter" idx="4"/>
+          </p:nvPr>
+        </p:nvSpPr>
+        <p:spPr>
+          <a:xfrm>
+            <a:off x="11572137" y="6226628"/>
+            <a:ext cx="630748" cy="631372"/>
+          </a:xfrm>
+        </p:spPr>
+        <p:txBody>
+          <a:bodyPr rtlCol="0"/>
+          <a:lstStyle>
+            <a:defPPr>
+              <a:defRPr lang="pt-BR"/>
+            </a:defPPr>
+          </a:lstStyle>
+          <a:p>
+            <a:pPr rtl="0"/>
+            <a:fld id="{294A09A9-5501-47C1-A89A-A340965A2BE2}" type="slidenum">
+              <a:rPr lang="pt-BR" smtClean="0"/>
+              <a:pPr rtl="0"/>
+              <a:t>5</a:t>
+            </a:fld>
+            <a:endParaRPr lang="pt-BR" dirty="0"/>
+          </a:p>
+        </p:txBody>
+      </p:sp>
+      <p:sp>
+        <p:nvSpPr>
+          <p:cNvPr id="6" name="CaixaDeTexto 5">
+            <a:extLst>
+              <a:ext uri="{FF2B5EF4-FFF2-40B4-BE49-F238E27FC236}">
+                <a16:creationId xmlns:a16="http://schemas.microsoft.com/office/drawing/2014/main" id="{A183B8DD-D212-CB94-31B9-2B8859F4925C}"/>
+              </a:ext>
+            </a:extLst>
+          </p:cNvPr>
+          <p:cNvSpPr txBox="1"/>
+          <p:nvPr/>
+        </p:nvSpPr>
+        <p:spPr>
+          <a:xfrm>
+            <a:off x="2320507" y="4942936"/>
+            <a:ext cx="3321170" cy="370936"/>
+          </a:xfrm>
+          <a:prstGeom prst="rect">
+            <a:avLst/>
+          </a:prstGeom>
+          <a:noFill/>
+        </p:spPr>
+        <p:txBody>
+          <a:bodyPr wrap="square" rtlCol="0">
+            <a:spAutoFit/>
+          </a:bodyPr>
+          <a:lstStyle/>
+          <a:p>
+            <a:r>
+              <a:rPr lang="pt-BR" dirty="0"/>
+              <a:t>Tela Cadastro de Livros</a:t>
+            </a:r>
+          </a:p>
+        </p:txBody>
+      </p:sp>
+      <p:sp>
+        <p:nvSpPr>
+          <p:cNvPr id="12" name="CaixaDeTexto 11">
+            <a:extLst>
+              <a:ext uri="{FF2B5EF4-FFF2-40B4-BE49-F238E27FC236}">
+                <a16:creationId xmlns:a16="http://schemas.microsoft.com/office/drawing/2014/main" id="{BA735706-D635-6451-5564-46399E12F38A}"/>
+              </a:ext>
+            </a:extLst>
+          </p:cNvPr>
+          <p:cNvSpPr txBox="1"/>
+          <p:nvPr/>
+        </p:nvSpPr>
+        <p:spPr>
+          <a:xfrm>
+            <a:off x="7776465" y="1055321"/>
+            <a:ext cx="3672195" cy="3754874"/>
+          </a:xfrm>
+          <a:prstGeom prst="rect">
+            <a:avLst/>
+          </a:prstGeom>
+          <a:noFill/>
+        </p:spPr>
+        <p:txBody>
+          <a:bodyPr wrap="square">
+            <a:spAutoFit/>
+          </a:bodyPr>
+          <a:lstStyle/>
+          <a:p>
+            <a:pPr algn="just"/>
+            <a:r>
+              <a:rPr lang="pt-BR" sz="1200" b="1" i="0" dirty="0">
+                <a:solidFill>
+                  <a:srgbClr val="2F2F2F"/>
+                </a:solidFill>
+                <a:effectLst/>
+                <a:latin typeface="Inter"/>
+              </a:rPr>
+              <a:t>Inclusão de Livros:</a:t>
+            </a:r>
+            <a:r>
+              <a:rPr lang="pt-BR" sz="1200" b="0" i="0" dirty="0">
+                <a:solidFill>
+                  <a:srgbClr val="2F2F2F"/>
+                </a:solidFill>
+                <a:effectLst/>
+                <a:latin typeface="Inter"/>
+              </a:rPr>
+              <a:t> Uma interface amigável permite a adição de novos livros ao sistema. Os usuários podem inserir detalhes relevantes como título, autor, assunto.</a:t>
+            </a:r>
+          </a:p>
+          <a:p>
+            <a:pPr algn="just"/>
+            <a:endParaRPr lang="pt-BR" sz="1200" b="0" i="0" dirty="0">
+              <a:solidFill>
+                <a:srgbClr val="2F2F2F"/>
+              </a:solidFill>
+              <a:effectLst/>
+              <a:latin typeface="Inter"/>
+            </a:endParaRPr>
+          </a:p>
+          <a:p>
+            <a:pPr algn="just"/>
+            <a:r>
+              <a:rPr lang="pt-BR" sz="1200" b="1" i="0" dirty="0">
+                <a:solidFill>
+                  <a:srgbClr val="2F2F2F"/>
+                </a:solidFill>
+                <a:effectLst/>
+                <a:latin typeface="Inter"/>
+              </a:rPr>
+              <a:t>Edição de Livros:</a:t>
+            </a:r>
+            <a:r>
+              <a:rPr lang="pt-BR" sz="1200" b="0" i="0" dirty="0">
+                <a:solidFill>
+                  <a:srgbClr val="2F2F2F"/>
+                </a:solidFill>
+                <a:effectLst/>
+                <a:latin typeface="Inter"/>
+              </a:rPr>
+              <a:t> Os usuários podem atualizar as informações de qualquer livro cadastrado, garantindo que os dados estejam sempre corretos e atualizados.</a:t>
+            </a:r>
+          </a:p>
+          <a:p>
+            <a:pPr algn="just"/>
+            <a:endParaRPr lang="pt-BR" sz="1200" dirty="0">
+              <a:solidFill>
+                <a:srgbClr val="2F2F2F"/>
+              </a:solidFill>
+              <a:latin typeface="Inter"/>
+            </a:endParaRPr>
+          </a:p>
+          <a:p>
+            <a:pPr algn="just"/>
+            <a:r>
+              <a:rPr lang="pt-BR" sz="1200" b="1" i="0" dirty="0">
+                <a:solidFill>
+                  <a:srgbClr val="2F2F2F"/>
+                </a:solidFill>
+                <a:effectLst/>
+                <a:latin typeface="Inter"/>
+              </a:rPr>
+              <a:t>Visualização de Detalhes:</a:t>
+            </a:r>
+            <a:r>
+              <a:rPr lang="pt-BR" sz="1200" b="0" i="0" dirty="0">
+                <a:solidFill>
+                  <a:srgbClr val="2F2F2F"/>
+                </a:solidFill>
+                <a:effectLst/>
+                <a:latin typeface="Inter"/>
+              </a:rPr>
+              <a:t> Uma visão detalhada de cada livro está disponível, exibindo todas as informações pertinentes em um formato claro e organizado.</a:t>
+            </a:r>
+          </a:p>
+          <a:p>
+            <a:pPr algn="just"/>
+            <a:endParaRPr lang="pt-BR" sz="1200" dirty="0">
+              <a:solidFill>
+                <a:srgbClr val="2F2F2F"/>
+              </a:solidFill>
+              <a:latin typeface="Inter"/>
+            </a:endParaRPr>
+          </a:p>
+          <a:p>
+            <a:pPr algn="just"/>
+            <a:r>
+              <a:rPr lang="pt-BR" sz="1200" b="1" i="0" dirty="0">
+                <a:solidFill>
+                  <a:srgbClr val="2F2F2F"/>
+                </a:solidFill>
+                <a:effectLst/>
+                <a:latin typeface="Inter"/>
+              </a:rPr>
+              <a:t>Exclusão de Livros:</a:t>
+            </a:r>
+            <a:r>
+              <a:rPr lang="pt-BR" sz="1200" b="0" i="0" dirty="0">
+                <a:solidFill>
+                  <a:srgbClr val="2F2F2F"/>
+                </a:solidFill>
+                <a:effectLst/>
+                <a:latin typeface="Inter"/>
+              </a:rPr>
+              <a:t> Livros podem ser removidos do sistema de forma simples, garantindo que o catálogo permaneça sempre relevante.</a:t>
+            </a:r>
+          </a:p>
+          <a:p>
+            <a:pPr algn="just"/>
+            <a:endParaRPr lang="pt-BR" sz="1200" dirty="0">
+              <a:solidFill>
+                <a:srgbClr val="2F2F2F"/>
+              </a:solidFill>
+              <a:latin typeface="Inter"/>
+            </a:endParaRPr>
+          </a:p>
+          <a:p>
+            <a:pPr algn="just"/>
+            <a:r>
+              <a:rPr lang="pt-BR" sz="1200" b="0" i="0" dirty="0">
+                <a:solidFill>
+                  <a:srgbClr val="2F2F2F"/>
+                </a:solidFill>
+                <a:effectLst/>
+                <a:latin typeface="Inter"/>
+              </a:rPr>
+              <a:t>Pesquisa pelo código do Livro.</a:t>
+            </a:r>
+          </a:p>
+          <a:p>
+            <a:pPr algn="just"/>
+            <a:endParaRPr lang="pt-BR" sz="1200" b="0" i="0" dirty="0">
+              <a:solidFill>
+                <a:srgbClr val="2F2F2F"/>
+              </a:solidFill>
+              <a:effectLst/>
+              <a:latin typeface="Inter"/>
+            </a:endParaRPr>
+          </a:p>
+          <a:p>
+            <a:pPr algn="just"/>
+            <a:r>
+              <a:rPr lang="pt-BR" sz="1200" dirty="0">
+                <a:solidFill>
+                  <a:srgbClr val="2F2F2F"/>
+                </a:solidFill>
+                <a:latin typeface="Inter"/>
+              </a:rPr>
+              <a:t>Relatório  permite pesquisar por Nome do Autor</a:t>
+            </a:r>
+            <a:endParaRPr lang="pt-BR" sz="1200" b="0" i="0" dirty="0">
+              <a:solidFill>
+                <a:srgbClr val="2F2F2F"/>
+              </a:solidFill>
+              <a:effectLst/>
+              <a:latin typeface="Inter"/>
+            </a:endParaRPr>
+          </a:p>
+          <a:p>
+            <a:endParaRPr lang="pt-BR" sz="1000" dirty="0"/>
+          </a:p>
+        </p:txBody>
+      </p:sp>
+      <p:pic>
+        <p:nvPicPr>
+          <p:cNvPr id="7" name="Imagem 6">
+            <a:extLst>
+              <a:ext uri="{FF2B5EF4-FFF2-40B4-BE49-F238E27FC236}">
+                <a16:creationId xmlns:a16="http://schemas.microsoft.com/office/drawing/2014/main" id="{1D2245D0-E9C4-0C21-EA5B-7BBCD3F1D970}"/>
+              </a:ext>
+            </a:extLst>
+          </p:cNvPr>
+          <p:cNvPicPr>
+            <a:picLocks noChangeAspect="1"/>
+          </p:cNvPicPr>
+          <p:nvPr/>
+        </p:nvPicPr>
+        <p:blipFill>
+          <a:blip r:embed="rId3"/>
+          <a:stretch>
+            <a:fillRect/>
+          </a:stretch>
+        </p:blipFill>
+        <p:spPr>
+          <a:xfrm>
+            <a:off x="933977" y="924560"/>
+            <a:ext cx="5464792" cy="3637280"/>
+          </a:xfrm>
+          <a:prstGeom prst="rect">
+            <a:avLst/>
+          </a:prstGeom>
+          <a:ln>
+            <a:solidFill>
+              <a:schemeClr val="accent1"/>
+            </a:solidFill>
+          </a:ln>
+        </p:spPr>
+      </p:pic>
+    </p:spTree>
+    <p:extLst>
+      <p:ext uri="{BB962C8B-B14F-4D97-AF65-F5344CB8AC3E}">
+        <p14:creationId xmlns:p14="http://schemas.microsoft.com/office/powerpoint/2010/main" val="2819577886"/>
+      </p:ext>
+    </p:extLst>
+  </p:cSld>
+  <p:clrMapOvr>
+    <a:masterClrMapping/>
+  </p:clrMapOvr>
+</p:sld>
+</file>
+
+<file path=ppt/slides/slide6.xml><?xml version="1.0" encoding="utf-8"?>
+<p:sld xmlns:a="http://schemas.openxmlformats.org/drawingml/2006/main" xmlns:r="http://schemas.openxmlformats.org/officeDocument/2006/relationships" xmlns:p="http://schemas.openxmlformats.org/presentationml/2006/main">
+  <p:cSld>
+    <p:spTree>
+      <p:nvGrpSpPr>
+        <p:cNvPr id="1" name=""/>
+        <p:cNvGrpSpPr/>
+        <p:nvPr/>
+      </p:nvGrpSpPr>
+      <p:grpSpPr>
+        <a:xfrm>
+          <a:off x="0" y="0"/>
+          <a:ext cx="0" cy="0"/>
+          <a:chOff x="0" y="0"/>
+          <a:chExt cx="0" cy="0"/>
+        </a:xfrm>
+      </p:grpSpPr>
+      <p:sp>
+        <p:nvSpPr>
+          <p:cNvPr id="3" name="Subtítulo 2">
+            <a:extLst>
+              <a:ext uri="{FF2B5EF4-FFF2-40B4-BE49-F238E27FC236}">
+                <a16:creationId xmlns:a16="http://schemas.microsoft.com/office/drawing/2014/main" id="{89EBF1C8-DABC-1A4A-5A74-D78C7B6A4C72}"/>
+              </a:ext>
+            </a:extLst>
+          </p:cNvPr>
+          <p:cNvSpPr>
+            <a:spLocks noGrp="1"/>
+          </p:cNvSpPr>
+          <p:nvPr>
+            <p:ph type="subTitle" idx="1"/>
+          </p:nvPr>
+        </p:nvSpPr>
+        <p:spPr/>
+        <p:txBody>
+          <a:bodyPr/>
+          <a:lstStyle/>
+          <a:p>
+            <a:r>
+              <a:rPr lang="pt-BR" dirty="0"/>
+              <a:t>Cadastro Livro</a:t>
+            </a:r>
+          </a:p>
+        </p:txBody>
+      </p:sp>
+      <p:sp>
+        <p:nvSpPr>
+          <p:cNvPr id="5" name="Espaço Reservado para Data 4">
+            <a:extLst>
+              <a:ext uri="{FF2B5EF4-FFF2-40B4-BE49-F238E27FC236}">
+                <a16:creationId xmlns:a16="http://schemas.microsoft.com/office/drawing/2014/main" id="{44D0D1FD-46CC-9FF7-13AC-348ED0C732E7}"/>
+              </a:ext>
+            </a:extLst>
+          </p:cNvPr>
+          <p:cNvSpPr>
+            <a:spLocks noGrp="1"/>
+          </p:cNvSpPr>
+          <p:nvPr>
+            <p:ph type="dt" sz="half" idx="2"/>
+          </p:nvPr>
+        </p:nvSpPr>
+        <p:spPr/>
+        <p:txBody>
+          <a:bodyPr/>
+          <a:lstStyle/>
+          <a:p>
+            <a:fld id="{0BA77716-DBF5-44D5-A8EB-BC46516EF9DC}" type="datetime1">
+              <a:rPr lang="en-US" smtClean="0"/>
+              <a:pPr/>
+              <a:t>12/17/2024</a:t>
+            </a:fld>
+            <a:endParaRPr lang="en-US" dirty="0"/>
+          </a:p>
+        </p:txBody>
+      </p:sp>
+      <p:sp>
+        <p:nvSpPr>
+          <p:cNvPr id="6" name="Espaço Reservado para Número de Slide 5">
+            <a:extLst>
+              <a:ext uri="{FF2B5EF4-FFF2-40B4-BE49-F238E27FC236}">
+                <a16:creationId xmlns:a16="http://schemas.microsoft.com/office/drawing/2014/main" id="{306DAFFF-3B01-7976-E157-0AB7CABC57AA}"/>
+              </a:ext>
+            </a:extLst>
+          </p:cNvPr>
+          <p:cNvSpPr>
+            <a:spLocks noGrp="1"/>
+          </p:cNvSpPr>
+          <p:nvPr>
+            <p:ph type="sldNum" sz="quarter" idx="4"/>
+          </p:nvPr>
+        </p:nvSpPr>
+        <p:spPr/>
+        <p:txBody>
+          <a:bodyPr/>
+          <a:lstStyle/>
+          <a:p>
+            <a:fld id="{294A09A9-5501-47C1-A89A-A340965A2BE2}" type="slidenum">
+              <a:rPr lang="en-US" smtClean="0"/>
+              <a:pPr/>
+              <a:t>6</a:t>
+            </a:fld>
+            <a:endParaRPr lang="en-US" dirty="0"/>
+          </a:p>
+        </p:txBody>
+      </p:sp>
+      <p:pic>
+        <p:nvPicPr>
+          <p:cNvPr id="8" name="Imagem 7">
+            <a:extLst>
+              <a:ext uri="{FF2B5EF4-FFF2-40B4-BE49-F238E27FC236}">
+                <a16:creationId xmlns:a16="http://schemas.microsoft.com/office/drawing/2014/main" id="{C548B0D2-71EF-421F-8465-3F99F1C9672B}"/>
+              </a:ext>
+            </a:extLst>
+          </p:cNvPr>
+          <p:cNvPicPr>
+            <a:picLocks noChangeAspect="1"/>
+          </p:cNvPicPr>
+          <p:nvPr/>
+        </p:nvPicPr>
+        <p:blipFill>
+          <a:blip r:embed="rId2"/>
+          <a:stretch>
+            <a:fillRect/>
+          </a:stretch>
+        </p:blipFill>
+        <p:spPr>
+          <a:xfrm>
+            <a:off x="7675396" y="2542821"/>
+            <a:ext cx="3896741" cy="1757798"/>
+          </a:xfrm>
+          <a:prstGeom prst="rect">
+            <a:avLst/>
+          </a:prstGeom>
+          <a:ln>
+            <a:solidFill>
+              <a:schemeClr val="accent1"/>
+            </a:solidFill>
+          </a:ln>
+        </p:spPr>
+      </p:pic>
+      <p:sp>
+        <p:nvSpPr>
+          <p:cNvPr id="9" name="CaixaDeTexto 8">
+            <a:extLst>
+              <a:ext uri="{FF2B5EF4-FFF2-40B4-BE49-F238E27FC236}">
+                <a16:creationId xmlns:a16="http://schemas.microsoft.com/office/drawing/2014/main" id="{E01CB640-7FB8-84CC-E902-8BB0CCA1B939}"/>
+              </a:ext>
+            </a:extLst>
+          </p:cNvPr>
+          <p:cNvSpPr txBox="1"/>
+          <p:nvPr/>
+        </p:nvSpPr>
+        <p:spPr>
+          <a:xfrm>
+            <a:off x="7700211" y="1174282"/>
+            <a:ext cx="3871926" cy="1200329"/>
+          </a:xfrm>
+          <a:prstGeom prst="rect">
+            <a:avLst/>
+          </a:prstGeom>
+          <a:noFill/>
+        </p:spPr>
+        <p:txBody>
+          <a:bodyPr wrap="square" rtlCol="0">
+            <a:spAutoFit/>
+          </a:bodyPr>
+          <a:lstStyle/>
+          <a:p>
+            <a:r>
+              <a:rPr lang="pt-BR" dirty="0"/>
+              <a:t>Ao cadastrar o livro, ao clicar no botão Salvar, o sistema abre uma grid onde podemos associar os Atores e Assuntos</a:t>
+            </a:r>
+          </a:p>
+        </p:txBody>
+      </p:sp>
+      <p:pic>
+        <p:nvPicPr>
+          <p:cNvPr id="11" name="Imagem 10">
+            <a:extLst>
+              <a:ext uri="{FF2B5EF4-FFF2-40B4-BE49-F238E27FC236}">
+                <a16:creationId xmlns:a16="http://schemas.microsoft.com/office/drawing/2014/main" id="{9C39449D-C204-538A-18D6-61E76C42A4A2}"/>
+              </a:ext>
+            </a:extLst>
+          </p:cNvPr>
+          <p:cNvPicPr>
+            <a:picLocks noChangeAspect="1"/>
+          </p:cNvPicPr>
+          <p:nvPr/>
+        </p:nvPicPr>
+        <p:blipFill>
+          <a:blip r:embed="rId3"/>
+          <a:stretch>
+            <a:fillRect/>
+          </a:stretch>
+        </p:blipFill>
+        <p:spPr>
+          <a:xfrm>
+            <a:off x="604871" y="951722"/>
+            <a:ext cx="6138828" cy="3752174"/>
+          </a:xfrm>
+          <a:prstGeom prst="rect">
+            <a:avLst/>
+          </a:prstGeom>
+        </p:spPr>
+      </p:pic>
+    </p:spTree>
+    <p:extLst>
+      <p:ext uri="{BB962C8B-B14F-4D97-AF65-F5344CB8AC3E}">
+        <p14:creationId xmlns:p14="http://schemas.microsoft.com/office/powerpoint/2010/main" val="3510062999"/>
+      </p:ext>
+    </p:extLst>
+  </p:cSld>
+  <p:clrMapOvr>
+    <a:masterClrMapping/>
+  </p:clrMapOvr>
+</p:sld>
+</file>
+
+<file path=ppt/slides/slide7.xml><?xml version="1.0" encoding="utf-8"?>
+<p:sld xmlns:a="http://schemas.openxmlformats.org/drawingml/2006/main" xmlns:r="http://schemas.openxmlformats.org/officeDocument/2006/relationships" xmlns:p="http://schemas.openxmlformats.org/presentationml/2006/main">
+  <p:cSld>
+    <p:spTree>
+      <p:nvGrpSpPr>
+        <p:cNvPr id="1" name=""/>
+        <p:cNvGrpSpPr/>
+        <p:nvPr/>
+      </p:nvGrpSpPr>
+      <p:grpSpPr>
+        <a:xfrm>
+          <a:off x="0" y="0"/>
+          <a:ext cx="0" cy="0"/>
+          <a:chOff x="0" y="0"/>
+          <a:chExt cx="0" cy="0"/>
+        </a:xfrm>
+      </p:grpSpPr>
+      <p:sp>
+        <p:nvSpPr>
+          <p:cNvPr id="3" name="Subtítulo 2">
+            <a:extLst>
+              <a:ext uri="{FF2B5EF4-FFF2-40B4-BE49-F238E27FC236}">
+                <a16:creationId xmlns:a16="http://schemas.microsoft.com/office/drawing/2014/main" id="{909C753D-0BA9-2443-9D63-AA96928D6F58}"/>
+              </a:ext>
+            </a:extLst>
+          </p:cNvPr>
+          <p:cNvSpPr>
+            <a:spLocks noGrp="1"/>
+          </p:cNvSpPr>
+          <p:nvPr>
+            <p:ph type="subTitle" idx="1"/>
+          </p:nvPr>
+        </p:nvSpPr>
+        <p:spPr/>
+        <p:txBody>
+          <a:bodyPr/>
+          <a:lstStyle/>
+          <a:p>
+            <a:r>
+              <a:rPr lang="pt-BR" dirty="0"/>
+              <a:t>Tela de Edição</a:t>
+            </a:r>
+          </a:p>
+        </p:txBody>
+      </p:sp>
+      <p:sp>
+        <p:nvSpPr>
+          <p:cNvPr id="5" name="Espaço Reservado para Data 4">
+            <a:extLst>
+              <a:ext uri="{FF2B5EF4-FFF2-40B4-BE49-F238E27FC236}">
+                <a16:creationId xmlns:a16="http://schemas.microsoft.com/office/drawing/2014/main" id="{80BB6EFD-9EBA-8C06-FB68-9B55053EB8CF}"/>
+              </a:ext>
+            </a:extLst>
+          </p:cNvPr>
+          <p:cNvSpPr>
+            <a:spLocks noGrp="1"/>
+          </p:cNvSpPr>
+          <p:nvPr>
+            <p:ph type="dt" sz="half" idx="2"/>
+          </p:nvPr>
+        </p:nvSpPr>
+        <p:spPr/>
+        <p:txBody>
+          <a:bodyPr/>
+          <a:lstStyle/>
+          <a:p>
+            <a:fld id="{0BA77716-DBF5-44D5-A8EB-BC46516EF9DC}" type="datetime1">
+              <a:rPr lang="en-US" smtClean="0"/>
+              <a:pPr/>
+              <a:t>12/17/2024</a:t>
+            </a:fld>
+            <a:endParaRPr lang="en-US" dirty="0"/>
+          </a:p>
+        </p:txBody>
+      </p:sp>
+      <p:sp>
+        <p:nvSpPr>
+          <p:cNvPr id="6" name="Espaço Reservado para Número de Slide 5">
+            <a:extLst>
+              <a:ext uri="{FF2B5EF4-FFF2-40B4-BE49-F238E27FC236}">
+                <a16:creationId xmlns:a16="http://schemas.microsoft.com/office/drawing/2014/main" id="{24B33D7B-354A-6F14-BBA7-4061EE37CA2F}"/>
+              </a:ext>
+            </a:extLst>
+          </p:cNvPr>
+          <p:cNvSpPr>
+            <a:spLocks noGrp="1"/>
+          </p:cNvSpPr>
+          <p:nvPr>
+            <p:ph type="sldNum" sz="quarter" idx="4"/>
+          </p:nvPr>
+        </p:nvSpPr>
+        <p:spPr/>
+        <p:txBody>
+          <a:bodyPr/>
+          <a:lstStyle/>
+          <a:p>
+            <a:fld id="{294A09A9-5501-47C1-A89A-A340965A2BE2}" type="slidenum">
+              <a:rPr lang="en-US" smtClean="0"/>
+              <a:pPr/>
+              <a:t>7</a:t>
+            </a:fld>
+            <a:endParaRPr lang="en-US" dirty="0"/>
+          </a:p>
+        </p:txBody>
+      </p:sp>
+      <p:pic>
+        <p:nvPicPr>
+          <p:cNvPr id="8" name="Imagem 7">
+            <a:extLst>
+              <a:ext uri="{FF2B5EF4-FFF2-40B4-BE49-F238E27FC236}">
+                <a16:creationId xmlns:a16="http://schemas.microsoft.com/office/drawing/2014/main" id="{B3AB92FD-1A17-5BC8-0FCA-CB324123EB6D}"/>
+              </a:ext>
+            </a:extLst>
+          </p:cNvPr>
+          <p:cNvPicPr>
+            <a:picLocks noChangeAspect="1"/>
+          </p:cNvPicPr>
+          <p:nvPr/>
+        </p:nvPicPr>
+        <p:blipFill>
+          <a:blip r:embed="rId2"/>
+          <a:stretch>
+            <a:fillRect/>
+          </a:stretch>
+        </p:blipFill>
+        <p:spPr>
+          <a:xfrm>
+            <a:off x="734784" y="978043"/>
+            <a:ext cx="5831386" cy="3712142"/>
+          </a:xfrm>
+          <a:prstGeom prst="rect">
+            <a:avLst/>
+          </a:prstGeom>
+          <a:ln>
+            <a:solidFill>
+              <a:schemeClr val="accent1"/>
+            </a:solidFill>
+          </a:ln>
+        </p:spPr>
+      </p:pic>
+      <p:sp>
+        <p:nvSpPr>
+          <p:cNvPr id="9" name="CaixaDeTexto 8">
+            <a:extLst>
+              <a:ext uri="{FF2B5EF4-FFF2-40B4-BE49-F238E27FC236}">
+                <a16:creationId xmlns:a16="http://schemas.microsoft.com/office/drawing/2014/main" id="{A10D4213-0984-6490-6EED-54A498EDA242}"/>
+              </a:ext>
+            </a:extLst>
+          </p:cNvPr>
+          <p:cNvSpPr txBox="1"/>
+          <p:nvPr/>
+        </p:nvSpPr>
+        <p:spPr>
+          <a:xfrm>
+            <a:off x="7704306" y="1128409"/>
+            <a:ext cx="3752910" cy="1477328"/>
+          </a:xfrm>
+          <a:prstGeom prst="rect">
+            <a:avLst/>
+          </a:prstGeom>
+          <a:noFill/>
+        </p:spPr>
+        <p:txBody>
+          <a:bodyPr wrap="square" rtlCol="0">
+            <a:spAutoFit/>
+          </a:bodyPr>
+          <a:lstStyle/>
+          <a:p>
+            <a:pPr algn="just"/>
+            <a:r>
+              <a:rPr lang="pt-BR" dirty="0"/>
+              <a:t>Nesta tela podemos alterar as informações dos livros </a:t>
+            </a:r>
+            <a:r>
+              <a:rPr lang="pt-BR" dirty="0" err="1"/>
+              <a:t>cadastradso</a:t>
+            </a:r>
+            <a:r>
+              <a:rPr lang="pt-BR" dirty="0"/>
+              <a:t>, bem como podemos adicionar mais autores e assuntos</a:t>
+            </a:r>
+          </a:p>
+        </p:txBody>
+      </p:sp>
+    </p:spTree>
+    <p:extLst>
+      <p:ext uri="{BB962C8B-B14F-4D97-AF65-F5344CB8AC3E}">
+        <p14:creationId xmlns:p14="http://schemas.microsoft.com/office/powerpoint/2010/main" val="2888386527"/>
+      </p:ext>
+    </p:extLst>
+  </p:cSld>
+  <p:clrMapOvr>
+    <a:masterClrMapping/>
+  </p:clrMapOvr>
+</p:sld>
+</file>
+
+<file path=ppt/slides/slide8.xml><?xml version="1.0" encoding="utf-8"?>
+<p:sld xmlns:a="http://schemas.openxmlformats.org/drawingml/2006/main" xmlns:r="http://schemas.openxmlformats.org/officeDocument/2006/relationships" xmlns:p="http://schemas.openxmlformats.org/presentationml/2006/main">
+  <p:cSld>
+    <p:spTree>
+      <p:nvGrpSpPr>
+        <p:cNvPr id="1" name=""/>
+        <p:cNvGrpSpPr/>
+        <p:nvPr/>
+      </p:nvGrpSpPr>
+      <p:grpSpPr>
+        <a:xfrm>
+          <a:off x="0" y="0"/>
+          <a:ext cx="0" cy="0"/>
+          <a:chOff x="0" y="0"/>
+          <a:chExt cx="0" cy="0"/>
+        </a:xfrm>
+      </p:grpSpPr>
+      <p:sp>
+        <p:nvSpPr>
+          <p:cNvPr id="3" name="Subtítulo 2">
+            <a:extLst>
+              <a:ext uri="{FF2B5EF4-FFF2-40B4-BE49-F238E27FC236}">
+                <a16:creationId xmlns:a16="http://schemas.microsoft.com/office/drawing/2014/main" id="{81B4ACC9-1740-6D51-5758-AF32E13D505C}"/>
+              </a:ext>
+            </a:extLst>
+          </p:cNvPr>
+          <p:cNvSpPr>
+            <a:spLocks noGrp="1"/>
+          </p:cNvSpPr>
+          <p:nvPr>
+            <p:ph type="subTitle" idx="1"/>
+          </p:nvPr>
+        </p:nvSpPr>
+        <p:spPr/>
+        <p:txBody>
+          <a:bodyPr/>
+          <a:lstStyle/>
+          <a:p>
+            <a:endParaRPr lang="pt-BR"/>
+          </a:p>
+        </p:txBody>
+      </p:sp>
+      <p:sp>
+        <p:nvSpPr>
+          <p:cNvPr id="5" name="Espaço Reservado para Data 4">
+            <a:extLst>
+              <a:ext uri="{FF2B5EF4-FFF2-40B4-BE49-F238E27FC236}">
+                <a16:creationId xmlns:a16="http://schemas.microsoft.com/office/drawing/2014/main" id="{2A992E8E-8926-48C8-9E32-985A4AF2CE3A}"/>
+              </a:ext>
+            </a:extLst>
+          </p:cNvPr>
+          <p:cNvSpPr>
+            <a:spLocks noGrp="1"/>
+          </p:cNvSpPr>
+          <p:nvPr>
+            <p:ph type="dt" sz="half" idx="2"/>
+          </p:nvPr>
+        </p:nvSpPr>
+        <p:spPr/>
+        <p:txBody>
+          <a:bodyPr/>
+          <a:lstStyle/>
+          <a:p>
+            <a:fld id="{0BA77716-DBF5-44D5-A8EB-BC46516EF9DC}" type="datetime1">
+              <a:rPr lang="en-US" smtClean="0"/>
+              <a:pPr/>
+              <a:t>12/17/2024</a:t>
+            </a:fld>
+            <a:endParaRPr lang="en-US" dirty="0"/>
+          </a:p>
+        </p:txBody>
+      </p:sp>
+      <p:sp>
+        <p:nvSpPr>
+          <p:cNvPr id="6" name="Espaço Reservado para Número de Slide 5">
+            <a:extLst>
+              <a:ext uri="{FF2B5EF4-FFF2-40B4-BE49-F238E27FC236}">
+                <a16:creationId xmlns:a16="http://schemas.microsoft.com/office/drawing/2014/main" id="{DDE22FFE-A7DE-BA48-ABA6-39D36842BC50}"/>
+              </a:ext>
+            </a:extLst>
+          </p:cNvPr>
+          <p:cNvSpPr>
+            <a:spLocks noGrp="1"/>
+          </p:cNvSpPr>
+          <p:nvPr>
+            <p:ph type="sldNum" sz="quarter" idx="4"/>
+          </p:nvPr>
+        </p:nvSpPr>
+        <p:spPr/>
+        <p:txBody>
+          <a:bodyPr/>
+          <a:lstStyle/>
+          <a:p>
+            <a:fld id="{294A09A9-5501-47C1-A89A-A340965A2BE2}" type="slidenum">
+              <a:rPr lang="en-US" smtClean="0"/>
+              <a:pPr/>
+              <a:t>8</a:t>
+            </a:fld>
+            <a:endParaRPr lang="en-US" dirty="0"/>
+          </a:p>
+        </p:txBody>
+      </p:sp>
+      <p:pic>
+        <p:nvPicPr>
+          <p:cNvPr id="8" name="Imagem 7">
+            <a:extLst>
+              <a:ext uri="{FF2B5EF4-FFF2-40B4-BE49-F238E27FC236}">
+                <a16:creationId xmlns:a16="http://schemas.microsoft.com/office/drawing/2014/main" id="{595852EB-C14A-79F6-FFCB-61AC11E9C88D}"/>
+              </a:ext>
+            </a:extLst>
+          </p:cNvPr>
+          <p:cNvPicPr>
+            <a:picLocks noChangeAspect="1"/>
+          </p:cNvPicPr>
+          <p:nvPr/>
+        </p:nvPicPr>
+        <p:blipFill>
+          <a:blip r:embed="rId2"/>
+          <a:stretch>
+            <a:fillRect/>
+          </a:stretch>
+        </p:blipFill>
+        <p:spPr>
+          <a:xfrm>
+            <a:off x="400884" y="1073139"/>
+            <a:ext cx="6443198" cy="3381903"/>
+          </a:xfrm>
+          <a:prstGeom prst="rect">
+            <a:avLst/>
+          </a:prstGeom>
+          <a:ln>
+            <a:solidFill>
+              <a:schemeClr val="accent1"/>
+            </a:solidFill>
+          </a:ln>
+        </p:spPr>
+      </p:pic>
+      <p:sp>
+        <p:nvSpPr>
+          <p:cNvPr id="9" name="CaixaDeTexto 8">
+            <a:extLst>
+              <a:ext uri="{FF2B5EF4-FFF2-40B4-BE49-F238E27FC236}">
+                <a16:creationId xmlns:a16="http://schemas.microsoft.com/office/drawing/2014/main" id="{88B359F8-C7C7-19D0-3ABF-FF694BB3EB33}"/>
+              </a:ext>
+            </a:extLst>
+          </p:cNvPr>
+          <p:cNvSpPr txBox="1"/>
+          <p:nvPr/>
+        </p:nvSpPr>
+        <p:spPr>
+          <a:xfrm>
+            <a:off x="7850221" y="1322962"/>
+            <a:ext cx="3492230" cy="646331"/>
+          </a:xfrm>
+          <a:prstGeom prst="rect">
+            <a:avLst/>
+          </a:prstGeom>
+          <a:noFill/>
+        </p:spPr>
+        <p:txBody>
+          <a:bodyPr wrap="square" rtlCol="0">
+            <a:spAutoFit/>
+          </a:bodyPr>
+          <a:lstStyle/>
+          <a:p>
+            <a:r>
+              <a:rPr lang="pt-BR" dirty="0"/>
+              <a:t>Tela que exibe o Detalhe das informações de um livro.</a:t>
+            </a:r>
+          </a:p>
+        </p:txBody>
+      </p:sp>
+    </p:spTree>
+    <p:extLst>
+      <p:ext uri="{BB962C8B-B14F-4D97-AF65-F5344CB8AC3E}">
+        <p14:creationId xmlns:p14="http://schemas.microsoft.com/office/powerpoint/2010/main" val="1643403353"/>
+      </p:ext>
+    </p:extLst>
+  </p:cSld>
+  <p:clrMapOvr>
+    <a:masterClrMapping/>
+  </p:clrMapOvr>
+</p:sld>
+</file>
+
+<file path=ppt/slides/slide9.xml><?xml version="1.0" encoding="utf-8"?>
+<p:sld xmlns:a="http://schemas.openxmlformats.org/drawingml/2006/main" xmlns:r="http://schemas.openxmlformats.org/officeDocument/2006/relationships" xmlns:p="http://schemas.openxmlformats.org/presentationml/2006/main">
+  <p:cSld>
+    <p:spTree>
+      <p:nvGrpSpPr>
+        <p:cNvPr id="1" name=""/>
+        <p:cNvGrpSpPr/>
+        <p:nvPr/>
+      </p:nvGrpSpPr>
+      <p:grpSpPr>
+        <a:xfrm>
+          <a:off x="0" y="0"/>
+          <a:ext cx="0" cy="0"/>
+          <a:chOff x="0" y="0"/>
+          <a:chExt cx="0" cy="0"/>
+        </a:xfrm>
+      </p:grpSpPr>
+      <p:sp>
+        <p:nvSpPr>
+          <p:cNvPr id="3" name="Subtítulo 2">
+            <a:extLst>
+              <a:ext uri="{FF2B5EF4-FFF2-40B4-BE49-F238E27FC236}">
+                <a16:creationId xmlns:a16="http://schemas.microsoft.com/office/drawing/2014/main" id="{0F27A63B-66F9-096F-48DE-19904FE04C98}"/>
+              </a:ext>
+            </a:extLst>
+          </p:cNvPr>
+          <p:cNvSpPr>
+            <a:spLocks noGrp="1"/>
+          </p:cNvSpPr>
+          <p:nvPr>
+            <p:ph type="subTitle" idx="1"/>
+          </p:nvPr>
+        </p:nvSpPr>
+        <p:spPr/>
+        <p:txBody>
+          <a:bodyPr/>
+          <a:lstStyle/>
+          <a:p>
+            <a:r>
+              <a:rPr lang="pt-BR" dirty="0"/>
+              <a:t>Cadastro de Autores</a:t>
+            </a:r>
+          </a:p>
+        </p:txBody>
+      </p:sp>
+      <p:sp>
+        <p:nvSpPr>
+          <p:cNvPr id="5" name="Espaço Reservado para Data 4">
+            <a:extLst>
+              <a:ext uri="{FF2B5EF4-FFF2-40B4-BE49-F238E27FC236}">
+                <a16:creationId xmlns:a16="http://schemas.microsoft.com/office/drawing/2014/main" id="{B25BBC5B-FDFB-1A56-2824-A8D258B2C923}"/>
+              </a:ext>
+            </a:extLst>
+          </p:cNvPr>
+          <p:cNvSpPr>
+            <a:spLocks noGrp="1"/>
+          </p:cNvSpPr>
+          <p:nvPr>
+            <p:ph type="dt" sz="half" idx="2"/>
+          </p:nvPr>
+        </p:nvSpPr>
+        <p:spPr/>
+        <p:txBody>
+          <a:bodyPr/>
+          <a:lstStyle/>
+          <a:p>
+            <a:fld id="{0BA77716-DBF5-44D5-A8EB-BC46516EF9DC}" type="datetime1">
+              <a:rPr lang="en-US" smtClean="0"/>
+              <a:pPr/>
+              <a:t>12/17/2024</a:t>
+            </a:fld>
+            <a:endParaRPr lang="en-US" dirty="0"/>
+          </a:p>
+        </p:txBody>
+      </p:sp>
+      <p:sp>
+        <p:nvSpPr>
+          <p:cNvPr id="6" name="Espaço Reservado para Número de Slide 5">
+            <a:extLst>
+              <a:ext uri="{FF2B5EF4-FFF2-40B4-BE49-F238E27FC236}">
+                <a16:creationId xmlns:a16="http://schemas.microsoft.com/office/drawing/2014/main" id="{442B3DE5-A39D-473D-954D-8615DBD839EC}"/>
+              </a:ext>
+            </a:extLst>
+          </p:cNvPr>
+          <p:cNvSpPr>
+            <a:spLocks noGrp="1"/>
+          </p:cNvSpPr>
+          <p:nvPr>
+            <p:ph type="sldNum" sz="quarter" idx="4"/>
+          </p:nvPr>
+        </p:nvSpPr>
+        <p:spPr/>
+        <p:txBody>
+          <a:bodyPr/>
+          <a:lstStyle/>
+          <a:p>
+            <a:fld id="{294A09A9-5501-47C1-A89A-A340965A2BE2}" type="slidenum">
+              <a:rPr lang="en-US" smtClean="0"/>
+              <a:pPr/>
+              <a:t>9</a:t>
+            </a:fld>
+            <a:endParaRPr lang="en-US" dirty="0"/>
+          </a:p>
+        </p:txBody>
+      </p:sp>
+      <p:sp>
+        <p:nvSpPr>
+          <p:cNvPr id="9" name="CaixaDeTexto 8">
+            <a:extLst>
+              <a:ext uri="{FF2B5EF4-FFF2-40B4-BE49-F238E27FC236}">
+                <a16:creationId xmlns:a16="http://schemas.microsoft.com/office/drawing/2014/main" id="{C35289A2-D28A-7D99-E902-8402BF90FCF5}"/>
+              </a:ext>
+            </a:extLst>
+          </p:cNvPr>
+          <p:cNvSpPr txBox="1"/>
+          <p:nvPr/>
+        </p:nvSpPr>
+        <p:spPr>
+          <a:xfrm>
+            <a:off x="7679094" y="1147665"/>
+            <a:ext cx="3893043" cy="2123658"/>
+          </a:xfrm>
+          <a:prstGeom prst="rect">
+            <a:avLst/>
+          </a:prstGeom>
+          <a:noFill/>
+        </p:spPr>
+        <p:txBody>
+          <a:bodyPr wrap="square" rtlCol="0">
+            <a:spAutoFit/>
+          </a:bodyPr>
+          <a:lstStyle/>
+          <a:p>
+            <a:pPr algn="just"/>
+            <a:r>
+              <a:rPr lang="pt-BR" sz="1200" b="1" dirty="0">
+                <a:solidFill>
+                  <a:srgbClr val="2F2F2F"/>
+                </a:solidFill>
+                <a:latin typeface="Inter"/>
+              </a:rPr>
+              <a:t>Inclusão de Autores</a:t>
+            </a:r>
+            <a:r>
+              <a:rPr lang="pt-BR" sz="1200" dirty="0">
+                <a:solidFill>
+                  <a:srgbClr val="2F2F2F"/>
+                </a:solidFill>
+                <a:latin typeface="Inter"/>
+              </a:rPr>
+              <a:t>: Permite adicionar novos autores ao sistema.</a:t>
+            </a:r>
+          </a:p>
+          <a:p>
+            <a:pPr algn="just">
+              <a:buFont typeface="Arial" panose="020B0604020202020204" pitchFamily="34" charset="0"/>
+              <a:buChar char="•"/>
+            </a:pPr>
+            <a:endParaRPr lang="pt-BR" sz="1200" dirty="0">
+              <a:solidFill>
+                <a:srgbClr val="2F2F2F"/>
+              </a:solidFill>
+              <a:latin typeface="Inter"/>
+            </a:endParaRPr>
+          </a:p>
+          <a:p>
+            <a:pPr algn="just"/>
+            <a:r>
+              <a:rPr lang="pt-BR" sz="1200" b="1" dirty="0">
+                <a:solidFill>
+                  <a:srgbClr val="2F2F2F"/>
+                </a:solidFill>
+                <a:latin typeface="Inter"/>
+              </a:rPr>
+              <a:t>Edição de Autores</a:t>
+            </a:r>
+            <a:r>
+              <a:rPr lang="pt-BR" sz="1200" dirty="0">
+                <a:solidFill>
+                  <a:srgbClr val="2F2F2F"/>
+                </a:solidFill>
+                <a:latin typeface="Inter"/>
+              </a:rPr>
+              <a:t>: Atualize os dados dos autores conforme necessário, mantendo informações precisas e atualizadas.</a:t>
+            </a:r>
+          </a:p>
+          <a:p>
+            <a:pPr algn="just">
+              <a:buFont typeface="Arial" panose="020B0604020202020204" pitchFamily="34" charset="0"/>
+              <a:buChar char="•"/>
+            </a:pPr>
+            <a:endParaRPr lang="pt-BR" sz="1200" dirty="0">
+              <a:solidFill>
+                <a:srgbClr val="2F2F2F"/>
+              </a:solidFill>
+              <a:latin typeface="Inter"/>
+            </a:endParaRPr>
+          </a:p>
+          <a:p>
+            <a:pPr algn="just"/>
+            <a:r>
+              <a:rPr lang="pt-BR" sz="1200" b="1" dirty="0">
+                <a:solidFill>
+                  <a:srgbClr val="2F2F2F"/>
+                </a:solidFill>
+                <a:latin typeface="Inter"/>
+              </a:rPr>
+              <a:t>Visualização de Detalhes</a:t>
+            </a:r>
+            <a:r>
+              <a:rPr lang="pt-BR" sz="1200" dirty="0">
+                <a:solidFill>
+                  <a:srgbClr val="2F2F2F"/>
+                </a:solidFill>
+                <a:latin typeface="Inter"/>
+              </a:rPr>
+              <a:t>: Exiba uma visão completa das informações do autor.</a:t>
+            </a:r>
+          </a:p>
+          <a:p>
+            <a:pPr algn="just"/>
+            <a:endParaRPr lang="pt-BR" sz="1200" dirty="0">
+              <a:solidFill>
+                <a:srgbClr val="2F2F2F"/>
+              </a:solidFill>
+              <a:latin typeface="Inter"/>
+            </a:endParaRPr>
+          </a:p>
+          <a:p>
+            <a:pPr algn="just"/>
+            <a:r>
+              <a:rPr lang="pt-BR" sz="1200" b="1" dirty="0">
+                <a:solidFill>
+                  <a:srgbClr val="2F2F2F"/>
+                </a:solidFill>
+                <a:latin typeface="Inter"/>
+              </a:rPr>
+              <a:t>Exclusão de Autores</a:t>
+            </a:r>
+            <a:r>
+              <a:rPr lang="pt-BR" sz="1200" dirty="0">
+                <a:solidFill>
+                  <a:srgbClr val="2F2F2F"/>
+                </a:solidFill>
+                <a:latin typeface="Inter"/>
+              </a:rPr>
+              <a:t>: Remova autores do sistema quando necessário, mantendo o banco de dados organizado.</a:t>
+            </a:r>
+          </a:p>
+        </p:txBody>
+      </p:sp>
+      <p:pic>
+        <p:nvPicPr>
+          <p:cNvPr id="4" name="Imagem 3">
+            <a:extLst>
+              <a:ext uri="{FF2B5EF4-FFF2-40B4-BE49-F238E27FC236}">
+                <a16:creationId xmlns:a16="http://schemas.microsoft.com/office/drawing/2014/main" id="{65A9A409-702B-94C0-BD67-E3992E79340D}"/>
+              </a:ext>
+            </a:extLst>
+          </p:cNvPr>
+          <p:cNvPicPr>
+            <a:picLocks noChangeAspect="1"/>
+          </p:cNvPicPr>
+          <p:nvPr/>
+        </p:nvPicPr>
+        <p:blipFill>
+          <a:blip r:embed="rId2"/>
+          <a:stretch>
+            <a:fillRect/>
+          </a:stretch>
+        </p:blipFill>
+        <p:spPr>
+          <a:xfrm>
+            <a:off x="581341" y="1147665"/>
+            <a:ext cx="6197565" cy="2146041"/>
+          </a:xfrm>
+          <a:prstGeom prst="rect">
+            <a:avLst/>
+          </a:prstGeom>
+          <a:ln>
+            <a:solidFill>
+              <a:schemeClr val="accent1"/>
+            </a:solidFill>
+          </a:ln>
+        </p:spPr>
+      </p:pic>
+    </p:spTree>
+    <p:extLst>
+      <p:ext uri="{BB962C8B-B14F-4D97-AF65-F5344CB8AC3E}">
+        <p14:creationId xmlns:p14="http://schemas.microsoft.com/office/powerpoint/2010/main" val="4066650899"/>
       </p:ext>
     </p:extLst>
   </p:cSld>
@@ -23690,6 +24314,26 @@
 </file>
 
 <file path=customXml/item1.xml><?xml version="1.0" encoding="utf-8"?>
+<p:properties xmlns:p="http://schemas.microsoft.com/office/2006/metadata/properties" xmlns:xsi="http://www.w3.org/2001/XMLSchema-instance" xmlns:pc="http://schemas.microsoft.com/office/infopath/2007/PartnerControls">
+  <documentManagement>
+    <_ip_UnifiedCompliancePolicyUIAction xmlns="http://schemas.microsoft.com/sharepoint/v3" xsi:nil="true"/>
+    <Image xmlns="71af3243-3dd4-4a8d-8c0d-dd76da1f02a5">
+      <Url xsi:nil="true"/>
+      <Description xsi:nil="true"/>
+    </Image>
+    <Status xmlns="71af3243-3dd4-4a8d-8c0d-dd76da1f02a5">Not started</Status>
+    <Background xmlns="71af3243-3dd4-4a8d-8c0d-dd76da1f02a5">false</Background>
+    <_ip_UnifiedCompliancePolicyProperties xmlns="http://schemas.microsoft.com/sharepoint/v3" xsi:nil="true"/>
+    <ImageTagsTaxHTField xmlns="71af3243-3dd4-4a8d-8c0d-dd76da1f02a5">
+      <Terms xmlns="http://schemas.microsoft.com/office/infopath/2007/PartnerControls"/>
+    </ImageTagsTaxHTField>
+    <TaxCatchAll xmlns="230e9df3-be65-4c73-a93b-d1236ebd677e" xsi:nil="true"/>
+    <MediaServiceKeyPoints xmlns="71af3243-3dd4-4a8d-8c0d-dd76da1f02a5" xsi:nil="true"/>
+  </documentManagement>
+</p:properties>
+</file>
+
+<file path=customXml/item2.xml><?xml version="1.0" encoding="utf-8"?>
 <ct:contentTypeSchema xmlns:ct="http://schemas.microsoft.com/office/2006/metadata/contentType" xmlns:ma="http://schemas.microsoft.com/office/2006/metadata/properties/metaAttributes" ct:_="" ma:_="" ma:contentTypeName="Document" ma:contentTypeID="0x01010079F111ED35F8CC479449609E8A0923A6" ma:contentTypeVersion="28" ma:contentTypeDescription="Create a new document." ma:contentTypeScope="" ma:versionID="60f5a4f2d2b0abadcf532d48ebf9cb71">
   <xsd:schema xmlns:xsd="http://www.w3.org/2001/XMLSchema" xmlns:xs="http://www.w3.org/2001/XMLSchema" xmlns:p="http://schemas.microsoft.com/office/2006/metadata/properties" xmlns:ns1="http://schemas.microsoft.com/sharepoint/v3" xmlns:ns2="71af3243-3dd4-4a8d-8c0d-dd76da1f02a5" xmlns:ns3="16c05727-aa75-4e4a-9b5f-8a80a1165891" xmlns:ns4="230e9df3-be65-4c73-a93b-d1236ebd677e" targetNamespace="http://schemas.microsoft.com/office/2006/metadata/properties" ma:root="true" ma:fieldsID="7dd78129e6a1811f84807ad11c651531" ns1:_="" ns2:_="" ns3:_="" ns4:_="">
     <xsd:import namespace="http://schemas.microsoft.com/sharepoint/v3"/>
@@ -24001,26 +24645,6 @@
 </ct:contentTypeSchema>
 </file>
 
-<file path=customXml/item2.xml><?xml version="1.0" encoding="utf-8"?>
-<p:properties xmlns:p="http://schemas.microsoft.com/office/2006/metadata/properties" xmlns:xsi="http://www.w3.org/2001/XMLSchema-instance" xmlns:pc="http://schemas.microsoft.com/office/infopath/2007/PartnerControls">
-  <documentManagement>
-    <_ip_UnifiedCompliancePolicyUIAction xmlns="http://schemas.microsoft.com/sharepoint/v3" xsi:nil="true"/>
-    <Image xmlns="71af3243-3dd4-4a8d-8c0d-dd76da1f02a5">
-      <Url xsi:nil="true"/>
-      <Description xsi:nil="true"/>
-    </Image>
-    <Status xmlns="71af3243-3dd4-4a8d-8c0d-dd76da1f02a5">Not started</Status>
-    <Background xmlns="71af3243-3dd4-4a8d-8c0d-dd76da1f02a5">false</Background>
-    <_ip_UnifiedCompliancePolicyProperties xmlns="http://schemas.microsoft.com/sharepoint/v3" xsi:nil="true"/>
-    <ImageTagsTaxHTField xmlns="71af3243-3dd4-4a8d-8c0d-dd76da1f02a5">
-      <Terms xmlns="http://schemas.microsoft.com/office/infopath/2007/PartnerControls"/>
-    </ImageTagsTaxHTField>
-    <TaxCatchAll xmlns="230e9df3-be65-4c73-a93b-d1236ebd677e" xsi:nil="true"/>
-    <MediaServiceKeyPoints xmlns="71af3243-3dd4-4a8d-8c0d-dd76da1f02a5" xsi:nil="true"/>
-  </documentManagement>
-</p:properties>
-</file>
-
 <file path=customXml/item3.xml><?xml version="1.0" encoding="utf-8"?>
 <?mso-contentType ?>
 <FormTemplates xmlns="http://schemas.microsoft.com/sharepoint/v3/contenttype/forms">
@@ -24031,6 +24655,18 @@
 </file>
 
 <file path=customXml/itemProps1.xml><?xml version="1.0" encoding="utf-8"?>
+<ds:datastoreItem xmlns:ds="http://schemas.openxmlformats.org/officeDocument/2006/customXml" ds:itemID="{25BF1A99-35F0-4B73-B737-B4DCDCD8CA57}">
+  <ds:schemaRefs>
+    <ds:schemaRef ds:uri="http://schemas.microsoft.com/office/2006/metadata/properties"/>
+    <ds:schemaRef ds:uri="http://schemas.microsoft.com/office/infopath/2007/PartnerControls"/>
+    <ds:schemaRef ds:uri="http://schemas.microsoft.com/sharepoint/v3"/>
+    <ds:schemaRef ds:uri="71af3243-3dd4-4a8d-8c0d-dd76da1f02a5"/>
+    <ds:schemaRef ds:uri="230e9df3-be65-4c73-a93b-d1236ebd677e"/>
+  </ds:schemaRefs>
+</ds:datastoreItem>
+</file>
+
+<file path=customXml/itemProps2.xml><?xml version="1.0" encoding="utf-8"?>
 <ds:datastoreItem xmlns:ds="http://schemas.openxmlformats.org/officeDocument/2006/customXml" ds:itemID="{07093E94-C176-4FB3-93BB-02AEE1FEC2E7}">
   <ds:schemaRefs>
     <ds:schemaRef ds:uri="http://schemas.microsoft.com/office/2006/metadata/contentType"/>
@@ -24051,18 +24687,6 @@
 </ds:datastoreItem>
 </file>
 
-<file path=customXml/itemProps2.xml><?xml version="1.0" encoding="utf-8"?>
-<ds:datastoreItem xmlns:ds="http://schemas.openxmlformats.org/officeDocument/2006/customXml" ds:itemID="{25BF1A99-35F0-4B73-B737-B4DCDCD8CA57}">
-  <ds:schemaRefs>
-    <ds:schemaRef ds:uri="http://schemas.microsoft.com/office/2006/metadata/properties"/>
-    <ds:schemaRef ds:uri="http://schemas.microsoft.com/office/infopath/2007/PartnerControls"/>
-    <ds:schemaRef ds:uri="http://schemas.microsoft.com/sharepoint/v3"/>
-    <ds:schemaRef ds:uri="71af3243-3dd4-4a8d-8c0d-dd76da1f02a5"/>
-    <ds:schemaRef ds:uri="230e9df3-be65-4c73-a93b-d1236ebd677e"/>
-  </ds:schemaRefs>
-</ds:datastoreItem>
-</file>
-
 <file path=customXml/itemProps3.xml><?xml version="1.0" encoding="utf-8"?>
 <ds:datastoreItem xmlns:ds="http://schemas.openxmlformats.org/officeDocument/2006/customXml" ds:itemID="{F55A16D6-EDBE-419D-AF8F-74F00E41AFB5}">
   <ds:schemaRefs>
